--- a/slp&i2020/medium/img.pptx
+++ b/slp&i2020/medium/img.pptx
@@ -7,18 +7,19 @@
   <p:sldIdLst>
     <p:sldId id="256" r:id="rId2"/>
     <p:sldId id="273" r:id="rId3"/>
-    <p:sldId id="269" r:id="rId4"/>
-    <p:sldId id="265" r:id="rId5"/>
-    <p:sldId id="270" r:id="rId6"/>
-    <p:sldId id="258" r:id="rId7"/>
-    <p:sldId id="271" r:id="rId8"/>
-    <p:sldId id="264" r:id="rId9"/>
-    <p:sldId id="261" r:id="rId10"/>
-    <p:sldId id="272" r:id="rId11"/>
-    <p:sldId id="262" r:id="rId12"/>
-    <p:sldId id="263" r:id="rId13"/>
-    <p:sldId id="268" r:id="rId14"/>
-    <p:sldId id="266" r:id="rId15"/>
+    <p:sldId id="274" r:id="rId4"/>
+    <p:sldId id="269" r:id="rId5"/>
+    <p:sldId id="265" r:id="rId6"/>
+    <p:sldId id="270" r:id="rId7"/>
+    <p:sldId id="258" r:id="rId8"/>
+    <p:sldId id="271" r:id="rId9"/>
+    <p:sldId id="264" r:id="rId10"/>
+    <p:sldId id="261" r:id="rId11"/>
+    <p:sldId id="272" r:id="rId12"/>
+    <p:sldId id="262" r:id="rId13"/>
+    <p:sldId id="263" r:id="rId14"/>
+    <p:sldId id="268" r:id="rId15"/>
+    <p:sldId id="266" r:id="rId16"/>
   </p:sldIdLst>
   <p:sldSz cx="21599525" cy="21599525"/>
   <p:notesSz cx="6858000" cy="9144000"/>
@@ -256,7 +257,7 @@
           <a:p>
             <a:fld id="{3E906AA8-AB23-40FA-BFDB-6A33FBF1CFF0}" type="datetimeFigureOut">
               <a:rPr lang="zh-TW" altLang="en-US" smtClean="0"/>
-              <a:t>2020/11/1</a:t>
+              <a:t>2020/11/2</a:t>
             </a:fld>
             <a:endParaRPr lang="zh-TW" altLang="en-US"/>
           </a:p>
@@ -426,7 +427,7 @@
           <a:p>
             <a:fld id="{3E906AA8-AB23-40FA-BFDB-6A33FBF1CFF0}" type="datetimeFigureOut">
               <a:rPr lang="zh-TW" altLang="en-US" smtClean="0"/>
-              <a:t>2020/11/1</a:t>
+              <a:t>2020/11/2</a:t>
             </a:fld>
             <a:endParaRPr lang="zh-TW" altLang="en-US"/>
           </a:p>
@@ -606,7 +607,7 @@
           <a:p>
             <a:fld id="{3E906AA8-AB23-40FA-BFDB-6A33FBF1CFF0}" type="datetimeFigureOut">
               <a:rPr lang="zh-TW" altLang="en-US" smtClean="0"/>
-              <a:t>2020/11/1</a:t>
+              <a:t>2020/11/2</a:t>
             </a:fld>
             <a:endParaRPr lang="zh-TW" altLang="en-US"/>
           </a:p>
@@ -776,7 +777,7 @@
           <a:p>
             <a:fld id="{3E906AA8-AB23-40FA-BFDB-6A33FBF1CFF0}" type="datetimeFigureOut">
               <a:rPr lang="zh-TW" altLang="en-US" smtClean="0"/>
-              <a:t>2020/11/1</a:t>
+              <a:t>2020/11/2</a:t>
             </a:fld>
             <a:endParaRPr lang="zh-TW" altLang="en-US"/>
           </a:p>
@@ -1020,7 +1021,7 @@
           <a:p>
             <a:fld id="{3E906AA8-AB23-40FA-BFDB-6A33FBF1CFF0}" type="datetimeFigureOut">
               <a:rPr lang="zh-TW" altLang="en-US" smtClean="0"/>
-              <a:t>2020/11/1</a:t>
+              <a:t>2020/11/2</a:t>
             </a:fld>
             <a:endParaRPr lang="zh-TW" altLang="en-US"/>
           </a:p>
@@ -1252,7 +1253,7 @@
           <a:p>
             <a:fld id="{3E906AA8-AB23-40FA-BFDB-6A33FBF1CFF0}" type="datetimeFigureOut">
               <a:rPr lang="zh-TW" altLang="en-US" smtClean="0"/>
-              <a:t>2020/11/1</a:t>
+              <a:t>2020/11/2</a:t>
             </a:fld>
             <a:endParaRPr lang="zh-TW" altLang="en-US"/>
           </a:p>
@@ -1619,7 +1620,7 @@
           <a:p>
             <a:fld id="{3E906AA8-AB23-40FA-BFDB-6A33FBF1CFF0}" type="datetimeFigureOut">
               <a:rPr lang="zh-TW" altLang="en-US" smtClean="0"/>
-              <a:t>2020/11/1</a:t>
+              <a:t>2020/11/2</a:t>
             </a:fld>
             <a:endParaRPr lang="zh-TW" altLang="en-US"/>
           </a:p>
@@ -1737,7 +1738,7 @@
           <a:p>
             <a:fld id="{3E906AA8-AB23-40FA-BFDB-6A33FBF1CFF0}" type="datetimeFigureOut">
               <a:rPr lang="zh-TW" altLang="en-US" smtClean="0"/>
-              <a:t>2020/11/1</a:t>
+              <a:t>2020/11/2</a:t>
             </a:fld>
             <a:endParaRPr lang="zh-TW" altLang="en-US"/>
           </a:p>
@@ -1832,7 +1833,7 @@
           <a:p>
             <a:fld id="{3E906AA8-AB23-40FA-BFDB-6A33FBF1CFF0}" type="datetimeFigureOut">
               <a:rPr lang="zh-TW" altLang="en-US" smtClean="0"/>
-              <a:t>2020/11/1</a:t>
+              <a:t>2020/11/2</a:t>
             </a:fld>
             <a:endParaRPr lang="zh-TW" altLang="en-US"/>
           </a:p>
@@ -2109,7 +2110,7 @@
           <a:p>
             <a:fld id="{3E906AA8-AB23-40FA-BFDB-6A33FBF1CFF0}" type="datetimeFigureOut">
               <a:rPr lang="zh-TW" altLang="en-US" smtClean="0"/>
-              <a:t>2020/11/1</a:t>
+              <a:t>2020/11/2</a:t>
             </a:fld>
             <a:endParaRPr lang="zh-TW" altLang="en-US"/>
           </a:p>
@@ -2366,7 +2367,7 @@
           <a:p>
             <a:fld id="{3E906AA8-AB23-40FA-BFDB-6A33FBF1CFF0}" type="datetimeFigureOut">
               <a:rPr lang="zh-TW" altLang="en-US" smtClean="0"/>
-              <a:t>2020/11/1</a:t>
+              <a:t>2020/11/2</a:t>
             </a:fld>
             <a:endParaRPr lang="zh-TW" altLang="en-US"/>
           </a:p>
@@ -2579,7 +2580,7 @@
           <a:p>
             <a:fld id="{3E906AA8-AB23-40FA-BFDB-6A33FBF1CFF0}" type="datetimeFigureOut">
               <a:rPr lang="zh-TW" altLang="en-US" smtClean="0"/>
-              <a:t>2020/11/1</a:t>
+              <a:t>2020/11/2</a:t>
             </a:fld>
             <a:endParaRPr lang="zh-TW" altLang="en-US"/>
           </a:p>
@@ -4534,6 +4535,875 @@
       </p:grpSpPr>
       <p:cxnSp>
         <p:nvCxnSpPr>
+          <p:cNvPr id="93" name="肘形接點 92"/>
+          <p:cNvCxnSpPr>
+            <a:stCxn id="20" idx="2"/>
+          </p:cNvCxnSpPr>
+          <p:nvPr/>
+        </p:nvCxnSpPr>
+        <p:spPr>
+          <a:xfrm rot="16200000" flipH="1">
+            <a:off x="7508199" y="9579554"/>
+            <a:ext cx="274947" cy="3425950"/>
+          </a:xfrm>
+          <a:prstGeom prst="bentConnector2">
+            <a:avLst/>
+          </a:prstGeom>
+          <a:ln w="63500" cap="rnd">
+            <a:gradFill>
+              <a:gsLst>
+                <a:gs pos="0">
+                  <a:srgbClr val="21C5FF"/>
+                </a:gs>
+                <a:gs pos="83000">
+                  <a:srgbClr val="FF0066"/>
+                </a:gs>
+              </a:gsLst>
+              <a:lin ang="5400000" scaled="1"/>
+            </a:gradFill>
+            <a:round/>
+            <a:tailEnd type="triangle"/>
+          </a:ln>
+        </p:spPr>
+        <p:style>
+          <a:lnRef idx="1">
+            <a:schemeClr val="accent1"/>
+          </a:lnRef>
+          <a:fillRef idx="0">
+            <a:schemeClr val="accent1"/>
+          </a:fillRef>
+          <a:effectRef idx="0">
+            <a:schemeClr val="accent1"/>
+          </a:effectRef>
+          <a:fontRef idx="minor">
+            <a:schemeClr val="tx1"/>
+          </a:fontRef>
+        </p:style>
+      </p:cxnSp>
+      <p:grpSp>
+        <p:nvGrpSpPr>
+          <p:cNvPr id="14" name="群組 13"/>
+          <p:cNvGrpSpPr/>
+          <p:nvPr/>
+        </p:nvGrpSpPr>
+        <p:grpSpPr>
+          <a:xfrm>
+            <a:off x="4420887" y="10546080"/>
+            <a:ext cx="3023618" cy="608976"/>
+            <a:chOff x="4222767" y="13258800"/>
+            <a:chExt cx="3023618" cy="608976"/>
+          </a:xfrm>
+        </p:grpSpPr>
+        <p:sp>
+          <p:nvSpPr>
+            <p:cNvPr id="20" name="圓角矩形 19"/>
+            <p:cNvSpPr/>
+            <p:nvPr/>
+          </p:nvSpPr>
+          <p:spPr>
+            <a:xfrm>
+              <a:off x="4222769" y="13258800"/>
+              <a:ext cx="3023616" cy="608976"/>
+            </a:xfrm>
+            <a:prstGeom prst="roundRect">
+              <a:avLst/>
+            </a:prstGeom>
+            <a:solidFill>
+              <a:srgbClr val="21C5FF"/>
+            </a:solidFill>
+            <a:ln>
+              <a:noFill/>
+            </a:ln>
+          </p:spPr>
+          <p:style>
+            <a:lnRef idx="2">
+              <a:schemeClr val="accent1">
+                <a:shade val="50000"/>
+              </a:schemeClr>
+            </a:lnRef>
+            <a:fillRef idx="1">
+              <a:schemeClr val="accent1"/>
+            </a:fillRef>
+            <a:effectRef idx="0">
+              <a:schemeClr val="accent1"/>
+            </a:effectRef>
+            <a:fontRef idx="minor">
+              <a:schemeClr val="lt1"/>
+            </a:fontRef>
+          </p:style>
+          <p:txBody>
+            <a:bodyPr rot="0" spcFirstLastPara="0" vertOverflow="overflow" horzOverflow="overflow" vert="horz" wrap="square" lIns="91440" tIns="45720" rIns="91440" bIns="45720" numCol="1" spcCol="0" rtlCol="0" fromWordArt="0" anchor="ctr" anchorCtr="0" forceAA="0" compatLnSpc="1">
+              <a:prstTxWarp prst="textNoShape">
+                <a:avLst/>
+              </a:prstTxWarp>
+              <a:noAutofit/>
+            </a:bodyPr>
+            <a:lstStyle/>
+            <a:p>
+              <a:pPr algn="ctr"/>
+              <a:endParaRPr lang="zh-TW" altLang="en-US" sz="1800"/>
+            </a:p>
+          </p:txBody>
+        </p:sp>
+        <p:sp>
+          <p:nvSpPr>
+            <p:cNvPr id="8" name="矩形 7"/>
+            <p:cNvSpPr/>
+            <p:nvPr/>
+          </p:nvSpPr>
+          <p:spPr>
+            <a:xfrm>
+              <a:off x="4222767" y="13360628"/>
+              <a:ext cx="3023618" cy="405319"/>
+            </a:xfrm>
+            <a:prstGeom prst="rect">
+              <a:avLst/>
+            </a:prstGeom>
+            <a:solidFill>
+              <a:srgbClr val="282828"/>
+            </a:solidFill>
+            <a:ln>
+              <a:noFill/>
+            </a:ln>
+          </p:spPr>
+          <p:style>
+            <a:lnRef idx="2">
+              <a:schemeClr val="accent1">
+                <a:shade val="50000"/>
+              </a:schemeClr>
+            </a:lnRef>
+            <a:fillRef idx="1">
+              <a:schemeClr val="accent1"/>
+            </a:fillRef>
+            <a:effectRef idx="0">
+              <a:schemeClr val="accent1"/>
+            </a:effectRef>
+            <a:fontRef idx="minor">
+              <a:schemeClr val="lt1"/>
+            </a:fontRef>
+          </p:style>
+          <p:txBody>
+            <a:bodyPr rot="0" spcFirstLastPara="0" vertOverflow="overflow" horzOverflow="overflow" vert="horz" wrap="square" lIns="91440" tIns="45720" rIns="91440" bIns="45720" numCol="1" spcCol="0" rtlCol="0" fromWordArt="0" anchor="ctr" anchorCtr="0" forceAA="0" compatLnSpc="1">
+              <a:prstTxWarp prst="textNoShape">
+                <a:avLst/>
+              </a:prstTxWarp>
+              <a:noAutofit/>
+            </a:bodyPr>
+            <a:lstStyle/>
+            <a:p>
+              <a:pPr algn="ctr"/>
+              <a:r>
+                <a:rPr lang="en-US" altLang="zh-TW" sz="1800" dirty="0" smtClean="0">
+                  <a:solidFill>
+                    <a:srgbClr val="D9F5FF"/>
+                  </a:solidFill>
+                  <a:latin typeface="Source Code Pro" panose="020B0509030403020204" pitchFamily="49" charset="0"/>
+                </a:rPr>
+                <a:t>Conv1D(3,1024)</a:t>
+              </a:r>
+              <a:endParaRPr lang="zh-TW" altLang="en-US" sz="1800" dirty="0">
+                <a:solidFill>
+                  <a:srgbClr val="D9F5FF"/>
+                </a:solidFill>
+                <a:latin typeface="Source Code Pro" panose="020B0509030403020204" pitchFamily="49" charset="0"/>
+              </a:endParaRPr>
+            </a:p>
+          </p:txBody>
+        </p:sp>
+      </p:grpSp>
+      <p:grpSp>
+        <p:nvGrpSpPr>
+          <p:cNvPr id="24" name="群組 23"/>
+          <p:cNvGrpSpPr/>
+          <p:nvPr/>
+        </p:nvGrpSpPr>
+        <p:grpSpPr>
+          <a:xfrm>
+            <a:off x="4420887" y="9937103"/>
+            <a:ext cx="3023618" cy="608976"/>
+            <a:chOff x="4222767" y="13258800"/>
+            <a:chExt cx="3023618" cy="608976"/>
+          </a:xfrm>
+        </p:grpSpPr>
+        <p:sp>
+          <p:nvSpPr>
+            <p:cNvPr id="25" name="圓角矩形 24"/>
+            <p:cNvSpPr/>
+            <p:nvPr/>
+          </p:nvSpPr>
+          <p:spPr>
+            <a:xfrm>
+              <a:off x="4222769" y="13258800"/>
+              <a:ext cx="3023616" cy="608976"/>
+            </a:xfrm>
+            <a:prstGeom prst="roundRect">
+              <a:avLst/>
+            </a:prstGeom>
+            <a:solidFill>
+              <a:srgbClr val="21C5FF"/>
+            </a:solidFill>
+            <a:ln>
+              <a:noFill/>
+            </a:ln>
+          </p:spPr>
+          <p:style>
+            <a:lnRef idx="2">
+              <a:schemeClr val="accent1">
+                <a:shade val="50000"/>
+              </a:schemeClr>
+            </a:lnRef>
+            <a:fillRef idx="1">
+              <a:schemeClr val="accent1"/>
+            </a:fillRef>
+            <a:effectRef idx="0">
+              <a:schemeClr val="accent1"/>
+            </a:effectRef>
+            <a:fontRef idx="minor">
+              <a:schemeClr val="lt1"/>
+            </a:fontRef>
+          </p:style>
+          <p:txBody>
+            <a:bodyPr rot="0" spcFirstLastPara="0" vertOverflow="overflow" horzOverflow="overflow" vert="horz" wrap="square" lIns="91440" tIns="45720" rIns="91440" bIns="45720" numCol="1" spcCol="0" rtlCol="0" fromWordArt="0" anchor="ctr" anchorCtr="0" forceAA="0" compatLnSpc="1">
+              <a:prstTxWarp prst="textNoShape">
+                <a:avLst/>
+              </a:prstTxWarp>
+              <a:noAutofit/>
+            </a:bodyPr>
+            <a:lstStyle/>
+            <a:p>
+              <a:pPr algn="ctr"/>
+              <a:endParaRPr lang="zh-TW" altLang="en-US" sz="1800"/>
+            </a:p>
+          </p:txBody>
+        </p:sp>
+        <p:sp>
+          <p:nvSpPr>
+            <p:cNvPr id="26" name="矩形 25"/>
+            <p:cNvSpPr/>
+            <p:nvPr/>
+          </p:nvSpPr>
+          <p:spPr>
+            <a:xfrm>
+              <a:off x="4222767" y="13360628"/>
+              <a:ext cx="3023618" cy="405319"/>
+            </a:xfrm>
+            <a:prstGeom prst="rect">
+              <a:avLst/>
+            </a:prstGeom>
+            <a:solidFill>
+              <a:srgbClr val="282828"/>
+            </a:solidFill>
+            <a:ln>
+              <a:noFill/>
+            </a:ln>
+          </p:spPr>
+          <p:style>
+            <a:lnRef idx="2">
+              <a:schemeClr val="accent1">
+                <a:shade val="50000"/>
+              </a:schemeClr>
+            </a:lnRef>
+            <a:fillRef idx="1">
+              <a:schemeClr val="accent1"/>
+            </a:fillRef>
+            <a:effectRef idx="0">
+              <a:schemeClr val="accent1"/>
+            </a:effectRef>
+            <a:fontRef idx="minor">
+              <a:schemeClr val="lt1"/>
+            </a:fontRef>
+          </p:style>
+          <p:txBody>
+            <a:bodyPr rot="0" spcFirstLastPara="0" vertOverflow="overflow" horzOverflow="overflow" vert="horz" wrap="square" lIns="91440" tIns="45720" rIns="91440" bIns="45720" numCol="1" spcCol="0" rtlCol="0" fromWordArt="0" anchor="ctr" anchorCtr="0" forceAA="0" compatLnSpc="1">
+              <a:prstTxWarp prst="textNoShape">
+                <a:avLst/>
+              </a:prstTxWarp>
+              <a:noAutofit/>
+            </a:bodyPr>
+            <a:lstStyle/>
+            <a:p>
+              <a:pPr algn="ctr"/>
+              <a:r>
+                <a:rPr lang="en-US" altLang="zh-TW" sz="1800" dirty="0" smtClean="0">
+                  <a:solidFill>
+                    <a:srgbClr val="D9F5FF"/>
+                  </a:solidFill>
+                  <a:latin typeface="Source Code Pro" panose="020B0509030403020204" pitchFamily="49" charset="0"/>
+                </a:rPr>
+                <a:t>Conv1D(3,1024)</a:t>
+              </a:r>
+              <a:endParaRPr lang="zh-TW" altLang="en-US" sz="1800" dirty="0">
+                <a:solidFill>
+                  <a:srgbClr val="D9F5FF"/>
+                </a:solidFill>
+                <a:latin typeface="Source Code Pro" panose="020B0509030403020204" pitchFamily="49" charset="0"/>
+              </a:endParaRPr>
+            </a:p>
+          </p:txBody>
+        </p:sp>
+      </p:grpSp>
+      <p:grpSp>
+        <p:nvGrpSpPr>
+          <p:cNvPr id="27" name="群組 26"/>
+          <p:cNvGrpSpPr/>
+          <p:nvPr/>
+        </p:nvGrpSpPr>
+        <p:grpSpPr>
+          <a:xfrm>
+            <a:off x="4420887" y="9328126"/>
+            <a:ext cx="3023618" cy="608976"/>
+            <a:chOff x="4222767" y="13258800"/>
+            <a:chExt cx="3023618" cy="608976"/>
+          </a:xfrm>
+        </p:grpSpPr>
+        <p:sp>
+          <p:nvSpPr>
+            <p:cNvPr id="28" name="圓角矩形 27"/>
+            <p:cNvSpPr/>
+            <p:nvPr/>
+          </p:nvSpPr>
+          <p:spPr>
+            <a:xfrm>
+              <a:off x="4222769" y="13258800"/>
+              <a:ext cx="3023616" cy="608976"/>
+            </a:xfrm>
+            <a:prstGeom prst="roundRect">
+              <a:avLst/>
+            </a:prstGeom>
+            <a:solidFill>
+              <a:srgbClr val="21C5FF"/>
+            </a:solidFill>
+            <a:ln>
+              <a:noFill/>
+            </a:ln>
+          </p:spPr>
+          <p:style>
+            <a:lnRef idx="2">
+              <a:schemeClr val="accent1">
+                <a:shade val="50000"/>
+              </a:schemeClr>
+            </a:lnRef>
+            <a:fillRef idx="1">
+              <a:schemeClr val="accent1"/>
+            </a:fillRef>
+            <a:effectRef idx="0">
+              <a:schemeClr val="accent1"/>
+            </a:effectRef>
+            <a:fontRef idx="minor">
+              <a:schemeClr val="lt1"/>
+            </a:fontRef>
+          </p:style>
+          <p:txBody>
+            <a:bodyPr rot="0" spcFirstLastPara="0" vertOverflow="overflow" horzOverflow="overflow" vert="horz" wrap="square" lIns="91440" tIns="45720" rIns="91440" bIns="45720" numCol="1" spcCol="0" rtlCol="0" fromWordArt="0" anchor="ctr" anchorCtr="0" forceAA="0" compatLnSpc="1">
+              <a:prstTxWarp prst="textNoShape">
+                <a:avLst/>
+              </a:prstTxWarp>
+              <a:noAutofit/>
+            </a:bodyPr>
+            <a:lstStyle/>
+            <a:p>
+              <a:pPr algn="ctr"/>
+              <a:endParaRPr lang="zh-TW" altLang="en-US" sz="1800"/>
+            </a:p>
+          </p:txBody>
+        </p:sp>
+        <p:sp>
+          <p:nvSpPr>
+            <p:cNvPr id="29" name="矩形 28"/>
+            <p:cNvSpPr/>
+            <p:nvPr/>
+          </p:nvSpPr>
+          <p:spPr>
+            <a:xfrm>
+              <a:off x="4222767" y="13360628"/>
+              <a:ext cx="3023618" cy="405319"/>
+            </a:xfrm>
+            <a:prstGeom prst="rect">
+              <a:avLst/>
+            </a:prstGeom>
+            <a:solidFill>
+              <a:srgbClr val="282828"/>
+            </a:solidFill>
+            <a:ln>
+              <a:noFill/>
+            </a:ln>
+          </p:spPr>
+          <p:style>
+            <a:lnRef idx="2">
+              <a:schemeClr val="accent1">
+                <a:shade val="50000"/>
+              </a:schemeClr>
+            </a:lnRef>
+            <a:fillRef idx="1">
+              <a:schemeClr val="accent1"/>
+            </a:fillRef>
+            <a:effectRef idx="0">
+              <a:schemeClr val="accent1"/>
+            </a:effectRef>
+            <a:fontRef idx="minor">
+              <a:schemeClr val="lt1"/>
+            </a:fontRef>
+          </p:style>
+          <p:txBody>
+            <a:bodyPr rot="0" spcFirstLastPara="0" vertOverflow="overflow" horzOverflow="overflow" vert="horz" wrap="square" lIns="91440" tIns="45720" rIns="91440" bIns="45720" numCol="1" spcCol="0" rtlCol="0" fromWordArt="0" anchor="ctr" anchorCtr="0" forceAA="0" compatLnSpc="1">
+              <a:prstTxWarp prst="textNoShape">
+                <a:avLst/>
+              </a:prstTxWarp>
+              <a:noAutofit/>
+            </a:bodyPr>
+            <a:lstStyle/>
+            <a:p>
+              <a:pPr algn="ctr"/>
+              <a:r>
+                <a:rPr lang="en-US" altLang="zh-TW" sz="1800" dirty="0">
+                  <a:solidFill>
+                    <a:srgbClr val="D9F5FF"/>
+                  </a:solidFill>
+                  <a:latin typeface="Source Code Pro" panose="020B0509030403020204" pitchFamily="49" charset="0"/>
+                </a:rPr>
+                <a:t>Conv1D(3,512)</a:t>
+              </a:r>
+              <a:endParaRPr lang="zh-TW" altLang="en-US" sz="1800" dirty="0">
+                <a:solidFill>
+                  <a:srgbClr val="D9F5FF"/>
+                </a:solidFill>
+                <a:latin typeface="Source Code Pro" panose="020B0509030403020204" pitchFamily="49" charset="0"/>
+              </a:endParaRPr>
+            </a:p>
+          </p:txBody>
+        </p:sp>
+      </p:grpSp>
+      <p:grpSp>
+        <p:nvGrpSpPr>
+          <p:cNvPr id="30" name="群組 29"/>
+          <p:cNvGrpSpPr/>
+          <p:nvPr/>
+        </p:nvGrpSpPr>
+        <p:grpSpPr>
+          <a:xfrm>
+            <a:off x="4420887" y="8719148"/>
+            <a:ext cx="3023618" cy="608976"/>
+            <a:chOff x="4222767" y="13258800"/>
+            <a:chExt cx="3023618" cy="608976"/>
+          </a:xfrm>
+        </p:grpSpPr>
+        <p:sp>
+          <p:nvSpPr>
+            <p:cNvPr id="31" name="圓角矩形 30"/>
+            <p:cNvSpPr/>
+            <p:nvPr/>
+          </p:nvSpPr>
+          <p:spPr>
+            <a:xfrm>
+              <a:off x="4222769" y="13258800"/>
+              <a:ext cx="3023616" cy="608976"/>
+            </a:xfrm>
+            <a:prstGeom prst="roundRect">
+              <a:avLst/>
+            </a:prstGeom>
+            <a:solidFill>
+              <a:srgbClr val="21C5FF"/>
+            </a:solidFill>
+            <a:ln>
+              <a:noFill/>
+            </a:ln>
+          </p:spPr>
+          <p:style>
+            <a:lnRef idx="2">
+              <a:schemeClr val="accent1">
+                <a:shade val="50000"/>
+              </a:schemeClr>
+            </a:lnRef>
+            <a:fillRef idx="1">
+              <a:schemeClr val="accent1"/>
+            </a:fillRef>
+            <a:effectRef idx="0">
+              <a:schemeClr val="accent1"/>
+            </a:effectRef>
+            <a:fontRef idx="minor">
+              <a:schemeClr val="lt1"/>
+            </a:fontRef>
+          </p:style>
+          <p:txBody>
+            <a:bodyPr rot="0" spcFirstLastPara="0" vertOverflow="overflow" horzOverflow="overflow" vert="horz" wrap="square" lIns="91440" tIns="45720" rIns="91440" bIns="45720" numCol="1" spcCol="0" rtlCol="0" fromWordArt="0" anchor="ctr" anchorCtr="0" forceAA="0" compatLnSpc="1">
+              <a:prstTxWarp prst="textNoShape">
+                <a:avLst/>
+              </a:prstTxWarp>
+              <a:noAutofit/>
+            </a:bodyPr>
+            <a:lstStyle/>
+            <a:p>
+              <a:pPr algn="ctr"/>
+              <a:endParaRPr lang="zh-TW" altLang="en-US" sz="1800"/>
+            </a:p>
+          </p:txBody>
+        </p:sp>
+        <p:sp>
+          <p:nvSpPr>
+            <p:cNvPr id="32" name="矩形 31"/>
+            <p:cNvSpPr/>
+            <p:nvPr/>
+          </p:nvSpPr>
+          <p:spPr>
+            <a:xfrm>
+              <a:off x="4222767" y="13360628"/>
+              <a:ext cx="3023618" cy="405319"/>
+            </a:xfrm>
+            <a:prstGeom prst="rect">
+              <a:avLst/>
+            </a:prstGeom>
+            <a:solidFill>
+              <a:srgbClr val="282828"/>
+            </a:solidFill>
+            <a:ln>
+              <a:noFill/>
+            </a:ln>
+          </p:spPr>
+          <p:style>
+            <a:lnRef idx="2">
+              <a:schemeClr val="accent1">
+                <a:shade val="50000"/>
+              </a:schemeClr>
+            </a:lnRef>
+            <a:fillRef idx="1">
+              <a:schemeClr val="accent1"/>
+            </a:fillRef>
+            <a:effectRef idx="0">
+              <a:schemeClr val="accent1"/>
+            </a:effectRef>
+            <a:fontRef idx="minor">
+              <a:schemeClr val="lt1"/>
+            </a:fontRef>
+          </p:style>
+          <p:txBody>
+            <a:bodyPr rot="0" spcFirstLastPara="0" vertOverflow="overflow" horzOverflow="overflow" vert="horz" wrap="square" lIns="91440" tIns="45720" rIns="91440" bIns="45720" numCol="1" spcCol="0" rtlCol="0" fromWordArt="0" anchor="ctr" anchorCtr="0" forceAA="0" compatLnSpc="1">
+              <a:prstTxWarp prst="textNoShape">
+                <a:avLst/>
+              </a:prstTxWarp>
+              <a:noAutofit/>
+            </a:bodyPr>
+            <a:lstStyle/>
+            <a:p>
+              <a:pPr algn="ctr"/>
+              <a:r>
+                <a:rPr lang="en-US" altLang="zh-TW" sz="1800" dirty="0" smtClean="0">
+                  <a:solidFill>
+                    <a:srgbClr val="D9F5FF"/>
+                  </a:solidFill>
+                  <a:latin typeface="Source Code Pro" panose="020B0509030403020204" pitchFamily="49" charset="0"/>
+                </a:rPr>
+                <a:t>Conv1D(3,512</a:t>
+              </a:r>
+              <a:r>
+                <a:rPr lang="en-US" altLang="zh-TW" sz="1800" dirty="0">
+                  <a:solidFill>
+                    <a:srgbClr val="D9F5FF"/>
+                  </a:solidFill>
+                  <a:latin typeface="Source Code Pro" panose="020B0509030403020204" pitchFamily="49" charset="0"/>
+                </a:rPr>
+                <a:t>)</a:t>
+              </a:r>
+              <a:endParaRPr lang="zh-TW" altLang="en-US" sz="1800" dirty="0">
+                <a:solidFill>
+                  <a:srgbClr val="D9F5FF"/>
+                </a:solidFill>
+                <a:latin typeface="Source Code Pro" panose="020B0509030403020204" pitchFamily="49" charset="0"/>
+              </a:endParaRPr>
+            </a:p>
+          </p:txBody>
+        </p:sp>
+      </p:grpSp>
+      <p:cxnSp>
+        <p:nvCxnSpPr>
+          <p:cNvPr id="94" name="肘形接點 39"/>
+          <p:cNvCxnSpPr>
+            <a:stCxn id="28" idx="3"/>
+          </p:cNvCxnSpPr>
+          <p:nvPr/>
+        </p:nvCxnSpPr>
+        <p:spPr>
+          <a:xfrm>
+            <a:off x="7444505" y="9632614"/>
+            <a:ext cx="1914140" cy="5807"/>
+          </a:xfrm>
+          <a:prstGeom prst="straightConnector1">
+            <a:avLst/>
+          </a:prstGeom>
+          <a:ln w="63500" cap="rnd">
+            <a:gradFill flip="none" rotWithShape="1">
+              <a:gsLst>
+                <a:gs pos="0">
+                  <a:srgbClr val="21C5FF"/>
+                </a:gs>
+                <a:gs pos="83000">
+                  <a:srgbClr val="8BC167"/>
+                </a:gs>
+              </a:gsLst>
+              <a:lin ang="0" scaled="1"/>
+              <a:tileRect/>
+            </a:gradFill>
+            <a:round/>
+            <a:tailEnd type="triangle"/>
+          </a:ln>
+        </p:spPr>
+        <p:style>
+          <a:lnRef idx="1">
+            <a:schemeClr val="accent1"/>
+          </a:lnRef>
+          <a:fillRef idx="0">
+            <a:schemeClr val="accent1"/>
+          </a:fillRef>
+          <a:effectRef idx="0">
+            <a:schemeClr val="accent1"/>
+          </a:effectRef>
+          <a:fontRef idx="minor">
+            <a:schemeClr val="tx1"/>
+          </a:fontRef>
+        </p:style>
+      </p:cxnSp>
+      <p:cxnSp>
+        <p:nvCxnSpPr>
+          <p:cNvPr id="97" name="肘形接點 39"/>
+          <p:cNvCxnSpPr>
+            <a:stCxn id="32" idx="3"/>
+          </p:cNvCxnSpPr>
+          <p:nvPr/>
+        </p:nvCxnSpPr>
+        <p:spPr>
+          <a:xfrm flipV="1">
+            <a:off x="7444505" y="9014460"/>
+            <a:ext cx="1914140" cy="9176"/>
+          </a:xfrm>
+          <a:prstGeom prst="straightConnector1">
+            <a:avLst/>
+          </a:prstGeom>
+          <a:ln w="63500" cap="rnd">
+            <a:gradFill flip="none" rotWithShape="1">
+              <a:gsLst>
+                <a:gs pos="0">
+                  <a:srgbClr val="21C5FF"/>
+                </a:gs>
+                <a:gs pos="83000">
+                  <a:srgbClr val="8BC167"/>
+                </a:gs>
+              </a:gsLst>
+              <a:lin ang="0" scaled="1"/>
+              <a:tileRect/>
+            </a:gradFill>
+            <a:round/>
+            <a:tailEnd type="triangle"/>
+          </a:ln>
+        </p:spPr>
+        <p:style>
+          <a:lnRef idx="1">
+            <a:schemeClr val="accent1"/>
+          </a:lnRef>
+          <a:fillRef idx="0">
+            <a:schemeClr val="accent1"/>
+          </a:fillRef>
+          <a:effectRef idx="0">
+            <a:schemeClr val="accent1"/>
+          </a:effectRef>
+          <a:fontRef idx="minor">
+            <a:schemeClr val="tx1"/>
+          </a:fontRef>
+        </p:style>
+      </p:cxnSp>
+      <p:cxnSp>
+        <p:nvCxnSpPr>
+          <p:cNvPr id="161" name="肘形接點 86"/>
+          <p:cNvCxnSpPr>
+            <a:endCxn id="31" idx="0"/>
+          </p:cNvCxnSpPr>
+          <p:nvPr/>
+        </p:nvCxnSpPr>
+        <p:spPr>
+          <a:xfrm>
+            <a:off x="5932697" y="8221961"/>
+            <a:ext cx="0" cy="497187"/>
+          </a:xfrm>
+          <a:prstGeom prst="straightConnector1">
+            <a:avLst/>
+          </a:prstGeom>
+          <a:ln w="63500" cap="rnd">
+            <a:gradFill flip="none" rotWithShape="1">
+              <a:gsLst>
+                <a:gs pos="96000">
+                  <a:srgbClr val="21C5FF"/>
+                </a:gs>
+                <a:gs pos="0">
+                  <a:srgbClr val="B482DA"/>
+                </a:gs>
+              </a:gsLst>
+              <a:lin ang="5400000" scaled="0"/>
+              <a:tileRect/>
+            </a:gradFill>
+            <a:round/>
+            <a:tailEnd type="triangle"/>
+          </a:ln>
+        </p:spPr>
+        <p:style>
+          <a:lnRef idx="1">
+            <a:schemeClr val="accent1"/>
+          </a:lnRef>
+          <a:fillRef idx="0">
+            <a:schemeClr val="accent1"/>
+          </a:fillRef>
+          <a:effectRef idx="0">
+            <a:schemeClr val="accent1"/>
+          </a:effectRef>
+          <a:fontRef idx="minor">
+            <a:schemeClr val="tx1"/>
+          </a:fontRef>
+        </p:style>
+      </p:cxnSp>
+      <p:cxnSp>
+        <p:nvCxnSpPr>
+          <p:cNvPr id="40" name="肘形接點 39"/>
+          <p:cNvCxnSpPr>
+            <a:stCxn id="26" idx="3"/>
+          </p:cNvCxnSpPr>
+          <p:nvPr/>
+        </p:nvCxnSpPr>
+        <p:spPr>
+          <a:xfrm flipV="1">
+            <a:off x="7444505" y="10227179"/>
+            <a:ext cx="1914140" cy="14412"/>
+          </a:xfrm>
+          <a:prstGeom prst="straightConnector1">
+            <a:avLst/>
+          </a:prstGeom>
+          <a:ln w="63500" cap="rnd">
+            <a:gradFill flip="none" rotWithShape="1">
+              <a:gsLst>
+                <a:gs pos="0">
+                  <a:srgbClr val="21C5FF"/>
+                </a:gs>
+                <a:gs pos="83000">
+                  <a:srgbClr val="8BC167"/>
+                </a:gs>
+              </a:gsLst>
+              <a:lin ang="0" scaled="1"/>
+              <a:tileRect/>
+            </a:gradFill>
+            <a:round/>
+            <a:tailEnd type="triangle"/>
+          </a:ln>
+        </p:spPr>
+        <p:style>
+          <a:lnRef idx="1">
+            <a:schemeClr val="accent1"/>
+          </a:lnRef>
+          <a:fillRef idx="0">
+            <a:schemeClr val="accent1"/>
+          </a:fillRef>
+          <a:effectRef idx="0">
+            <a:schemeClr val="accent1"/>
+          </a:effectRef>
+          <a:fontRef idx="minor">
+            <a:schemeClr val="tx1"/>
+          </a:fontRef>
+        </p:style>
+      </p:cxnSp>
+      <p:sp>
+        <p:nvSpPr>
+          <p:cNvPr id="19" name="矩形 18"/>
+          <p:cNvSpPr/>
+          <p:nvPr/>
+        </p:nvSpPr>
+        <p:spPr>
+          <a:xfrm>
+            <a:off x="4559178" y="11621255"/>
+            <a:ext cx="3739870" cy="751755"/>
+          </a:xfrm>
+          <a:prstGeom prst="rect">
+            <a:avLst/>
+          </a:prstGeom>
+          <a:solidFill>
+            <a:srgbClr val="282828"/>
+          </a:solidFill>
+          <a:ln>
+            <a:noFill/>
+          </a:ln>
+        </p:spPr>
+        <p:style>
+          <a:lnRef idx="2">
+            <a:schemeClr val="accent1">
+              <a:shade val="50000"/>
+            </a:schemeClr>
+          </a:lnRef>
+          <a:fillRef idx="1">
+            <a:schemeClr val="accent1"/>
+          </a:fillRef>
+          <a:effectRef idx="0">
+            <a:schemeClr val="accent1"/>
+          </a:effectRef>
+          <a:fontRef idx="minor">
+            <a:schemeClr val="lt1"/>
+          </a:fontRef>
+        </p:style>
+        <p:txBody>
+          <a:bodyPr rtlCol="0" anchor="ctr"/>
+          <a:lstStyle/>
+          <a:p>
+            <a:pPr algn="ctr"/>
+            <a:r>
+              <a:rPr lang="en-US" altLang="zh-TW" sz="2400" dirty="0" err="1" smtClean="0">
+                <a:latin typeface="SauceCodePro Nerd Font" panose="020B0509030403020204" pitchFamily="49" charset="0"/>
+                <a:ea typeface="SauceCodePro Nerd Font" panose="020B0509030403020204" pitchFamily="49" charset="0"/>
+              </a:rPr>
+              <a:t>Downsample</a:t>
+            </a:r>
+            <a:r>
+              <a:rPr lang="en-US" altLang="zh-TW" sz="2400" dirty="0" smtClean="0">
+                <a:latin typeface="SauceCodePro Nerd Font" panose="020B0509030403020204" pitchFamily="49" charset="0"/>
+                <a:ea typeface="SauceCodePro Nerd Font" panose="020B0509030403020204" pitchFamily="49" charset="0"/>
+              </a:rPr>
+              <a:t> Rate = 2</a:t>
+            </a:r>
+          </a:p>
+        </p:txBody>
+      </p:sp>
+    </p:spTree>
+    <p:extLst>
+      <p:ext uri="{BB962C8B-B14F-4D97-AF65-F5344CB8AC3E}">
+        <p14:creationId xmlns:p14="http://schemas.microsoft.com/office/powerpoint/2010/main" val="3062676085"/>
+      </p:ext>
+    </p:extLst>
+  </p:cSld>
+  <p:clrMapOvr>
+    <a:masterClrMapping/>
+  </p:clrMapOvr>
+</p:sld>
+</file>
+
+<file path=ppt/slides/slide11.xml><?xml version="1.0" encoding="utf-8"?>
+<p:sld xmlns:a="http://schemas.openxmlformats.org/drawingml/2006/main" xmlns:r="http://schemas.openxmlformats.org/officeDocument/2006/relationships" xmlns:p="http://schemas.openxmlformats.org/presentationml/2006/main">
+  <p:cSld>
+    <p:bg>
+      <p:bgPr>
+        <a:solidFill>
+          <a:srgbClr val="282828"/>
+        </a:solidFill>
+        <a:effectLst/>
+      </p:bgPr>
+    </p:bg>
+    <p:spTree>
+      <p:nvGrpSpPr>
+        <p:cNvPr id="1" name=""/>
+        <p:cNvGrpSpPr/>
+        <p:nvPr/>
+      </p:nvGrpSpPr>
+      <p:grpSpPr>
+        <a:xfrm>
+          <a:off x="0" y="0"/>
+          <a:ext cx="0" cy="0"/>
+          <a:chOff x="0" y="0"/>
+          <a:chExt cx="0" cy="0"/>
+        </a:xfrm>
+      </p:grpSpPr>
+      <p:cxnSp>
+        <p:nvCxnSpPr>
           <p:cNvPr id="46" name="肘形接點 45"/>
           <p:cNvCxnSpPr>
             <a:stCxn id="194" idx="0"/>
@@ -6456,7 +7326,7 @@
 </p:sld>
 </file>
 
-<file path=ppt/slides/slide11.xml><?xml version="1.0" encoding="utf-8"?>
+<file path=ppt/slides/slide12.xml><?xml version="1.0" encoding="utf-8"?>
 <p:sld xmlns:a="http://schemas.openxmlformats.org/drawingml/2006/main" xmlns:r="http://schemas.openxmlformats.org/officeDocument/2006/relationships" xmlns:p="http://schemas.openxmlformats.org/presentationml/2006/main">
   <p:cSld>
     <p:bg>
@@ -8229,8 +9099,8 @@
             </a:p>
           </p:txBody>
         </p:sp>
-        <mc:AlternateContent xmlns:mc="http://schemas.openxmlformats.org/markup-compatibility/2006">
-          <mc:Choice xmlns:a14="http://schemas.microsoft.com/office/drawing/2010/main" Requires="a14">
+        <mc:AlternateContent xmlns:mc="http://schemas.openxmlformats.org/markup-compatibility/2006" xmlns:a14="http://schemas.microsoft.com/office/drawing/2010/main">
+          <mc:Choice Requires="a14">
             <p:sp>
               <p:nvSpPr>
                 <p:cNvPr id="96" name="矩形 95"/>
@@ -8363,7 +9233,7 @@
               </p:txBody>
             </p:sp>
           </mc:Choice>
-          <mc:Fallback>
+          <mc:Fallback xmlns="">
             <p:sp>
               <p:nvSpPr>
                 <p:cNvPr id="96" name="矩形 95"/>
@@ -8480,8 +9350,8 @@
             </a:p>
           </p:txBody>
         </p:sp>
-        <mc:AlternateContent xmlns:mc="http://schemas.openxmlformats.org/markup-compatibility/2006">
-          <mc:Choice xmlns:a14="http://schemas.microsoft.com/office/drawing/2010/main" Requires="a14">
+        <mc:AlternateContent xmlns:mc="http://schemas.openxmlformats.org/markup-compatibility/2006" xmlns:a14="http://schemas.microsoft.com/office/drawing/2010/main">
+          <mc:Choice Requires="a14">
             <p:sp>
               <p:nvSpPr>
                 <p:cNvPr id="99" name="矩形 98"/>
@@ -8614,7 +9484,7 @@
               </p:txBody>
             </p:sp>
           </mc:Choice>
-          <mc:Fallback>
+          <mc:Fallback xmlns="">
             <p:sp>
               <p:nvSpPr>
                 <p:cNvPr id="99" name="矩形 98"/>
@@ -8658,8 +9528,8 @@
             </p:sp>
           </mc:Fallback>
         </mc:AlternateContent>
-        <mc:AlternateContent xmlns:mc="http://schemas.openxmlformats.org/markup-compatibility/2006">
-          <mc:Choice xmlns:a14="http://schemas.microsoft.com/office/drawing/2010/main" Requires="a14">
+        <mc:AlternateContent xmlns:mc="http://schemas.openxmlformats.org/markup-compatibility/2006" xmlns:a14="http://schemas.microsoft.com/office/drawing/2010/main">
+          <mc:Choice Requires="a14">
             <p:sp>
               <p:nvSpPr>
                 <p:cNvPr id="100" name="矩形 99"/>
@@ -8792,7 +9662,7 @@
               </p:txBody>
             </p:sp>
           </mc:Choice>
-          <mc:Fallback>
+          <mc:Fallback xmlns="">
             <p:sp>
               <p:nvSpPr>
                 <p:cNvPr id="100" name="矩形 99"/>
@@ -9364,7 +10234,7 @@
 </p:sld>
 </file>
 
-<file path=ppt/slides/slide12.xml><?xml version="1.0" encoding="utf-8"?>
+<file path=ppt/slides/slide13.xml><?xml version="1.0" encoding="utf-8"?>
 <p:sld xmlns:a="http://schemas.openxmlformats.org/drawingml/2006/main" xmlns:r="http://schemas.openxmlformats.org/officeDocument/2006/relationships" xmlns:p="http://schemas.openxmlformats.org/presentationml/2006/main">
   <p:cSld>
     <p:bg>
@@ -15595,7 +16465,7 @@
 </p:sld>
 </file>
 
-<file path=ppt/slides/slide13.xml><?xml version="1.0" encoding="utf-8"?>
+<file path=ppt/slides/slide14.xml><?xml version="1.0" encoding="utf-8"?>
 <p:sld xmlns:a="http://schemas.openxmlformats.org/drawingml/2006/main" xmlns:r="http://schemas.openxmlformats.org/officeDocument/2006/relationships" xmlns:p="http://schemas.openxmlformats.org/presentationml/2006/main">
   <p:cSld>
     <p:bg>
@@ -17491,7 +18361,7 @@
 </p:sld>
 </file>
 
-<file path=ppt/slides/slide14.xml><?xml version="1.0" encoding="utf-8"?>
+<file path=ppt/slides/slide15.xml><?xml version="1.0" encoding="utf-8"?>
 <p:sld xmlns:a="http://schemas.openxmlformats.org/drawingml/2006/main" xmlns:r="http://schemas.openxmlformats.org/officeDocument/2006/relationships" xmlns:p="http://schemas.openxmlformats.org/presentationml/2006/main">
   <p:cSld>
     <p:bg>
@@ -24257,6 +25127,4292 @@
           <a:chExt cx="0" cy="0"/>
         </a:xfrm>
       </p:grpSpPr>
+      <p:cxnSp>
+        <p:nvCxnSpPr>
+          <p:cNvPr id="115" name="直線單箭頭接點 152"/>
+          <p:cNvCxnSpPr>
+            <a:stCxn id="43" idx="3"/>
+            <a:endCxn id="123" idx="2"/>
+          </p:cNvCxnSpPr>
+          <p:nvPr/>
+        </p:nvCxnSpPr>
+        <p:spPr>
+          <a:xfrm flipV="1">
+            <a:off x="13941899" y="6566025"/>
+            <a:ext cx="2409679" cy="666645"/>
+          </a:xfrm>
+          <a:prstGeom prst="bentConnector2">
+            <a:avLst/>
+          </a:prstGeom>
+          <a:ln w="101600">
+            <a:solidFill>
+              <a:schemeClr val="accent2">
+                <a:lumMod val="75000"/>
+              </a:schemeClr>
+            </a:solidFill>
+            <a:round/>
+            <a:tailEnd type="triangle"/>
+          </a:ln>
+        </p:spPr>
+        <p:style>
+          <a:lnRef idx="1">
+            <a:schemeClr val="accent1"/>
+          </a:lnRef>
+          <a:fillRef idx="0">
+            <a:schemeClr val="accent1"/>
+          </a:fillRef>
+          <a:effectRef idx="0">
+            <a:schemeClr val="accent1"/>
+          </a:effectRef>
+          <a:fontRef idx="minor">
+            <a:schemeClr val="tx1"/>
+          </a:fontRef>
+        </p:style>
+      </p:cxnSp>
+      <p:sp>
+        <p:nvSpPr>
+          <p:cNvPr id="43" name="圓角矩形 42"/>
+          <p:cNvSpPr/>
+          <p:nvPr/>
+        </p:nvSpPr>
+        <p:spPr>
+          <a:xfrm>
+            <a:off x="10497218" y="5733267"/>
+            <a:ext cx="3444681" cy="2998805"/>
+          </a:xfrm>
+          <a:prstGeom prst="roundRect">
+            <a:avLst/>
+          </a:prstGeom>
+          <a:solidFill>
+            <a:srgbClr val="282828"/>
+          </a:solidFill>
+          <a:ln w="50800">
+            <a:solidFill>
+              <a:schemeClr val="accent6"/>
+            </a:solidFill>
+          </a:ln>
+        </p:spPr>
+        <p:style>
+          <a:lnRef idx="2">
+            <a:schemeClr val="accent1">
+              <a:shade val="50000"/>
+            </a:schemeClr>
+          </a:lnRef>
+          <a:fillRef idx="1">
+            <a:schemeClr val="accent1"/>
+          </a:fillRef>
+          <a:effectRef idx="0">
+            <a:schemeClr val="accent1"/>
+          </a:effectRef>
+          <a:fontRef idx="minor">
+            <a:schemeClr val="lt1"/>
+          </a:fontRef>
+        </p:style>
+        <p:txBody>
+          <a:bodyPr rtlCol="0" anchor="ctr"/>
+          <a:lstStyle/>
+          <a:p>
+            <a:pPr lvl="1"/>
+            <a:r>
+              <a:rPr lang="en-US" altLang="zh-TW" sz="3200" dirty="0"/>
+              <a:t>Scaled </a:t>
+            </a:r>
+            <a:r>
+              <a:rPr lang="en-US" altLang="zh-TW" sz="3200" dirty="0" smtClean="0"/>
+              <a:t/>
+            </a:r>
+            <a:br>
+              <a:rPr lang="en-US" altLang="zh-TW" sz="3200" dirty="0" smtClean="0"/>
+            </a:br>
+            <a:r>
+              <a:rPr lang="en-US" altLang="zh-TW" sz="3200" dirty="0" smtClean="0"/>
+              <a:t>Dot-Product </a:t>
+            </a:r>
+            <a:r>
+              <a:rPr lang="en-US" altLang="zh-TW" sz="3200" dirty="0"/>
+              <a:t>Attention</a:t>
+            </a:r>
+            <a:endParaRPr lang="zh-TW" altLang="en-US" sz="3200" dirty="0">
+              <a:latin typeface="Source Code Pro" panose="020B0509030403020204" pitchFamily="49" charset="0"/>
+            </a:endParaRPr>
+          </a:p>
+        </p:txBody>
+      </p:sp>
+      <p:cxnSp>
+        <p:nvCxnSpPr>
+          <p:cNvPr id="64" name="直線單箭頭接點 63"/>
+          <p:cNvCxnSpPr>
+            <a:stCxn id="86" idx="3"/>
+            <a:endCxn id="113" idx="2"/>
+          </p:cNvCxnSpPr>
+          <p:nvPr/>
+        </p:nvCxnSpPr>
+        <p:spPr>
+          <a:xfrm flipV="1">
+            <a:off x="14094299" y="6821393"/>
+            <a:ext cx="2531580" cy="563677"/>
+          </a:xfrm>
+          <a:prstGeom prst="bentConnector2">
+            <a:avLst/>
+          </a:prstGeom>
+          <a:ln w="101600">
+            <a:solidFill>
+              <a:schemeClr val="accent2"/>
+            </a:solidFill>
+            <a:round/>
+            <a:tailEnd type="triangle"/>
+          </a:ln>
+        </p:spPr>
+        <p:style>
+          <a:lnRef idx="1">
+            <a:schemeClr val="accent1"/>
+          </a:lnRef>
+          <a:fillRef idx="0">
+            <a:schemeClr val="accent1"/>
+          </a:fillRef>
+          <a:effectRef idx="0">
+            <a:schemeClr val="accent1"/>
+          </a:effectRef>
+          <a:fontRef idx="minor">
+            <a:schemeClr val="tx1"/>
+          </a:fontRef>
+        </p:style>
+      </p:cxnSp>
+      <p:sp>
+        <p:nvSpPr>
+          <p:cNvPr id="34" name="圓角矩形 33"/>
+          <p:cNvSpPr/>
+          <p:nvPr/>
+        </p:nvSpPr>
+        <p:spPr>
+          <a:xfrm>
+            <a:off x="7415245" y="6204365"/>
+            <a:ext cx="1967326" cy="714947"/>
+          </a:xfrm>
+          <a:prstGeom prst="roundRect">
+            <a:avLst/>
+          </a:prstGeom>
+          <a:solidFill>
+            <a:srgbClr val="282828"/>
+          </a:solidFill>
+          <a:ln w="50800">
+            <a:solidFill>
+              <a:schemeClr val="bg1"/>
+            </a:solidFill>
+          </a:ln>
+        </p:spPr>
+        <p:style>
+          <a:lnRef idx="2">
+            <a:schemeClr val="accent1">
+              <a:shade val="50000"/>
+            </a:schemeClr>
+          </a:lnRef>
+          <a:fillRef idx="1">
+            <a:schemeClr val="accent1"/>
+          </a:fillRef>
+          <a:effectRef idx="0">
+            <a:schemeClr val="accent1"/>
+          </a:effectRef>
+          <a:fontRef idx="minor">
+            <a:schemeClr val="lt1"/>
+          </a:fontRef>
+        </p:style>
+        <p:txBody>
+          <a:bodyPr rtlCol="0" anchor="ctr"/>
+          <a:lstStyle/>
+          <a:p>
+            <a:pPr algn="ctr"/>
+            <a:r>
+              <a:rPr lang="en-US" altLang="zh-TW" sz="3200" dirty="0">
+                <a:latin typeface="Source Code Pro" panose="020B0509030403020204" pitchFamily="49" charset="0"/>
+              </a:rPr>
+              <a:t>Linear</a:t>
+            </a:r>
+            <a:endParaRPr lang="zh-TW" altLang="en-US" sz="3200" dirty="0">
+              <a:latin typeface="Source Code Pro" panose="020B0509030403020204" pitchFamily="49" charset="0"/>
+            </a:endParaRPr>
+          </a:p>
+        </p:txBody>
+      </p:sp>
+      <p:cxnSp>
+        <p:nvCxnSpPr>
+          <p:cNvPr id="35" name="直線單箭頭接點 34"/>
+          <p:cNvCxnSpPr>
+            <a:stCxn id="69" idx="3"/>
+            <a:endCxn id="34" idx="1"/>
+          </p:cNvCxnSpPr>
+          <p:nvPr/>
+        </p:nvCxnSpPr>
+        <p:spPr>
+          <a:xfrm>
+            <a:off x="6480338" y="6495947"/>
+            <a:ext cx="934907" cy="65892"/>
+          </a:xfrm>
+          <a:prstGeom prst="straightConnector1">
+            <a:avLst/>
+          </a:prstGeom>
+          <a:ln w="101600">
+            <a:solidFill>
+              <a:schemeClr val="accent2">
+                <a:lumMod val="75000"/>
+              </a:schemeClr>
+            </a:solidFill>
+            <a:tailEnd type="triangle"/>
+          </a:ln>
+        </p:spPr>
+        <p:style>
+          <a:lnRef idx="1">
+            <a:schemeClr val="accent1"/>
+          </a:lnRef>
+          <a:fillRef idx="0">
+            <a:schemeClr val="accent1"/>
+          </a:fillRef>
+          <a:effectRef idx="0">
+            <a:schemeClr val="accent1"/>
+          </a:effectRef>
+          <a:fontRef idx="minor">
+            <a:schemeClr val="tx1"/>
+          </a:fontRef>
+        </p:style>
+      </p:cxnSp>
+      <p:cxnSp>
+        <p:nvCxnSpPr>
+          <p:cNvPr id="36" name="直線單箭頭接點 35"/>
+          <p:cNvCxnSpPr>
+            <a:stCxn id="34" idx="3"/>
+            <a:endCxn id="46" idx="1"/>
+          </p:cNvCxnSpPr>
+          <p:nvPr/>
+        </p:nvCxnSpPr>
+        <p:spPr>
+          <a:xfrm>
+            <a:off x="9382571" y="6561835"/>
+            <a:ext cx="702986" cy="2526"/>
+          </a:xfrm>
+          <a:prstGeom prst="straightConnector1">
+            <a:avLst/>
+          </a:prstGeom>
+          <a:ln w="101600">
+            <a:solidFill>
+              <a:schemeClr val="accent2">
+                <a:lumMod val="75000"/>
+              </a:schemeClr>
+            </a:solidFill>
+            <a:tailEnd type="triangle"/>
+          </a:ln>
+        </p:spPr>
+        <p:style>
+          <a:lnRef idx="1">
+            <a:schemeClr val="accent1"/>
+          </a:lnRef>
+          <a:fillRef idx="0">
+            <a:schemeClr val="accent1"/>
+          </a:fillRef>
+          <a:effectRef idx="0">
+            <a:schemeClr val="accent1"/>
+          </a:effectRef>
+          <a:fontRef idx="minor">
+            <a:schemeClr val="tx1"/>
+          </a:fontRef>
+        </p:style>
+      </p:cxnSp>
+      <p:sp>
+        <p:nvSpPr>
+          <p:cNvPr id="37" name="圓角矩形 36"/>
+          <p:cNvSpPr/>
+          <p:nvPr/>
+        </p:nvSpPr>
+        <p:spPr>
+          <a:xfrm>
+            <a:off x="7415245" y="6929414"/>
+            <a:ext cx="1967326" cy="720000"/>
+          </a:xfrm>
+          <a:prstGeom prst="roundRect">
+            <a:avLst/>
+          </a:prstGeom>
+          <a:solidFill>
+            <a:srgbClr val="282828"/>
+          </a:solidFill>
+          <a:ln w="50800">
+            <a:solidFill>
+              <a:schemeClr val="bg1"/>
+            </a:solidFill>
+          </a:ln>
+        </p:spPr>
+        <p:style>
+          <a:lnRef idx="2">
+            <a:schemeClr val="accent1">
+              <a:shade val="50000"/>
+            </a:schemeClr>
+          </a:lnRef>
+          <a:fillRef idx="1">
+            <a:schemeClr val="accent1"/>
+          </a:fillRef>
+          <a:effectRef idx="0">
+            <a:schemeClr val="accent1"/>
+          </a:effectRef>
+          <a:fontRef idx="minor">
+            <a:schemeClr val="lt1"/>
+          </a:fontRef>
+        </p:style>
+        <p:txBody>
+          <a:bodyPr rtlCol="0" anchor="ctr"/>
+          <a:lstStyle/>
+          <a:p>
+            <a:pPr algn="ctr"/>
+            <a:r>
+              <a:rPr lang="en-US" altLang="zh-TW" sz="3200" dirty="0">
+                <a:latin typeface="Source Code Pro" panose="020B0509030403020204" pitchFamily="49" charset="0"/>
+              </a:rPr>
+              <a:t>Linear</a:t>
+            </a:r>
+            <a:endParaRPr lang="zh-TW" altLang="en-US" sz="3200" dirty="0">
+              <a:latin typeface="Source Code Pro" panose="020B0509030403020204" pitchFamily="49" charset="0"/>
+            </a:endParaRPr>
+          </a:p>
+        </p:txBody>
+      </p:sp>
+      <p:cxnSp>
+        <p:nvCxnSpPr>
+          <p:cNvPr id="38" name="直線單箭頭接點 37"/>
+          <p:cNvCxnSpPr>
+            <a:stCxn id="101" idx="3"/>
+            <a:endCxn id="37" idx="1"/>
+          </p:cNvCxnSpPr>
+          <p:nvPr/>
+        </p:nvCxnSpPr>
+        <p:spPr>
+          <a:xfrm flipV="1">
+            <a:off x="6494413" y="7289414"/>
+            <a:ext cx="920832" cy="155515"/>
+          </a:xfrm>
+          <a:prstGeom prst="straightConnector1">
+            <a:avLst/>
+          </a:prstGeom>
+          <a:ln w="101600">
+            <a:solidFill>
+              <a:schemeClr val="accent2">
+                <a:lumMod val="75000"/>
+              </a:schemeClr>
+            </a:solidFill>
+            <a:tailEnd type="triangle"/>
+          </a:ln>
+        </p:spPr>
+        <p:style>
+          <a:lnRef idx="1">
+            <a:schemeClr val="accent1"/>
+          </a:lnRef>
+          <a:fillRef idx="0">
+            <a:schemeClr val="accent1"/>
+          </a:fillRef>
+          <a:effectRef idx="0">
+            <a:schemeClr val="accent1"/>
+          </a:effectRef>
+          <a:fontRef idx="minor">
+            <a:schemeClr val="tx1"/>
+          </a:fontRef>
+        </p:style>
+      </p:cxnSp>
+      <p:cxnSp>
+        <p:nvCxnSpPr>
+          <p:cNvPr id="39" name="直線單箭頭接點 38"/>
+          <p:cNvCxnSpPr>
+            <a:stCxn id="37" idx="3"/>
+            <a:endCxn id="58" idx="1"/>
+          </p:cNvCxnSpPr>
+          <p:nvPr/>
+        </p:nvCxnSpPr>
+        <p:spPr>
+          <a:xfrm flipV="1">
+            <a:off x="9382571" y="7284365"/>
+            <a:ext cx="702986" cy="5053"/>
+          </a:xfrm>
+          <a:prstGeom prst="straightConnector1">
+            <a:avLst/>
+          </a:prstGeom>
+          <a:ln w="101600">
+            <a:solidFill>
+              <a:schemeClr val="accent2">
+                <a:lumMod val="75000"/>
+              </a:schemeClr>
+            </a:solidFill>
+            <a:tailEnd type="triangle"/>
+          </a:ln>
+        </p:spPr>
+        <p:style>
+          <a:lnRef idx="1">
+            <a:schemeClr val="accent1"/>
+          </a:lnRef>
+          <a:fillRef idx="0">
+            <a:schemeClr val="accent1"/>
+          </a:fillRef>
+          <a:effectRef idx="0">
+            <a:schemeClr val="accent1"/>
+          </a:effectRef>
+          <a:fontRef idx="minor">
+            <a:schemeClr val="tx1"/>
+          </a:fontRef>
+        </p:style>
+      </p:cxnSp>
+      <p:sp>
+        <p:nvSpPr>
+          <p:cNvPr id="40" name="圓角矩形 39"/>
+          <p:cNvSpPr/>
+          <p:nvPr/>
+        </p:nvSpPr>
+        <p:spPr>
+          <a:xfrm>
+            <a:off x="7423531" y="7659524"/>
+            <a:ext cx="1967326" cy="709893"/>
+          </a:xfrm>
+          <a:prstGeom prst="roundRect">
+            <a:avLst/>
+          </a:prstGeom>
+          <a:solidFill>
+            <a:srgbClr val="282828"/>
+          </a:solidFill>
+          <a:ln w="50800">
+            <a:solidFill>
+              <a:schemeClr val="bg1"/>
+            </a:solidFill>
+          </a:ln>
+        </p:spPr>
+        <p:style>
+          <a:lnRef idx="2">
+            <a:schemeClr val="accent1">
+              <a:shade val="50000"/>
+            </a:schemeClr>
+          </a:lnRef>
+          <a:fillRef idx="1">
+            <a:schemeClr val="accent1"/>
+          </a:fillRef>
+          <a:effectRef idx="0">
+            <a:schemeClr val="accent1"/>
+          </a:effectRef>
+          <a:fontRef idx="minor">
+            <a:schemeClr val="lt1"/>
+          </a:fontRef>
+        </p:style>
+        <p:txBody>
+          <a:bodyPr rtlCol="0" anchor="ctr"/>
+          <a:lstStyle/>
+          <a:p>
+            <a:pPr algn="ctr"/>
+            <a:r>
+              <a:rPr lang="en-US" altLang="zh-TW" sz="3200" dirty="0">
+                <a:latin typeface="Source Code Pro" panose="020B0509030403020204" pitchFamily="49" charset="0"/>
+              </a:rPr>
+              <a:t>Linear</a:t>
+            </a:r>
+            <a:endParaRPr lang="zh-TW" altLang="en-US" sz="3200" dirty="0">
+              <a:latin typeface="Source Code Pro" panose="020B0509030403020204" pitchFamily="49" charset="0"/>
+            </a:endParaRPr>
+          </a:p>
+        </p:txBody>
+      </p:sp>
+      <p:cxnSp>
+        <p:nvCxnSpPr>
+          <p:cNvPr id="41" name="直線單箭頭接點 40"/>
+          <p:cNvCxnSpPr>
+            <a:stCxn id="102" idx="3"/>
+            <a:endCxn id="40" idx="1"/>
+          </p:cNvCxnSpPr>
+          <p:nvPr/>
+        </p:nvCxnSpPr>
+        <p:spPr>
+          <a:xfrm flipV="1">
+            <a:off x="6480338" y="8014471"/>
+            <a:ext cx="943193" cy="379440"/>
+          </a:xfrm>
+          <a:prstGeom prst="straightConnector1">
+            <a:avLst/>
+          </a:prstGeom>
+          <a:ln w="101600">
+            <a:solidFill>
+              <a:schemeClr val="accent2">
+                <a:lumMod val="75000"/>
+              </a:schemeClr>
+            </a:solidFill>
+            <a:tailEnd type="triangle"/>
+          </a:ln>
+        </p:spPr>
+        <p:style>
+          <a:lnRef idx="1">
+            <a:schemeClr val="accent1"/>
+          </a:lnRef>
+          <a:fillRef idx="0">
+            <a:schemeClr val="accent1"/>
+          </a:fillRef>
+          <a:effectRef idx="0">
+            <a:schemeClr val="accent1"/>
+          </a:effectRef>
+          <a:fontRef idx="minor">
+            <a:schemeClr val="tx1"/>
+          </a:fontRef>
+        </p:style>
+      </p:cxnSp>
+      <p:cxnSp>
+        <p:nvCxnSpPr>
+          <p:cNvPr id="42" name="直線單箭頭接點 41"/>
+          <p:cNvCxnSpPr>
+            <a:stCxn id="40" idx="3"/>
+            <a:endCxn id="68" idx="1"/>
+          </p:cNvCxnSpPr>
+          <p:nvPr/>
+        </p:nvCxnSpPr>
+        <p:spPr>
+          <a:xfrm flipV="1">
+            <a:off x="9390857" y="8004365"/>
+            <a:ext cx="694700" cy="10107"/>
+          </a:xfrm>
+          <a:prstGeom prst="straightConnector1">
+            <a:avLst/>
+          </a:prstGeom>
+          <a:ln w="101600">
+            <a:solidFill>
+              <a:schemeClr val="accent2">
+                <a:lumMod val="75000"/>
+              </a:schemeClr>
+            </a:solidFill>
+            <a:tailEnd type="triangle"/>
+          </a:ln>
+        </p:spPr>
+        <p:style>
+          <a:lnRef idx="1">
+            <a:schemeClr val="accent1"/>
+          </a:lnRef>
+          <a:fillRef idx="0">
+            <a:schemeClr val="accent1"/>
+          </a:fillRef>
+          <a:effectRef idx="0">
+            <a:schemeClr val="accent1"/>
+          </a:effectRef>
+          <a:fontRef idx="minor">
+            <a:schemeClr val="tx1"/>
+          </a:fontRef>
+        </p:style>
+      </p:cxnSp>
+      <p:sp>
+        <p:nvSpPr>
+          <p:cNvPr id="46" name="圓角矩形 45"/>
+          <p:cNvSpPr/>
+          <p:nvPr/>
+        </p:nvSpPr>
+        <p:spPr>
+          <a:xfrm>
+            <a:off x="10085557" y="6204361"/>
+            <a:ext cx="720000" cy="720000"/>
+          </a:xfrm>
+          <a:prstGeom prst="roundRect">
+            <a:avLst/>
+          </a:prstGeom>
+          <a:solidFill>
+            <a:srgbClr val="282828"/>
+          </a:solidFill>
+          <a:ln w="50800">
+            <a:solidFill>
+              <a:schemeClr val="bg1"/>
+            </a:solidFill>
+          </a:ln>
+        </p:spPr>
+        <p:style>
+          <a:lnRef idx="2">
+            <a:schemeClr val="accent1">
+              <a:shade val="50000"/>
+            </a:schemeClr>
+          </a:lnRef>
+          <a:fillRef idx="1">
+            <a:schemeClr val="accent1"/>
+          </a:fillRef>
+          <a:effectRef idx="0">
+            <a:schemeClr val="accent1"/>
+          </a:effectRef>
+          <a:fontRef idx="minor">
+            <a:schemeClr val="lt1"/>
+          </a:fontRef>
+        </p:style>
+        <p:txBody>
+          <a:bodyPr rtlCol="0" anchor="ctr"/>
+          <a:lstStyle/>
+          <a:p>
+            <a:pPr algn="ctr"/>
+            <a:r>
+              <a:rPr lang="en-US" altLang="zh-TW" sz="3200" dirty="0">
+                <a:latin typeface="Source Code Pro" panose="020B0509030403020204" pitchFamily="49" charset="0"/>
+              </a:rPr>
+              <a:t>V</a:t>
+            </a:r>
+          </a:p>
+        </p:txBody>
+      </p:sp>
+      <p:sp>
+        <p:nvSpPr>
+          <p:cNvPr id="58" name="圓角矩形 57"/>
+          <p:cNvSpPr/>
+          <p:nvPr/>
+        </p:nvSpPr>
+        <p:spPr>
+          <a:xfrm>
+            <a:off x="10085557" y="6924361"/>
+            <a:ext cx="720000" cy="720000"/>
+          </a:xfrm>
+          <a:prstGeom prst="roundRect">
+            <a:avLst/>
+          </a:prstGeom>
+          <a:solidFill>
+            <a:srgbClr val="282828"/>
+          </a:solidFill>
+          <a:ln w="50800">
+            <a:solidFill>
+              <a:schemeClr val="bg1"/>
+            </a:solidFill>
+          </a:ln>
+        </p:spPr>
+        <p:style>
+          <a:lnRef idx="2">
+            <a:schemeClr val="accent1">
+              <a:shade val="50000"/>
+            </a:schemeClr>
+          </a:lnRef>
+          <a:fillRef idx="1">
+            <a:schemeClr val="accent1"/>
+          </a:fillRef>
+          <a:effectRef idx="0">
+            <a:schemeClr val="accent1"/>
+          </a:effectRef>
+          <a:fontRef idx="minor">
+            <a:schemeClr val="lt1"/>
+          </a:fontRef>
+        </p:style>
+        <p:txBody>
+          <a:bodyPr rtlCol="0" anchor="ctr"/>
+          <a:lstStyle/>
+          <a:p>
+            <a:pPr algn="ctr"/>
+            <a:r>
+              <a:rPr lang="en-US" altLang="zh-TW" sz="3200" dirty="0">
+                <a:latin typeface="Source Code Pro" panose="020B0509030403020204" pitchFamily="49" charset="0"/>
+              </a:rPr>
+              <a:t>K</a:t>
+            </a:r>
+          </a:p>
+        </p:txBody>
+      </p:sp>
+      <p:sp>
+        <p:nvSpPr>
+          <p:cNvPr id="68" name="圓角矩形 67"/>
+          <p:cNvSpPr/>
+          <p:nvPr/>
+        </p:nvSpPr>
+        <p:spPr>
+          <a:xfrm>
+            <a:off x="10085557" y="7644361"/>
+            <a:ext cx="720000" cy="720000"/>
+          </a:xfrm>
+          <a:prstGeom prst="roundRect">
+            <a:avLst/>
+          </a:prstGeom>
+          <a:solidFill>
+            <a:srgbClr val="282828"/>
+          </a:solidFill>
+          <a:ln w="50800">
+            <a:solidFill>
+              <a:schemeClr val="bg1"/>
+            </a:solidFill>
+          </a:ln>
+        </p:spPr>
+        <p:style>
+          <a:lnRef idx="2">
+            <a:schemeClr val="accent1">
+              <a:shade val="50000"/>
+            </a:schemeClr>
+          </a:lnRef>
+          <a:fillRef idx="1">
+            <a:schemeClr val="accent1"/>
+          </a:fillRef>
+          <a:effectRef idx="0">
+            <a:schemeClr val="accent1"/>
+          </a:effectRef>
+          <a:fontRef idx="minor">
+            <a:schemeClr val="lt1"/>
+          </a:fontRef>
+        </p:style>
+        <p:txBody>
+          <a:bodyPr rtlCol="0" anchor="ctr"/>
+          <a:lstStyle/>
+          <a:p>
+            <a:pPr algn="ctr"/>
+            <a:r>
+              <a:rPr lang="en-US" altLang="zh-TW" sz="3200" dirty="0">
+                <a:latin typeface="Source Code Pro" panose="020B0509030403020204" pitchFamily="49" charset="0"/>
+              </a:rPr>
+              <a:t>Q</a:t>
+            </a:r>
+          </a:p>
+        </p:txBody>
+      </p:sp>
+      <p:sp>
+        <p:nvSpPr>
+          <p:cNvPr id="69" name="圓角矩形 68"/>
+          <p:cNvSpPr/>
+          <p:nvPr/>
+        </p:nvSpPr>
+        <p:spPr>
+          <a:xfrm>
+            <a:off x="5531356" y="6021456"/>
+            <a:ext cx="948982" cy="948982"/>
+          </a:xfrm>
+          <a:prstGeom prst="roundRect">
+            <a:avLst/>
+          </a:prstGeom>
+          <a:solidFill>
+            <a:srgbClr val="282828"/>
+          </a:solidFill>
+          <a:ln w="50800">
+            <a:solidFill>
+              <a:srgbClr val="00B0F0"/>
+            </a:solidFill>
+          </a:ln>
+        </p:spPr>
+        <p:style>
+          <a:lnRef idx="2">
+            <a:schemeClr val="accent1">
+              <a:shade val="50000"/>
+            </a:schemeClr>
+          </a:lnRef>
+          <a:fillRef idx="1">
+            <a:schemeClr val="accent1"/>
+          </a:fillRef>
+          <a:effectRef idx="0">
+            <a:schemeClr val="accent1"/>
+          </a:effectRef>
+          <a:fontRef idx="minor">
+            <a:schemeClr val="lt1"/>
+          </a:fontRef>
+        </p:style>
+        <p:txBody>
+          <a:bodyPr rtlCol="0" anchor="ctr"/>
+          <a:lstStyle/>
+          <a:p>
+            <a:pPr algn="ctr"/>
+            <a:r>
+              <a:rPr lang="en-US" altLang="zh-TW" sz="3600" dirty="0" smtClean="0">
+                <a:latin typeface="Source Code Pro" panose="020B0509030403020204" pitchFamily="49" charset="0"/>
+              </a:rPr>
+              <a:t>V</a:t>
+            </a:r>
+            <a:r>
+              <a:rPr lang="en-US" altLang="zh-TW" sz="2400" dirty="0" smtClean="0">
+                <a:latin typeface="Source Code Pro" panose="020B0509030403020204" pitchFamily="49" charset="0"/>
+              </a:rPr>
+              <a:t>in</a:t>
+            </a:r>
+            <a:endParaRPr lang="en-US" altLang="zh-TW" sz="3200" dirty="0">
+              <a:latin typeface="Source Code Pro" panose="020B0509030403020204" pitchFamily="49" charset="0"/>
+            </a:endParaRPr>
+          </a:p>
+        </p:txBody>
+      </p:sp>
+      <p:sp>
+        <p:nvSpPr>
+          <p:cNvPr id="70" name="圓角矩形 69"/>
+          <p:cNvSpPr/>
+          <p:nvPr/>
+        </p:nvSpPr>
+        <p:spPr>
+          <a:xfrm>
+            <a:off x="7560908" y="6394467"/>
+            <a:ext cx="1967326" cy="714947"/>
+          </a:xfrm>
+          <a:prstGeom prst="roundRect">
+            <a:avLst/>
+          </a:prstGeom>
+          <a:solidFill>
+            <a:srgbClr val="282828"/>
+          </a:solidFill>
+          <a:ln w="50800">
+            <a:solidFill>
+              <a:schemeClr val="bg1"/>
+            </a:solidFill>
+          </a:ln>
+        </p:spPr>
+        <p:style>
+          <a:lnRef idx="2">
+            <a:schemeClr val="accent1">
+              <a:shade val="50000"/>
+            </a:schemeClr>
+          </a:lnRef>
+          <a:fillRef idx="1">
+            <a:schemeClr val="accent1"/>
+          </a:fillRef>
+          <a:effectRef idx="0">
+            <a:schemeClr val="accent1"/>
+          </a:effectRef>
+          <a:fontRef idx="minor">
+            <a:schemeClr val="lt1"/>
+          </a:fontRef>
+        </p:style>
+        <p:txBody>
+          <a:bodyPr rtlCol="0" anchor="ctr"/>
+          <a:lstStyle/>
+          <a:p>
+            <a:pPr algn="ctr"/>
+            <a:r>
+              <a:rPr lang="en-US" altLang="zh-TW" sz="3200" dirty="0">
+                <a:latin typeface="Source Code Pro" panose="020B0509030403020204" pitchFamily="49" charset="0"/>
+              </a:rPr>
+              <a:t>Linear</a:t>
+            </a:r>
+            <a:endParaRPr lang="zh-TW" altLang="en-US" sz="3200" dirty="0">
+              <a:latin typeface="Source Code Pro" panose="020B0509030403020204" pitchFamily="49" charset="0"/>
+            </a:endParaRPr>
+          </a:p>
+        </p:txBody>
+      </p:sp>
+      <p:cxnSp>
+        <p:nvCxnSpPr>
+          <p:cNvPr id="71" name="直線單箭頭接點 70"/>
+          <p:cNvCxnSpPr>
+            <a:stCxn id="69" idx="3"/>
+            <a:endCxn id="70" idx="1"/>
+          </p:cNvCxnSpPr>
+          <p:nvPr/>
+        </p:nvCxnSpPr>
+        <p:spPr>
+          <a:xfrm>
+            <a:off x="6480338" y="6495947"/>
+            <a:ext cx="1080570" cy="255994"/>
+          </a:xfrm>
+          <a:prstGeom prst="straightConnector1">
+            <a:avLst/>
+          </a:prstGeom>
+          <a:ln w="101600">
+            <a:solidFill>
+              <a:schemeClr val="accent2"/>
+            </a:solidFill>
+            <a:tailEnd type="triangle"/>
+          </a:ln>
+        </p:spPr>
+        <p:style>
+          <a:lnRef idx="1">
+            <a:schemeClr val="accent1"/>
+          </a:lnRef>
+          <a:fillRef idx="0">
+            <a:schemeClr val="accent1"/>
+          </a:fillRef>
+          <a:effectRef idx="0">
+            <a:schemeClr val="accent1"/>
+          </a:effectRef>
+          <a:fontRef idx="minor">
+            <a:schemeClr val="tx1"/>
+          </a:fontRef>
+        </p:style>
+      </p:cxnSp>
+      <p:sp>
+        <p:nvSpPr>
+          <p:cNvPr id="72" name="圓角矩形 71"/>
+          <p:cNvSpPr/>
+          <p:nvPr/>
+        </p:nvSpPr>
+        <p:spPr>
+          <a:xfrm>
+            <a:off x="7560908" y="7119516"/>
+            <a:ext cx="1967326" cy="720000"/>
+          </a:xfrm>
+          <a:prstGeom prst="roundRect">
+            <a:avLst/>
+          </a:prstGeom>
+          <a:solidFill>
+            <a:srgbClr val="282828"/>
+          </a:solidFill>
+          <a:ln w="50800">
+            <a:solidFill>
+              <a:schemeClr val="bg1"/>
+            </a:solidFill>
+          </a:ln>
+        </p:spPr>
+        <p:style>
+          <a:lnRef idx="2">
+            <a:schemeClr val="accent1">
+              <a:shade val="50000"/>
+            </a:schemeClr>
+          </a:lnRef>
+          <a:fillRef idx="1">
+            <a:schemeClr val="accent1"/>
+          </a:fillRef>
+          <a:effectRef idx="0">
+            <a:schemeClr val="accent1"/>
+          </a:effectRef>
+          <a:fontRef idx="minor">
+            <a:schemeClr val="lt1"/>
+          </a:fontRef>
+        </p:style>
+        <p:txBody>
+          <a:bodyPr rtlCol="0" anchor="ctr"/>
+          <a:lstStyle/>
+          <a:p>
+            <a:pPr algn="ctr"/>
+            <a:r>
+              <a:rPr lang="en-US" altLang="zh-TW" sz="3200" dirty="0">
+                <a:latin typeface="Source Code Pro" panose="020B0509030403020204" pitchFamily="49" charset="0"/>
+              </a:rPr>
+              <a:t>Linear</a:t>
+            </a:r>
+            <a:endParaRPr lang="zh-TW" altLang="en-US" sz="3200" dirty="0">
+              <a:latin typeface="Source Code Pro" panose="020B0509030403020204" pitchFamily="49" charset="0"/>
+            </a:endParaRPr>
+          </a:p>
+        </p:txBody>
+      </p:sp>
+      <p:cxnSp>
+        <p:nvCxnSpPr>
+          <p:cNvPr id="73" name="直線單箭頭接點 72"/>
+          <p:cNvCxnSpPr>
+            <a:stCxn id="101" idx="3"/>
+            <a:endCxn id="72" idx="1"/>
+          </p:cNvCxnSpPr>
+          <p:nvPr/>
+        </p:nvCxnSpPr>
+        <p:spPr>
+          <a:xfrm>
+            <a:off x="6494413" y="7444929"/>
+            <a:ext cx="1066495" cy="34587"/>
+          </a:xfrm>
+          <a:prstGeom prst="straightConnector1">
+            <a:avLst/>
+          </a:prstGeom>
+          <a:ln w="101600">
+            <a:solidFill>
+              <a:schemeClr val="accent2"/>
+            </a:solidFill>
+            <a:tailEnd type="triangle"/>
+          </a:ln>
+        </p:spPr>
+        <p:style>
+          <a:lnRef idx="1">
+            <a:schemeClr val="accent1"/>
+          </a:lnRef>
+          <a:fillRef idx="0">
+            <a:schemeClr val="accent1"/>
+          </a:fillRef>
+          <a:effectRef idx="0">
+            <a:schemeClr val="accent1"/>
+          </a:effectRef>
+          <a:fontRef idx="minor">
+            <a:schemeClr val="tx1"/>
+          </a:fontRef>
+        </p:style>
+      </p:cxnSp>
+      <p:sp>
+        <p:nvSpPr>
+          <p:cNvPr id="74" name="圓角矩形 73"/>
+          <p:cNvSpPr/>
+          <p:nvPr/>
+        </p:nvSpPr>
+        <p:spPr>
+          <a:xfrm>
+            <a:off x="7569194" y="7849626"/>
+            <a:ext cx="1967326" cy="709893"/>
+          </a:xfrm>
+          <a:prstGeom prst="roundRect">
+            <a:avLst/>
+          </a:prstGeom>
+          <a:solidFill>
+            <a:srgbClr val="282828"/>
+          </a:solidFill>
+          <a:ln w="50800">
+            <a:solidFill>
+              <a:schemeClr val="bg1"/>
+            </a:solidFill>
+          </a:ln>
+        </p:spPr>
+        <p:style>
+          <a:lnRef idx="2">
+            <a:schemeClr val="accent1">
+              <a:shade val="50000"/>
+            </a:schemeClr>
+          </a:lnRef>
+          <a:fillRef idx="1">
+            <a:schemeClr val="accent1"/>
+          </a:fillRef>
+          <a:effectRef idx="0">
+            <a:schemeClr val="accent1"/>
+          </a:effectRef>
+          <a:fontRef idx="minor">
+            <a:schemeClr val="lt1"/>
+          </a:fontRef>
+        </p:style>
+        <p:txBody>
+          <a:bodyPr rtlCol="0" anchor="ctr"/>
+          <a:lstStyle/>
+          <a:p>
+            <a:pPr algn="ctr"/>
+            <a:r>
+              <a:rPr lang="en-US" altLang="zh-TW" sz="3200" dirty="0">
+                <a:latin typeface="Source Code Pro" panose="020B0509030403020204" pitchFamily="49" charset="0"/>
+              </a:rPr>
+              <a:t>Linear</a:t>
+            </a:r>
+            <a:endParaRPr lang="zh-TW" altLang="en-US" sz="3200" dirty="0">
+              <a:latin typeface="Source Code Pro" panose="020B0509030403020204" pitchFamily="49" charset="0"/>
+            </a:endParaRPr>
+          </a:p>
+        </p:txBody>
+      </p:sp>
+      <p:cxnSp>
+        <p:nvCxnSpPr>
+          <p:cNvPr id="76" name="直線單箭頭接點 75"/>
+          <p:cNvCxnSpPr>
+            <a:stCxn id="102" idx="3"/>
+            <a:endCxn id="74" idx="1"/>
+          </p:cNvCxnSpPr>
+          <p:nvPr/>
+        </p:nvCxnSpPr>
+        <p:spPr>
+          <a:xfrm flipV="1">
+            <a:off x="6480338" y="8204573"/>
+            <a:ext cx="1088856" cy="189338"/>
+          </a:xfrm>
+          <a:prstGeom prst="straightConnector1">
+            <a:avLst/>
+          </a:prstGeom>
+          <a:ln w="101600">
+            <a:solidFill>
+              <a:schemeClr val="accent2"/>
+            </a:solidFill>
+            <a:tailEnd type="triangle"/>
+          </a:ln>
+        </p:spPr>
+        <p:style>
+          <a:lnRef idx="1">
+            <a:schemeClr val="accent1"/>
+          </a:lnRef>
+          <a:fillRef idx="0">
+            <a:schemeClr val="accent1"/>
+          </a:fillRef>
+          <a:effectRef idx="0">
+            <a:schemeClr val="accent1"/>
+          </a:effectRef>
+          <a:fontRef idx="minor">
+            <a:schemeClr val="tx1"/>
+          </a:fontRef>
+        </p:style>
+      </p:cxnSp>
+      <p:cxnSp>
+        <p:nvCxnSpPr>
+          <p:cNvPr id="77" name="直線單箭頭接點 76"/>
+          <p:cNvCxnSpPr>
+            <a:stCxn id="69" idx="3"/>
+            <a:endCxn id="98" idx="1"/>
+          </p:cNvCxnSpPr>
+          <p:nvPr/>
+        </p:nvCxnSpPr>
+        <p:spPr>
+          <a:xfrm>
+            <a:off x="6480338" y="6495947"/>
+            <a:ext cx="1232970" cy="408394"/>
+          </a:xfrm>
+          <a:prstGeom prst="straightConnector1">
+            <a:avLst/>
+          </a:prstGeom>
+          <a:ln w="101600">
+            <a:solidFill>
+              <a:srgbClr val="FF0066"/>
+            </a:solidFill>
+            <a:tailEnd type="triangle"/>
+          </a:ln>
+        </p:spPr>
+        <p:style>
+          <a:lnRef idx="1">
+            <a:schemeClr val="accent1"/>
+          </a:lnRef>
+          <a:fillRef idx="0">
+            <a:schemeClr val="accent1"/>
+          </a:fillRef>
+          <a:effectRef idx="0">
+            <a:schemeClr val="accent1"/>
+          </a:effectRef>
+          <a:fontRef idx="minor">
+            <a:schemeClr val="tx1"/>
+          </a:fontRef>
+        </p:style>
+      </p:cxnSp>
+      <p:cxnSp>
+        <p:nvCxnSpPr>
+          <p:cNvPr id="78" name="直線單箭頭接點 77"/>
+          <p:cNvCxnSpPr>
+            <a:stCxn id="101" idx="3"/>
+            <a:endCxn id="99" idx="1"/>
+          </p:cNvCxnSpPr>
+          <p:nvPr/>
+        </p:nvCxnSpPr>
+        <p:spPr>
+          <a:xfrm>
+            <a:off x="6494413" y="7444929"/>
+            <a:ext cx="1218895" cy="186987"/>
+          </a:xfrm>
+          <a:prstGeom prst="straightConnector1">
+            <a:avLst/>
+          </a:prstGeom>
+          <a:ln w="101600">
+            <a:solidFill>
+              <a:srgbClr val="FF0066"/>
+            </a:solidFill>
+            <a:tailEnd type="triangle"/>
+          </a:ln>
+        </p:spPr>
+        <p:style>
+          <a:lnRef idx="1">
+            <a:schemeClr val="accent1"/>
+          </a:lnRef>
+          <a:fillRef idx="0">
+            <a:schemeClr val="accent1"/>
+          </a:fillRef>
+          <a:effectRef idx="0">
+            <a:schemeClr val="accent1"/>
+          </a:effectRef>
+          <a:fontRef idx="minor">
+            <a:schemeClr val="tx1"/>
+          </a:fontRef>
+        </p:style>
+      </p:cxnSp>
+      <p:cxnSp>
+        <p:nvCxnSpPr>
+          <p:cNvPr id="80" name="直線單箭頭接點 79"/>
+          <p:cNvCxnSpPr>
+            <a:stCxn id="102" idx="3"/>
+            <a:endCxn id="100" idx="1"/>
+          </p:cNvCxnSpPr>
+          <p:nvPr/>
+        </p:nvCxnSpPr>
+        <p:spPr>
+          <a:xfrm flipV="1">
+            <a:off x="6480338" y="8356973"/>
+            <a:ext cx="1241256" cy="36938"/>
+          </a:xfrm>
+          <a:prstGeom prst="straightConnector1">
+            <a:avLst/>
+          </a:prstGeom>
+          <a:ln w="101600">
+            <a:solidFill>
+              <a:srgbClr val="FF0066"/>
+            </a:solidFill>
+            <a:tailEnd type="triangle"/>
+          </a:ln>
+        </p:spPr>
+        <p:style>
+          <a:lnRef idx="1">
+            <a:schemeClr val="accent1"/>
+          </a:lnRef>
+          <a:fillRef idx="0">
+            <a:schemeClr val="accent1"/>
+          </a:fillRef>
+          <a:effectRef idx="0">
+            <a:schemeClr val="accent1"/>
+          </a:effectRef>
+          <a:fontRef idx="minor">
+            <a:schemeClr val="tx1"/>
+          </a:fontRef>
+        </p:style>
+      </p:cxnSp>
+      <p:cxnSp>
+        <p:nvCxnSpPr>
+          <p:cNvPr id="81" name="直線單箭頭接點 80"/>
+          <p:cNvCxnSpPr>
+            <a:endCxn id="87" idx="1"/>
+          </p:cNvCxnSpPr>
+          <p:nvPr/>
+        </p:nvCxnSpPr>
+        <p:spPr>
+          <a:xfrm>
+            <a:off x="9534971" y="6714235"/>
+            <a:ext cx="702986" cy="2526"/>
+          </a:xfrm>
+          <a:prstGeom prst="straightConnector1">
+            <a:avLst/>
+          </a:prstGeom>
+          <a:ln w="101600">
+            <a:solidFill>
+              <a:schemeClr val="accent2"/>
+            </a:solidFill>
+            <a:tailEnd type="triangle"/>
+          </a:ln>
+        </p:spPr>
+        <p:style>
+          <a:lnRef idx="1">
+            <a:schemeClr val="accent1"/>
+          </a:lnRef>
+          <a:fillRef idx="0">
+            <a:schemeClr val="accent1"/>
+          </a:fillRef>
+          <a:effectRef idx="0">
+            <a:schemeClr val="accent1"/>
+          </a:effectRef>
+          <a:fontRef idx="minor">
+            <a:schemeClr val="tx1"/>
+          </a:fontRef>
+        </p:style>
+      </p:cxnSp>
+      <p:cxnSp>
+        <p:nvCxnSpPr>
+          <p:cNvPr id="84" name="直線單箭頭接點 83"/>
+          <p:cNvCxnSpPr>
+            <a:endCxn id="88" idx="1"/>
+          </p:cNvCxnSpPr>
+          <p:nvPr/>
+        </p:nvCxnSpPr>
+        <p:spPr>
+          <a:xfrm flipV="1">
+            <a:off x="9534971" y="7436765"/>
+            <a:ext cx="702986" cy="5053"/>
+          </a:xfrm>
+          <a:prstGeom prst="straightConnector1">
+            <a:avLst/>
+          </a:prstGeom>
+          <a:ln w="101600">
+            <a:solidFill>
+              <a:schemeClr val="accent2"/>
+            </a:solidFill>
+            <a:tailEnd type="triangle"/>
+          </a:ln>
+        </p:spPr>
+        <p:style>
+          <a:lnRef idx="1">
+            <a:schemeClr val="accent1"/>
+          </a:lnRef>
+          <a:fillRef idx="0">
+            <a:schemeClr val="accent1"/>
+          </a:fillRef>
+          <a:effectRef idx="0">
+            <a:schemeClr val="accent1"/>
+          </a:effectRef>
+          <a:fontRef idx="minor">
+            <a:schemeClr val="tx1"/>
+          </a:fontRef>
+        </p:style>
+      </p:cxnSp>
+      <p:cxnSp>
+        <p:nvCxnSpPr>
+          <p:cNvPr id="85" name="直線單箭頭接點 84"/>
+          <p:cNvCxnSpPr>
+            <a:endCxn id="89" idx="1"/>
+          </p:cNvCxnSpPr>
+          <p:nvPr/>
+        </p:nvCxnSpPr>
+        <p:spPr>
+          <a:xfrm flipV="1">
+            <a:off x="9543257" y="8156765"/>
+            <a:ext cx="694700" cy="10107"/>
+          </a:xfrm>
+          <a:prstGeom prst="straightConnector1">
+            <a:avLst/>
+          </a:prstGeom>
+          <a:ln w="101600">
+            <a:solidFill>
+              <a:schemeClr val="accent2"/>
+            </a:solidFill>
+            <a:tailEnd type="triangle"/>
+          </a:ln>
+        </p:spPr>
+        <p:style>
+          <a:lnRef idx="1">
+            <a:schemeClr val="accent1"/>
+          </a:lnRef>
+          <a:fillRef idx="0">
+            <a:schemeClr val="accent1"/>
+          </a:fillRef>
+          <a:effectRef idx="0">
+            <a:schemeClr val="accent1"/>
+          </a:effectRef>
+          <a:fontRef idx="minor">
+            <a:schemeClr val="tx1"/>
+          </a:fontRef>
+        </p:style>
+      </p:cxnSp>
+      <p:sp>
+        <p:nvSpPr>
+          <p:cNvPr id="98" name="圓角矩形 97"/>
+          <p:cNvSpPr/>
+          <p:nvPr/>
+        </p:nvSpPr>
+        <p:spPr>
+          <a:xfrm>
+            <a:off x="7713308" y="6546867"/>
+            <a:ext cx="1967326" cy="714947"/>
+          </a:xfrm>
+          <a:prstGeom prst="roundRect">
+            <a:avLst/>
+          </a:prstGeom>
+          <a:solidFill>
+            <a:srgbClr val="282828"/>
+          </a:solidFill>
+          <a:ln w="50800">
+            <a:solidFill>
+              <a:schemeClr val="bg1"/>
+            </a:solidFill>
+          </a:ln>
+        </p:spPr>
+        <p:style>
+          <a:lnRef idx="2">
+            <a:schemeClr val="accent1">
+              <a:shade val="50000"/>
+            </a:schemeClr>
+          </a:lnRef>
+          <a:fillRef idx="1">
+            <a:schemeClr val="accent1"/>
+          </a:fillRef>
+          <a:effectRef idx="0">
+            <a:schemeClr val="accent1"/>
+          </a:effectRef>
+          <a:fontRef idx="minor">
+            <a:schemeClr val="lt1"/>
+          </a:fontRef>
+        </p:style>
+        <p:txBody>
+          <a:bodyPr rtlCol="0" anchor="ctr"/>
+          <a:lstStyle/>
+          <a:p>
+            <a:pPr algn="ctr"/>
+            <a:r>
+              <a:rPr lang="en-US" altLang="zh-TW" sz="3200" dirty="0">
+                <a:latin typeface="Source Code Pro" panose="020B0509030403020204" pitchFamily="49" charset="0"/>
+              </a:rPr>
+              <a:t>Linear</a:t>
+            </a:r>
+            <a:endParaRPr lang="zh-TW" altLang="en-US" sz="3200" dirty="0">
+              <a:latin typeface="Source Code Pro" panose="020B0509030403020204" pitchFamily="49" charset="0"/>
+            </a:endParaRPr>
+          </a:p>
+        </p:txBody>
+      </p:sp>
+      <p:sp>
+        <p:nvSpPr>
+          <p:cNvPr id="99" name="圓角矩形 98"/>
+          <p:cNvSpPr/>
+          <p:nvPr/>
+        </p:nvSpPr>
+        <p:spPr>
+          <a:xfrm>
+            <a:off x="7713308" y="7271916"/>
+            <a:ext cx="1967326" cy="720000"/>
+          </a:xfrm>
+          <a:prstGeom prst="roundRect">
+            <a:avLst/>
+          </a:prstGeom>
+          <a:solidFill>
+            <a:srgbClr val="282828"/>
+          </a:solidFill>
+          <a:ln w="50800">
+            <a:solidFill>
+              <a:schemeClr val="bg1"/>
+            </a:solidFill>
+          </a:ln>
+        </p:spPr>
+        <p:style>
+          <a:lnRef idx="2">
+            <a:schemeClr val="accent1">
+              <a:shade val="50000"/>
+            </a:schemeClr>
+          </a:lnRef>
+          <a:fillRef idx="1">
+            <a:schemeClr val="accent1"/>
+          </a:fillRef>
+          <a:effectRef idx="0">
+            <a:schemeClr val="accent1"/>
+          </a:effectRef>
+          <a:fontRef idx="minor">
+            <a:schemeClr val="lt1"/>
+          </a:fontRef>
+        </p:style>
+        <p:txBody>
+          <a:bodyPr rtlCol="0" anchor="ctr"/>
+          <a:lstStyle/>
+          <a:p>
+            <a:pPr algn="ctr"/>
+            <a:r>
+              <a:rPr lang="en-US" altLang="zh-TW" sz="3200" dirty="0">
+                <a:latin typeface="Source Code Pro" panose="020B0509030403020204" pitchFamily="49" charset="0"/>
+              </a:rPr>
+              <a:t>Linear</a:t>
+            </a:r>
+            <a:endParaRPr lang="zh-TW" altLang="en-US" sz="3200" dirty="0">
+              <a:latin typeface="Source Code Pro" panose="020B0509030403020204" pitchFamily="49" charset="0"/>
+            </a:endParaRPr>
+          </a:p>
+        </p:txBody>
+      </p:sp>
+      <p:sp>
+        <p:nvSpPr>
+          <p:cNvPr id="100" name="圓角矩形 99"/>
+          <p:cNvSpPr/>
+          <p:nvPr/>
+        </p:nvSpPr>
+        <p:spPr>
+          <a:xfrm>
+            <a:off x="7721594" y="8002026"/>
+            <a:ext cx="1967326" cy="709893"/>
+          </a:xfrm>
+          <a:prstGeom prst="roundRect">
+            <a:avLst/>
+          </a:prstGeom>
+          <a:solidFill>
+            <a:srgbClr val="282828"/>
+          </a:solidFill>
+          <a:ln w="50800">
+            <a:solidFill>
+              <a:schemeClr val="bg1"/>
+            </a:solidFill>
+          </a:ln>
+        </p:spPr>
+        <p:style>
+          <a:lnRef idx="2">
+            <a:schemeClr val="accent1">
+              <a:shade val="50000"/>
+            </a:schemeClr>
+          </a:lnRef>
+          <a:fillRef idx="1">
+            <a:schemeClr val="accent1"/>
+          </a:fillRef>
+          <a:effectRef idx="0">
+            <a:schemeClr val="accent1"/>
+          </a:effectRef>
+          <a:fontRef idx="minor">
+            <a:schemeClr val="lt1"/>
+          </a:fontRef>
+        </p:style>
+        <p:txBody>
+          <a:bodyPr rtlCol="0" anchor="ctr"/>
+          <a:lstStyle/>
+          <a:p>
+            <a:pPr algn="ctr"/>
+            <a:r>
+              <a:rPr lang="en-US" altLang="zh-TW" sz="3200" dirty="0">
+                <a:latin typeface="Source Code Pro" panose="020B0509030403020204" pitchFamily="49" charset="0"/>
+              </a:rPr>
+              <a:t>Linear</a:t>
+            </a:r>
+            <a:endParaRPr lang="zh-TW" altLang="en-US" sz="3200" dirty="0">
+              <a:latin typeface="Source Code Pro" panose="020B0509030403020204" pitchFamily="49" charset="0"/>
+            </a:endParaRPr>
+          </a:p>
+        </p:txBody>
+      </p:sp>
+      <p:sp>
+        <p:nvSpPr>
+          <p:cNvPr id="101" name="圓角矩形 100"/>
+          <p:cNvSpPr/>
+          <p:nvPr/>
+        </p:nvSpPr>
+        <p:spPr>
+          <a:xfrm>
+            <a:off x="5545431" y="6970438"/>
+            <a:ext cx="948982" cy="948982"/>
+          </a:xfrm>
+          <a:prstGeom prst="roundRect">
+            <a:avLst/>
+          </a:prstGeom>
+          <a:solidFill>
+            <a:srgbClr val="282828"/>
+          </a:solidFill>
+          <a:ln w="50800">
+            <a:solidFill>
+              <a:srgbClr val="00B0F0"/>
+            </a:solidFill>
+          </a:ln>
+        </p:spPr>
+        <p:style>
+          <a:lnRef idx="2">
+            <a:schemeClr val="accent1">
+              <a:shade val="50000"/>
+            </a:schemeClr>
+          </a:lnRef>
+          <a:fillRef idx="1">
+            <a:schemeClr val="accent1"/>
+          </a:fillRef>
+          <a:effectRef idx="0">
+            <a:schemeClr val="accent1"/>
+          </a:effectRef>
+          <a:fontRef idx="minor">
+            <a:schemeClr val="lt1"/>
+          </a:fontRef>
+        </p:style>
+        <p:txBody>
+          <a:bodyPr rtlCol="0" anchor="ctr"/>
+          <a:lstStyle/>
+          <a:p>
+            <a:pPr algn="ctr"/>
+            <a:r>
+              <a:rPr lang="en-US" altLang="zh-TW" sz="3600" dirty="0">
+                <a:latin typeface="Source Code Pro" panose="020B0509030403020204" pitchFamily="49" charset="0"/>
+              </a:rPr>
+              <a:t>K</a:t>
+            </a:r>
+            <a:r>
+              <a:rPr lang="en-US" altLang="zh-TW" sz="2400" dirty="0" smtClean="0">
+                <a:latin typeface="Source Code Pro" panose="020B0509030403020204" pitchFamily="49" charset="0"/>
+              </a:rPr>
+              <a:t>in</a:t>
+            </a:r>
+            <a:endParaRPr lang="en-US" altLang="zh-TW" sz="3200" dirty="0">
+              <a:latin typeface="Source Code Pro" panose="020B0509030403020204" pitchFamily="49" charset="0"/>
+            </a:endParaRPr>
+          </a:p>
+        </p:txBody>
+      </p:sp>
+      <p:sp>
+        <p:nvSpPr>
+          <p:cNvPr id="102" name="圓角矩形 101"/>
+          <p:cNvSpPr/>
+          <p:nvPr/>
+        </p:nvSpPr>
+        <p:spPr>
+          <a:xfrm>
+            <a:off x="5531356" y="7919420"/>
+            <a:ext cx="948982" cy="948982"/>
+          </a:xfrm>
+          <a:prstGeom prst="roundRect">
+            <a:avLst/>
+          </a:prstGeom>
+          <a:solidFill>
+            <a:srgbClr val="282828"/>
+          </a:solidFill>
+          <a:ln w="50800">
+            <a:solidFill>
+              <a:srgbClr val="00B0F0"/>
+            </a:solidFill>
+          </a:ln>
+        </p:spPr>
+        <p:style>
+          <a:lnRef idx="2">
+            <a:schemeClr val="accent1">
+              <a:shade val="50000"/>
+            </a:schemeClr>
+          </a:lnRef>
+          <a:fillRef idx="1">
+            <a:schemeClr val="accent1"/>
+          </a:fillRef>
+          <a:effectRef idx="0">
+            <a:schemeClr val="accent1"/>
+          </a:effectRef>
+          <a:fontRef idx="minor">
+            <a:schemeClr val="lt1"/>
+          </a:fontRef>
+        </p:style>
+        <p:txBody>
+          <a:bodyPr rtlCol="0" anchor="ctr"/>
+          <a:lstStyle/>
+          <a:p>
+            <a:pPr algn="ctr"/>
+            <a:r>
+              <a:rPr lang="en-US" altLang="zh-TW" sz="3600" dirty="0">
+                <a:latin typeface="Source Code Pro" panose="020B0509030403020204" pitchFamily="49" charset="0"/>
+              </a:rPr>
+              <a:t>Q</a:t>
+            </a:r>
+            <a:r>
+              <a:rPr lang="en-US" altLang="zh-TW" sz="2400" dirty="0" smtClean="0">
+                <a:latin typeface="Source Code Pro" panose="020B0509030403020204" pitchFamily="49" charset="0"/>
+              </a:rPr>
+              <a:t>in</a:t>
+            </a:r>
+            <a:endParaRPr lang="en-US" altLang="zh-TW" sz="3200" dirty="0">
+              <a:latin typeface="Source Code Pro" panose="020B0509030403020204" pitchFamily="49" charset="0"/>
+            </a:endParaRPr>
+          </a:p>
+        </p:txBody>
+      </p:sp>
+      <p:sp>
+        <p:nvSpPr>
+          <p:cNvPr id="106" name="圓角矩形 105"/>
+          <p:cNvSpPr/>
+          <p:nvPr/>
+        </p:nvSpPr>
+        <p:spPr>
+          <a:xfrm>
+            <a:off x="11388295" y="4213297"/>
+            <a:ext cx="1967326" cy="714947"/>
+          </a:xfrm>
+          <a:prstGeom prst="roundRect">
+            <a:avLst/>
+          </a:prstGeom>
+          <a:solidFill>
+            <a:srgbClr val="282828"/>
+          </a:solidFill>
+          <a:ln w="50800">
+            <a:solidFill>
+              <a:srgbClr val="FFC000"/>
+            </a:solidFill>
+          </a:ln>
+        </p:spPr>
+        <p:style>
+          <a:lnRef idx="2">
+            <a:schemeClr val="accent1">
+              <a:shade val="50000"/>
+            </a:schemeClr>
+          </a:lnRef>
+          <a:fillRef idx="1">
+            <a:schemeClr val="accent1"/>
+          </a:fillRef>
+          <a:effectRef idx="0">
+            <a:schemeClr val="accent1"/>
+          </a:effectRef>
+          <a:fontRef idx="minor">
+            <a:schemeClr val="lt1"/>
+          </a:fontRef>
+        </p:style>
+        <p:txBody>
+          <a:bodyPr rtlCol="0" anchor="ctr"/>
+          <a:lstStyle/>
+          <a:p>
+            <a:pPr algn="ctr"/>
+            <a:r>
+              <a:rPr lang="en-US" altLang="zh-TW" sz="3200" dirty="0" err="1" smtClean="0">
+                <a:latin typeface="Source Code Pro" panose="020B0509030403020204" pitchFamily="49" charset="0"/>
+              </a:rPr>
+              <a:t>Concat</a:t>
+            </a:r>
+            <a:endParaRPr lang="zh-TW" altLang="en-US" sz="3200" dirty="0">
+              <a:latin typeface="Source Code Pro" panose="020B0509030403020204" pitchFamily="49" charset="0"/>
+            </a:endParaRPr>
+          </a:p>
+        </p:txBody>
+      </p:sp>
+      <p:sp>
+        <p:nvSpPr>
+          <p:cNvPr id="107" name="圓角矩形 106"/>
+          <p:cNvSpPr/>
+          <p:nvPr/>
+        </p:nvSpPr>
+        <p:spPr>
+          <a:xfrm>
+            <a:off x="7575931" y="4213296"/>
+            <a:ext cx="1967326" cy="714947"/>
+          </a:xfrm>
+          <a:prstGeom prst="roundRect">
+            <a:avLst/>
+          </a:prstGeom>
+          <a:solidFill>
+            <a:srgbClr val="282828"/>
+          </a:solidFill>
+          <a:ln w="50800">
+            <a:solidFill>
+              <a:schemeClr val="bg1"/>
+            </a:solidFill>
+          </a:ln>
+        </p:spPr>
+        <p:style>
+          <a:lnRef idx="2">
+            <a:schemeClr val="accent1">
+              <a:shade val="50000"/>
+            </a:schemeClr>
+          </a:lnRef>
+          <a:fillRef idx="1">
+            <a:schemeClr val="accent1"/>
+          </a:fillRef>
+          <a:effectRef idx="0">
+            <a:schemeClr val="accent1"/>
+          </a:effectRef>
+          <a:fontRef idx="minor">
+            <a:schemeClr val="lt1"/>
+          </a:fontRef>
+        </p:style>
+        <p:txBody>
+          <a:bodyPr rtlCol="0" anchor="ctr"/>
+          <a:lstStyle/>
+          <a:p>
+            <a:pPr algn="ctr"/>
+            <a:r>
+              <a:rPr lang="en-US" altLang="zh-TW" sz="3200" dirty="0">
+                <a:latin typeface="Source Code Pro" panose="020B0509030403020204" pitchFamily="49" charset="0"/>
+              </a:rPr>
+              <a:t>Linear</a:t>
+            </a:r>
+            <a:endParaRPr lang="zh-TW" altLang="en-US" sz="3200" dirty="0">
+              <a:latin typeface="Source Code Pro" panose="020B0509030403020204" pitchFamily="49" charset="0"/>
+            </a:endParaRPr>
+          </a:p>
+        </p:txBody>
+      </p:sp>
+      <p:cxnSp>
+        <p:nvCxnSpPr>
+          <p:cNvPr id="108" name="直線單箭頭接點 154"/>
+          <p:cNvCxnSpPr>
+            <a:stCxn id="106" idx="1"/>
+            <a:endCxn id="107" idx="3"/>
+          </p:cNvCxnSpPr>
+          <p:nvPr/>
+        </p:nvCxnSpPr>
+        <p:spPr>
+          <a:xfrm flipH="1" flipV="1">
+            <a:off x="9543257" y="4570770"/>
+            <a:ext cx="1845038" cy="1"/>
+          </a:xfrm>
+          <a:prstGeom prst="straightConnector1">
+            <a:avLst/>
+          </a:prstGeom>
+          <a:ln w="101600">
+            <a:solidFill>
+              <a:srgbClr val="FF0066"/>
+            </a:solidFill>
+            <a:round/>
+            <a:tailEnd type="triangle"/>
+          </a:ln>
+        </p:spPr>
+        <p:style>
+          <a:lnRef idx="1">
+            <a:schemeClr val="accent1"/>
+          </a:lnRef>
+          <a:fillRef idx="0">
+            <a:schemeClr val="accent1"/>
+          </a:fillRef>
+          <a:effectRef idx="0">
+            <a:schemeClr val="accent1"/>
+          </a:effectRef>
+          <a:fontRef idx="minor">
+            <a:schemeClr val="tx1"/>
+          </a:fontRef>
+        </p:style>
+      </p:cxnSp>
+      <p:sp>
+        <p:nvSpPr>
+          <p:cNvPr id="109" name="圓角矩形 108"/>
+          <p:cNvSpPr/>
+          <p:nvPr/>
+        </p:nvSpPr>
+        <p:spPr>
+          <a:xfrm>
+            <a:off x="5416633" y="4096278"/>
+            <a:ext cx="1206577" cy="948982"/>
+          </a:xfrm>
+          <a:prstGeom prst="roundRect">
+            <a:avLst/>
+          </a:prstGeom>
+          <a:solidFill>
+            <a:srgbClr val="282828"/>
+          </a:solidFill>
+          <a:ln w="50800">
+            <a:solidFill>
+              <a:srgbClr val="CC66FF"/>
+            </a:solidFill>
+          </a:ln>
+        </p:spPr>
+        <p:style>
+          <a:lnRef idx="2">
+            <a:schemeClr val="accent1">
+              <a:shade val="50000"/>
+            </a:schemeClr>
+          </a:lnRef>
+          <a:fillRef idx="1">
+            <a:schemeClr val="accent1"/>
+          </a:fillRef>
+          <a:effectRef idx="0">
+            <a:schemeClr val="accent1"/>
+          </a:effectRef>
+          <a:fontRef idx="minor">
+            <a:schemeClr val="lt1"/>
+          </a:fontRef>
+        </p:style>
+        <p:txBody>
+          <a:bodyPr rtlCol="0" anchor="ctr"/>
+          <a:lstStyle/>
+          <a:p>
+            <a:pPr algn="ctr"/>
+            <a:r>
+              <a:rPr lang="en-US" altLang="zh-TW" sz="3600" dirty="0" smtClean="0">
+                <a:latin typeface="Source Code Pro" panose="020B0509030403020204" pitchFamily="49" charset="0"/>
+              </a:rPr>
+              <a:t>Out</a:t>
+            </a:r>
+            <a:endParaRPr lang="en-US" altLang="zh-TW" sz="3200" dirty="0">
+              <a:latin typeface="Source Code Pro" panose="020B0509030403020204" pitchFamily="49" charset="0"/>
+            </a:endParaRPr>
+          </a:p>
+        </p:txBody>
+      </p:sp>
+      <p:cxnSp>
+        <p:nvCxnSpPr>
+          <p:cNvPr id="110" name="直線單箭頭接點 154"/>
+          <p:cNvCxnSpPr>
+            <a:stCxn id="107" idx="1"/>
+            <a:endCxn id="109" idx="3"/>
+          </p:cNvCxnSpPr>
+          <p:nvPr/>
+        </p:nvCxnSpPr>
+        <p:spPr>
+          <a:xfrm flipH="1" flipV="1">
+            <a:off x="6623210" y="4570769"/>
+            <a:ext cx="952721" cy="1"/>
+          </a:xfrm>
+          <a:prstGeom prst="straightConnector1">
+            <a:avLst/>
+          </a:prstGeom>
+          <a:ln w="101600">
+            <a:solidFill>
+              <a:srgbClr val="FF0066"/>
+            </a:solidFill>
+            <a:round/>
+            <a:tailEnd type="triangle"/>
+          </a:ln>
+        </p:spPr>
+        <p:style>
+          <a:lnRef idx="1">
+            <a:schemeClr val="accent1"/>
+          </a:lnRef>
+          <a:fillRef idx="0">
+            <a:schemeClr val="accent1"/>
+          </a:fillRef>
+          <a:effectRef idx="0">
+            <a:schemeClr val="accent1"/>
+          </a:effectRef>
+          <a:fontRef idx="minor">
+            <a:schemeClr val="tx1"/>
+          </a:fontRef>
+        </p:style>
+      </p:cxnSp>
+      <p:grpSp>
+        <p:nvGrpSpPr>
+          <p:cNvPr id="19" name="群組 18"/>
+          <p:cNvGrpSpPr/>
+          <p:nvPr/>
+        </p:nvGrpSpPr>
+        <p:grpSpPr>
+          <a:xfrm>
+            <a:off x="14622410" y="5171731"/>
+            <a:ext cx="4001256" cy="1905030"/>
+            <a:chOff x="14622410" y="5171731"/>
+            <a:chExt cx="3498296" cy="1534457"/>
+          </a:xfrm>
+        </p:grpSpPr>
+        <p:grpSp>
+          <p:nvGrpSpPr>
+            <p:cNvPr id="116" name="群組 115"/>
+            <p:cNvGrpSpPr/>
+            <p:nvPr/>
+          </p:nvGrpSpPr>
+          <p:grpSpPr>
+            <a:xfrm>
+              <a:off x="14622410" y="5171731"/>
+              <a:ext cx="3023619" cy="1123071"/>
+              <a:chOff x="8386539" y="16188678"/>
+              <a:chExt cx="3023619" cy="1123071"/>
+            </a:xfrm>
+          </p:grpSpPr>
+          <p:grpSp>
+            <p:nvGrpSpPr>
+              <p:cNvPr id="117" name="群組 116"/>
+              <p:cNvGrpSpPr/>
+              <p:nvPr/>
+            </p:nvGrpSpPr>
+            <p:grpSpPr>
+              <a:xfrm>
+                <a:off x="8386542" y="16231817"/>
+                <a:ext cx="3023616" cy="1079932"/>
+                <a:chOff x="4222769" y="13258799"/>
+                <a:chExt cx="3023616" cy="608976"/>
+              </a:xfrm>
+            </p:grpSpPr>
+            <p:sp>
+              <p:nvSpPr>
+                <p:cNvPr id="123" name="圓角矩形 122"/>
+                <p:cNvSpPr/>
+                <p:nvPr/>
+              </p:nvSpPr>
+              <p:spPr>
+                <a:xfrm>
+                  <a:off x="4222769" y="13258799"/>
+                  <a:ext cx="3023616" cy="608976"/>
+                </a:xfrm>
+                <a:prstGeom prst="roundRect">
+                  <a:avLst/>
+                </a:prstGeom>
+                <a:solidFill>
+                  <a:schemeClr val="accent1">
+                    <a:lumMod val="60000"/>
+                    <a:lumOff val="40000"/>
+                  </a:schemeClr>
+                </a:solidFill>
+                <a:ln>
+                  <a:noFill/>
+                </a:ln>
+              </p:spPr>
+              <p:style>
+                <a:lnRef idx="2">
+                  <a:schemeClr val="accent1">
+                    <a:shade val="50000"/>
+                  </a:schemeClr>
+                </a:lnRef>
+                <a:fillRef idx="1">
+                  <a:schemeClr val="accent1"/>
+                </a:fillRef>
+                <a:effectRef idx="0">
+                  <a:schemeClr val="accent1"/>
+                </a:effectRef>
+                <a:fontRef idx="minor">
+                  <a:schemeClr val="lt1"/>
+                </a:fontRef>
+              </p:style>
+              <p:txBody>
+                <a:bodyPr rot="0" spcFirstLastPara="0" vertOverflow="overflow" horzOverflow="overflow" vert="horz" wrap="square" lIns="91440" tIns="45720" rIns="91440" bIns="45720" numCol="1" spcCol="0" rtlCol="0" fromWordArt="0" anchor="ctr" anchorCtr="0" forceAA="0" compatLnSpc="1">
+                  <a:prstTxWarp prst="textNoShape">
+                    <a:avLst/>
+                  </a:prstTxWarp>
+                  <a:noAutofit/>
+                </a:bodyPr>
+                <a:lstStyle/>
+                <a:p>
+                  <a:pPr algn="ctr"/>
+                  <a:endParaRPr lang="zh-TW" altLang="en-US" sz="2000" dirty="0">
+                    <a:latin typeface="SauceCodePro Nerd Font" panose="020B0509030403020204" pitchFamily="49" charset="0"/>
+                  </a:endParaRPr>
+                </a:p>
+              </p:txBody>
+            </p:sp>
+            <p:sp>
+              <p:nvSpPr>
+                <p:cNvPr id="124" name="矩形 123"/>
+                <p:cNvSpPr/>
+                <p:nvPr/>
+              </p:nvSpPr>
+              <p:spPr>
+                <a:xfrm>
+                  <a:off x="4227053" y="13449700"/>
+                  <a:ext cx="3012980" cy="303992"/>
+                </a:xfrm>
+                <a:prstGeom prst="rect">
+                  <a:avLst/>
+                </a:prstGeom>
+                <a:solidFill>
+                  <a:srgbClr val="282828"/>
+                </a:solidFill>
+                <a:ln>
+                  <a:solidFill>
+                    <a:schemeClr val="accent1">
+                      <a:lumMod val="40000"/>
+                      <a:lumOff val="60000"/>
+                    </a:schemeClr>
+                  </a:solidFill>
+                </a:ln>
+              </p:spPr>
+              <p:style>
+                <a:lnRef idx="2">
+                  <a:schemeClr val="accent1">
+                    <a:shade val="50000"/>
+                  </a:schemeClr>
+                </a:lnRef>
+                <a:fillRef idx="1">
+                  <a:schemeClr val="accent1"/>
+                </a:fillRef>
+                <a:effectRef idx="0">
+                  <a:schemeClr val="accent1"/>
+                </a:effectRef>
+                <a:fontRef idx="minor">
+                  <a:schemeClr val="lt1"/>
+                </a:fontRef>
+              </p:style>
+              <p:txBody>
+                <a:bodyPr rot="0" spcFirstLastPara="0" vertOverflow="overflow" horzOverflow="overflow" vert="horz" wrap="square" lIns="91440" tIns="45720" rIns="91440" bIns="45720" numCol="1" spcCol="0" rtlCol="0" fromWordArt="0" anchor="ctr" anchorCtr="0" forceAA="0" compatLnSpc="1">
+                  <a:prstTxWarp prst="textNoShape">
+                    <a:avLst/>
+                  </a:prstTxWarp>
+                  <a:noAutofit/>
+                </a:bodyPr>
+                <a:lstStyle/>
+                <a:p>
+                  <a:pPr algn="ctr"/>
+                  <a:endParaRPr lang="zh-TW" altLang="en-US" sz="2000" dirty="0">
+                    <a:solidFill>
+                      <a:schemeClr val="accent2">
+                        <a:lumMod val="20000"/>
+                        <a:lumOff val="80000"/>
+                      </a:schemeClr>
+                    </a:solidFill>
+                    <a:latin typeface="Source Code Pro" panose="020B0509030403020204" pitchFamily="49" charset="0"/>
+                  </a:endParaRPr>
+                </a:p>
+              </p:txBody>
+            </p:sp>
+          </p:grpSp>
+          <p:sp>
+            <p:nvSpPr>
+              <p:cNvPr id="118" name="矩形 117"/>
+              <p:cNvSpPr/>
+              <p:nvPr/>
+            </p:nvSpPr>
+            <p:spPr>
+              <a:xfrm>
+                <a:off x="8386540" y="16188678"/>
+                <a:ext cx="3023618" cy="452240"/>
+              </a:xfrm>
+              <a:prstGeom prst="rect">
+                <a:avLst/>
+              </a:prstGeom>
+              <a:noFill/>
+              <a:ln>
+                <a:noFill/>
+              </a:ln>
+            </p:spPr>
+            <p:style>
+              <a:lnRef idx="2">
+                <a:schemeClr val="accent1">
+                  <a:shade val="50000"/>
+                </a:schemeClr>
+              </a:lnRef>
+              <a:fillRef idx="1">
+                <a:schemeClr val="accent1"/>
+              </a:fillRef>
+              <a:effectRef idx="0">
+                <a:schemeClr val="accent1"/>
+              </a:effectRef>
+              <a:fontRef idx="minor">
+                <a:schemeClr val="lt1"/>
+              </a:fontRef>
+            </p:style>
+            <p:txBody>
+              <a:bodyPr rot="0" spcFirstLastPara="0" vertOverflow="overflow" horzOverflow="overflow" vert="horz" wrap="square" lIns="91440" tIns="45720" rIns="91440" bIns="45720" numCol="1" spcCol="0" rtlCol="0" fromWordArt="0" anchor="ctr" anchorCtr="0" forceAA="0" compatLnSpc="1">
+                <a:prstTxWarp prst="textNoShape">
+                  <a:avLst/>
+                </a:prstTxWarp>
+                <a:noAutofit/>
+              </a:bodyPr>
+              <a:lstStyle/>
+              <a:p>
+                <a:pPr algn="ctr"/>
+                <a:r>
+                  <a:rPr lang="en-US" altLang="zh-TW" sz="2000" dirty="0" smtClean="0">
+                    <a:solidFill>
+                      <a:srgbClr val="282828"/>
+                    </a:solidFill>
+                    <a:latin typeface="Source Code Pro" panose="020B0509030403020204" pitchFamily="49" charset="0"/>
+                  </a:rPr>
+                  <a:t>Symbolic Book</a:t>
+                </a:r>
+                <a:endParaRPr lang="zh-TW" altLang="en-US" sz="2000" dirty="0">
+                  <a:solidFill>
+                    <a:srgbClr val="282828"/>
+                  </a:solidFill>
+                  <a:latin typeface="Source Code Pro" panose="020B0509030403020204" pitchFamily="49" charset="0"/>
+                </a:endParaRPr>
+              </a:p>
+            </p:txBody>
+          </p:sp>
+          <p:sp>
+            <p:nvSpPr>
+              <p:cNvPr id="119" name="矩形 118"/>
+              <p:cNvSpPr/>
+              <p:nvPr/>
+            </p:nvSpPr>
+            <p:spPr>
+              <a:xfrm>
+                <a:off x="8386539" y="16570353"/>
+                <a:ext cx="455581" cy="539086"/>
+              </a:xfrm>
+              <a:prstGeom prst="rect">
+                <a:avLst/>
+              </a:prstGeom>
+              <a:solidFill>
+                <a:srgbClr val="282828"/>
+              </a:solidFill>
+              <a:ln>
+                <a:solidFill>
+                  <a:schemeClr val="accent1">
+                    <a:lumMod val="40000"/>
+                    <a:lumOff val="60000"/>
+                  </a:schemeClr>
+                </a:solidFill>
+              </a:ln>
+            </p:spPr>
+            <p:style>
+              <a:lnRef idx="2">
+                <a:schemeClr val="accent1">
+                  <a:shade val="50000"/>
+                </a:schemeClr>
+              </a:lnRef>
+              <a:fillRef idx="1">
+                <a:schemeClr val="accent1"/>
+              </a:fillRef>
+              <a:effectRef idx="0">
+                <a:schemeClr val="accent1"/>
+              </a:effectRef>
+              <a:fontRef idx="minor">
+                <a:schemeClr val="lt1"/>
+              </a:fontRef>
+            </p:style>
+            <p:txBody>
+              <a:bodyPr rot="0" spcFirstLastPara="0" vertOverflow="overflow" horzOverflow="overflow" vert="horz" wrap="square" lIns="91440" tIns="45720" rIns="91440" bIns="45720" numCol="1" spcCol="0" rtlCol="0" fromWordArt="0" anchor="ctr" anchorCtr="0" forceAA="0" compatLnSpc="1">
+                <a:prstTxWarp prst="textNoShape">
+                  <a:avLst/>
+                </a:prstTxWarp>
+                <a:noAutofit/>
+              </a:bodyPr>
+              <a:lstStyle/>
+              <a:p>
+                <a:pPr algn="ctr"/>
+                <a:r>
+                  <a:rPr lang="en-US" altLang="zh-TW" sz="2000" dirty="0" smtClean="0">
+                    <a:solidFill>
+                      <a:schemeClr val="accent1">
+                        <a:lumMod val="20000"/>
+                        <a:lumOff val="80000"/>
+                      </a:schemeClr>
+                    </a:solidFill>
+                    <a:latin typeface="Source Code Pro" panose="020B0509030403020204" pitchFamily="49" charset="0"/>
+                  </a:rPr>
+                  <a:t>e</a:t>
+                </a:r>
+                <a:r>
+                  <a:rPr lang="en-US" altLang="zh-TW" sz="2000" baseline="-25000" dirty="0" smtClean="0">
+                    <a:solidFill>
+                      <a:schemeClr val="accent1">
+                        <a:lumMod val="20000"/>
+                        <a:lumOff val="80000"/>
+                      </a:schemeClr>
+                    </a:solidFill>
+                    <a:latin typeface="Source Code Pro" panose="020B0509030403020204" pitchFamily="49" charset="0"/>
+                  </a:rPr>
+                  <a:t>1</a:t>
+                </a:r>
+                <a:endParaRPr lang="zh-TW" altLang="en-US" sz="2000" baseline="-25000" dirty="0">
+                  <a:solidFill>
+                    <a:schemeClr val="accent1">
+                      <a:lumMod val="20000"/>
+                      <a:lumOff val="80000"/>
+                    </a:schemeClr>
+                  </a:solidFill>
+                  <a:latin typeface="Source Code Pro" panose="020B0509030403020204" pitchFamily="49" charset="0"/>
+                </a:endParaRPr>
+              </a:p>
+            </p:txBody>
+          </p:sp>
+          <p:sp>
+            <p:nvSpPr>
+              <p:cNvPr id="120" name="矩形 119"/>
+              <p:cNvSpPr/>
+              <p:nvPr/>
+            </p:nvSpPr>
+            <p:spPr>
+              <a:xfrm>
+                <a:off x="9297777" y="16570353"/>
+                <a:ext cx="1644056" cy="539086"/>
+              </a:xfrm>
+              <a:prstGeom prst="rect">
+                <a:avLst/>
+              </a:prstGeom>
+              <a:solidFill>
+                <a:srgbClr val="282828"/>
+              </a:solidFill>
+              <a:ln>
+                <a:solidFill>
+                  <a:schemeClr val="accent1">
+                    <a:lumMod val="40000"/>
+                    <a:lumOff val="60000"/>
+                  </a:schemeClr>
+                </a:solidFill>
+              </a:ln>
+            </p:spPr>
+            <p:style>
+              <a:lnRef idx="2">
+                <a:schemeClr val="accent1">
+                  <a:shade val="50000"/>
+                </a:schemeClr>
+              </a:lnRef>
+              <a:fillRef idx="1">
+                <a:schemeClr val="accent1"/>
+              </a:fillRef>
+              <a:effectRef idx="0">
+                <a:schemeClr val="accent1"/>
+              </a:effectRef>
+              <a:fontRef idx="minor">
+                <a:schemeClr val="lt1"/>
+              </a:fontRef>
+            </p:style>
+            <p:txBody>
+              <a:bodyPr rot="0" spcFirstLastPara="0" vertOverflow="overflow" horzOverflow="overflow" vert="horz" wrap="square" lIns="91440" tIns="45720" rIns="91440" bIns="45720" numCol="1" spcCol="0" rtlCol="0" fromWordArt="0" anchor="ctr" anchorCtr="0" forceAA="0" compatLnSpc="1">
+                <a:prstTxWarp prst="textNoShape">
+                  <a:avLst/>
+                </a:prstTxWarp>
+                <a:noAutofit/>
+              </a:bodyPr>
+              <a:lstStyle/>
+              <a:p>
+                <a:pPr algn="ctr"/>
+                <a:r>
+                  <a:rPr lang="en-US" altLang="zh-TW" sz="2000" dirty="0" smtClean="0">
+                    <a:solidFill>
+                      <a:schemeClr val="accent1">
+                        <a:lumMod val="20000"/>
+                        <a:lumOff val="80000"/>
+                      </a:schemeClr>
+                    </a:solidFill>
+                    <a:latin typeface="Source Code Pro" panose="020B0509030403020204" pitchFamily="49" charset="0"/>
+                  </a:rPr>
+                  <a:t>......</a:t>
+                </a:r>
+                <a:endParaRPr lang="zh-TW" altLang="en-US" sz="2000" dirty="0">
+                  <a:solidFill>
+                    <a:schemeClr val="accent1">
+                      <a:lumMod val="20000"/>
+                      <a:lumOff val="80000"/>
+                    </a:schemeClr>
+                  </a:solidFill>
+                  <a:latin typeface="Source Code Pro" panose="020B0509030403020204" pitchFamily="49" charset="0"/>
+                </a:endParaRPr>
+              </a:p>
+            </p:txBody>
+          </p:sp>
+          <p:sp>
+            <p:nvSpPr>
+              <p:cNvPr id="121" name="矩形 120"/>
+              <p:cNvSpPr/>
+              <p:nvPr/>
+            </p:nvSpPr>
+            <p:spPr>
+              <a:xfrm>
+                <a:off x="8837912" y="16570353"/>
+                <a:ext cx="455581" cy="539086"/>
+              </a:xfrm>
+              <a:prstGeom prst="rect">
+                <a:avLst/>
+              </a:prstGeom>
+              <a:solidFill>
+                <a:srgbClr val="282828"/>
+              </a:solidFill>
+              <a:ln>
+                <a:solidFill>
+                  <a:schemeClr val="accent1">
+                    <a:lumMod val="40000"/>
+                    <a:lumOff val="60000"/>
+                  </a:schemeClr>
+                </a:solidFill>
+              </a:ln>
+            </p:spPr>
+            <p:style>
+              <a:lnRef idx="2">
+                <a:schemeClr val="accent1">
+                  <a:shade val="50000"/>
+                </a:schemeClr>
+              </a:lnRef>
+              <a:fillRef idx="1">
+                <a:schemeClr val="accent1"/>
+              </a:fillRef>
+              <a:effectRef idx="0">
+                <a:schemeClr val="accent1"/>
+              </a:effectRef>
+              <a:fontRef idx="minor">
+                <a:schemeClr val="lt1"/>
+              </a:fontRef>
+            </p:style>
+            <p:txBody>
+              <a:bodyPr rot="0" spcFirstLastPara="0" vertOverflow="overflow" horzOverflow="overflow" vert="horz" wrap="square" lIns="91440" tIns="45720" rIns="91440" bIns="45720" numCol="1" spcCol="0" rtlCol="0" fromWordArt="0" anchor="ctr" anchorCtr="0" forceAA="0" compatLnSpc="1">
+                <a:prstTxWarp prst="textNoShape">
+                  <a:avLst/>
+                </a:prstTxWarp>
+                <a:noAutofit/>
+              </a:bodyPr>
+              <a:lstStyle/>
+              <a:p>
+                <a:pPr algn="ctr"/>
+                <a:r>
+                  <a:rPr lang="en-US" altLang="zh-TW" sz="2000" dirty="0" smtClean="0">
+                    <a:solidFill>
+                      <a:schemeClr val="accent1">
+                        <a:lumMod val="20000"/>
+                        <a:lumOff val="80000"/>
+                      </a:schemeClr>
+                    </a:solidFill>
+                    <a:latin typeface="Source Code Pro" panose="020B0509030403020204" pitchFamily="49" charset="0"/>
+                  </a:rPr>
+                  <a:t>e</a:t>
+                </a:r>
+                <a:r>
+                  <a:rPr lang="en-US" altLang="zh-TW" sz="2000" baseline="-25000" dirty="0">
+                    <a:solidFill>
+                      <a:schemeClr val="accent1">
+                        <a:lumMod val="20000"/>
+                        <a:lumOff val="80000"/>
+                      </a:schemeClr>
+                    </a:solidFill>
+                    <a:latin typeface="Source Code Pro" panose="020B0509030403020204" pitchFamily="49" charset="0"/>
+                  </a:rPr>
+                  <a:t>2</a:t>
+                </a:r>
+                <a:endParaRPr lang="zh-TW" altLang="en-US" sz="2000" baseline="-25000" dirty="0">
+                  <a:solidFill>
+                    <a:schemeClr val="accent1">
+                      <a:lumMod val="20000"/>
+                      <a:lumOff val="80000"/>
+                    </a:schemeClr>
+                  </a:solidFill>
+                  <a:latin typeface="Source Code Pro" panose="020B0509030403020204" pitchFamily="49" charset="0"/>
+                </a:endParaRPr>
+              </a:p>
+            </p:txBody>
+          </p:sp>
+          <p:sp>
+            <p:nvSpPr>
+              <p:cNvPr id="122" name="矩形 121"/>
+              <p:cNvSpPr/>
+              <p:nvPr/>
+            </p:nvSpPr>
+            <p:spPr>
+              <a:xfrm>
+                <a:off x="10941833" y="16570353"/>
+                <a:ext cx="461973" cy="539086"/>
+              </a:xfrm>
+              <a:prstGeom prst="rect">
+                <a:avLst/>
+              </a:prstGeom>
+              <a:solidFill>
+                <a:srgbClr val="282828"/>
+              </a:solidFill>
+              <a:ln>
+                <a:solidFill>
+                  <a:schemeClr val="accent1">
+                    <a:lumMod val="40000"/>
+                    <a:lumOff val="60000"/>
+                  </a:schemeClr>
+                </a:solidFill>
+              </a:ln>
+            </p:spPr>
+            <p:style>
+              <a:lnRef idx="2">
+                <a:schemeClr val="accent1">
+                  <a:shade val="50000"/>
+                </a:schemeClr>
+              </a:lnRef>
+              <a:fillRef idx="1">
+                <a:schemeClr val="accent1"/>
+              </a:fillRef>
+              <a:effectRef idx="0">
+                <a:schemeClr val="accent1"/>
+              </a:effectRef>
+              <a:fontRef idx="minor">
+                <a:schemeClr val="lt1"/>
+              </a:fontRef>
+            </p:style>
+            <p:txBody>
+              <a:bodyPr rot="0" spcFirstLastPara="0" vertOverflow="overflow" horzOverflow="overflow" vert="horz" wrap="square" lIns="91440" tIns="45720" rIns="91440" bIns="45720" numCol="1" spcCol="0" rtlCol="0" fromWordArt="0" anchor="ctr" anchorCtr="0" forceAA="0" compatLnSpc="1">
+                <a:prstTxWarp prst="textNoShape">
+                  <a:avLst/>
+                </a:prstTxWarp>
+                <a:noAutofit/>
+              </a:bodyPr>
+              <a:lstStyle/>
+              <a:p>
+                <a:pPr algn="ctr"/>
+                <a:r>
+                  <a:rPr lang="en-US" altLang="zh-TW" sz="2000" dirty="0" err="1" smtClean="0">
+                    <a:solidFill>
+                      <a:schemeClr val="accent1">
+                        <a:lumMod val="20000"/>
+                        <a:lumOff val="80000"/>
+                      </a:schemeClr>
+                    </a:solidFill>
+                    <a:latin typeface="Source Code Pro" panose="020B0509030403020204" pitchFamily="49" charset="0"/>
+                  </a:rPr>
+                  <a:t>e</a:t>
+                </a:r>
+                <a:r>
+                  <a:rPr lang="en-US" altLang="zh-TW" sz="2000" baseline="-25000" dirty="0" err="1">
+                    <a:solidFill>
+                      <a:schemeClr val="accent1">
+                        <a:lumMod val="20000"/>
+                        <a:lumOff val="80000"/>
+                      </a:schemeClr>
+                    </a:solidFill>
+                    <a:latin typeface="Source Code Pro" panose="020B0509030403020204" pitchFamily="49" charset="0"/>
+                  </a:rPr>
+                  <a:t>M</a:t>
+                </a:r>
+                <a:endParaRPr lang="zh-TW" altLang="en-US" sz="2000" baseline="-25000" dirty="0">
+                  <a:solidFill>
+                    <a:schemeClr val="accent1">
+                      <a:lumMod val="20000"/>
+                      <a:lumOff val="80000"/>
+                    </a:schemeClr>
+                  </a:solidFill>
+                  <a:latin typeface="Source Code Pro" panose="020B0509030403020204" pitchFamily="49" charset="0"/>
+                </a:endParaRPr>
+              </a:p>
+            </p:txBody>
+          </p:sp>
+        </p:grpSp>
+        <p:grpSp>
+          <p:nvGrpSpPr>
+            <p:cNvPr id="75" name="群組 74"/>
+            <p:cNvGrpSpPr/>
+            <p:nvPr/>
+          </p:nvGrpSpPr>
+          <p:grpSpPr>
+            <a:xfrm>
+              <a:off x="14862231" y="5377424"/>
+              <a:ext cx="3023619" cy="1123071"/>
+              <a:chOff x="8386539" y="16188678"/>
+              <a:chExt cx="3023619" cy="1123071"/>
+            </a:xfrm>
+          </p:grpSpPr>
+          <p:grpSp>
+            <p:nvGrpSpPr>
+              <p:cNvPr id="79" name="群組 78"/>
+              <p:cNvGrpSpPr/>
+              <p:nvPr/>
+            </p:nvGrpSpPr>
+            <p:grpSpPr>
+              <a:xfrm>
+                <a:off x="8386542" y="16231817"/>
+                <a:ext cx="3023616" cy="1079932"/>
+                <a:chOff x="4222769" y="13258799"/>
+                <a:chExt cx="3023616" cy="608976"/>
+              </a:xfrm>
+            </p:grpSpPr>
+            <p:sp>
+              <p:nvSpPr>
+                <p:cNvPr id="113" name="圓角矩形 112"/>
+                <p:cNvSpPr/>
+                <p:nvPr/>
+              </p:nvSpPr>
+              <p:spPr>
+                <a:xfrm>
+                  <a:off x="4222769" y="13258799"/>
+                  <a:ext cx="3023616" cy="608976"/>
+                </a:xfrm>
+                <a:prstGeom prst="roundRect">
+                  <a:avLst/>
+                </a:prstGeom>
+                <a:solidFill>
+                  <a:schemeClr val="accent1">
+                    <a:lumMod val="60000"/>
+                    <a:lumOff val="40000"/>
+                  </a:schemeClr>
+                </a:solidFill>
+                <a:ln>
+                  <a:noFill/>
+                </a:ln>
+              </p:spPr>
+              <p:style>
+                <a:lnRef idx="2">
+                  <a:schemeClr val="accent1">
+                    <a:shade val="50000"/>
+                  </a:schemeClr>
+                </a:lnRef>
+                <a:fillRef idx="1">
+                  <a:schemeClr val="accent1"/>
+                </a:fillRef>
+                <a:effectRef idx="0">
+                  <a:schemeClr val="accent1"/>
+                </a:effectRef>
+                <a:fontRef idx="minor">
+                  <a:schemeClr val="lt1"/>
+                </a:fontRef>
+              </p:style>
+              <p:txBody>
+                <a:bodyPr rot="0" spcFirstLastPara="0" vertOverflow="overflow" horzOverflow="overflow" vert="horz" wrap="square" lIns="91440" tIns="45720" rIns="91440" bIns="45720" numCol="1" spcCol="0" rtlCol="0" fromWordArt="0" anchor="ctr" anchorCtr="0" forceAA="0" compatLnSpc="1">
+                  <a:prstTxWarp prst="textNoShape">
+                    <a:avLst/>
+                  </a:prstTxWarp>
+                  <a:noAutofit/>
+                </a:bodyPr>
+                <a:lstStyle/>
+                <a:p>
+                  <a:pPr algn="ctr"/>
+                  <a:endParaRPr lang="zh-TW" altLang="en-US" sz="2000" dirty="0">
+                    <a:latin typeface="SauceCodePro Nerd Font" panose="020B0509030403020204" pitchFamily="49" charset="0"/>
+                  </a:endParaRPr>
+                </a:p>
+              </p:txBody>
+            </p:sp>
+            <p:sp>
+              <p:nvSpPr>
+                <p:cNvPr id="114" name="矩形 113"/>
+                <p:cNvSpPr/>
+                <p:nvPr/>
+              </p:nvSpPr>
+              <p:spPr>
+                <a:xfrm>
+                  <a:off x="4227053" y="13449700"/>
+                  <a:ext cx="3012980" cy="303992"/>
+                </a:xfrm>
+                <a:prstGeom prst="rect">
+                  <a:avLst/>
+                </a:prstGeom>
+                <a:solidFill>
+                  <a:srgbClr val="282828"/>
+                </a:solidFill>
+                <a:ln>
+                  <a:solidFill>
+                    <a:schemeClr val="accent1">
+                      <a:lumMod val="40000"/>
+                      <a:lumOff val="60000"/>
+                    </a:schemeClr>
+                  </a:solidFill>
+                </a:ln>
+              </p:spPr>
+              <p:style>
+                <a:lnRef idx="2">
+                  <a:schemeClr val="accent1">
+                    <a:shade val="50000"/>
+                  </a:schemeClr>
+                </a:lnRef>
+                <a:fillRef idx="1">
+                  <a:schemeClr val="accent1"/>
+                </a:fillRef>
+                <a:effectRef idx="0">
+                  <a:schemeClr val="accent1"/>
+                </a:effectRef>
+                <a:fontRef idx="minor">
+                  <a:schemeClr val="lt1"/>
+                </a:fontRef>
+              </p:style>
+              <p:txBody>
+                <a:bodyPr rot="0" spcFirstLastPara="0" vertOverflow="overflow" horzOverflow="overflow" vert="horz" wrap="square" lIns="91440" tIns="45720" rIns="91440" bIns="45720" numCol="1" spcCol="0" rtlCol="0" fromWordArt="0" anchor="ctr" anchorCtr="0" forceAA="0" compatLnSpc="1">
+                  <a:prstTxWarp prst="textNoShape">
+                    <a:avLst/>
+                  </a:prstTxWarp>
+                  <a:noAutofit/>
+                </a:bodyPr>
+                <a:lstStyle/>
+                <a:p>
+                  <a:pPr algn="ctr"/>
+                  <a:endParaRPr lang="zh-TW" altLang="en-US" sz="2000" dirty="0">
+                    <a:solidFill>
+                      <a:schemeClr val="accent2">
+                        <a:lumMod val="20000"/>
+                        <a:lumOff val="80000"/>
+                      </a:schemeClr>
+                    </a:solidFill>
+                    <a:latin typeface="Source Code Pro" panose="020B0509030403020204" pitchFamily="49" charset="0"/>
+                  </a:endParaRPr>
+                </a:p>
+              </p:txBody>
+            </p:sp>
+          </p:grpSp>
+          <p:sp>
+            <p:nvSpPr>
+              <p:cNvPr id="82" name="矩形 81"/>
+              <p:cNvSpPr/>
+              <p:nvPr/>
+            </p:nvSpPr>
+            <p:spPr>
+              <a:xfrm>
+                <a:off x="8386540" y="16188678"/>
+                <a:ext cx="3023618" cy="452240"/>
+              </a:xfrm>
+              <a:prstGeom prst="rect">
+                <a:avLst/>
+              </a:prstGeom>
+              <a:noFill/>
+              <a:ln>
+                <a:noFill/>
+              </a:ln>
+            </p:spPr>
+            <p:style>
+              <a:lnRef idx="2">
+                <a:schemeClr val="accent1">
+                  <a:shade val="50000"/>
+                </a:schemeClr>
+              </a:lnRef>
+              <a:fillRef idx="1">
+                <a:schemeClr val="accent1"/>
+              </a:fillRef>
+              <a:effectRef idx="0">
+                <a:schemeClr val="accent1"/>
+              </a:effectRef>
+              <a:fontRef idx="minor">
+                <a:schemeClr val="lt1"/>
+              </a:fontRef>
+            </p:style>
+            <p:txBody>
+              <a:bodyPr rot="0" spcFirstLastPara="0" vertOverflow="overflow" horzOverflow="overflow" vert="horz" wrap="square" lIns="91440" tIns="45720" rIns="91440" bIns="45720" numCol="1" spcCol="0" rtlCol="0" fromWordArt="0" anchor="ctr" anchorCtr="0" forceAA="0" compatLnSpc="1">
+                <a:prstTxWarp prst="textNoShape">
+                  <a:avLst/>
+                </a:prstTxWarp>
+                <a:noAutofit/>
+              </a:bodyPr>
+              <a:lstStyle/>
+              <a:p>
+                <a:pPr algn="ctr"/>
+                <a:r>
+                  <a:rPr lang="en-US" altLang="zh-TW" sz="2000" dirty="0" smtClean="0">
+                    <a:solidFill>
+                      <a:srgbClr val="282828"/>
+                    </a:solidFill>
+                    <a:latin typeface="Source Code Pro" panose="020B0509030403020204" pitchFamily="49" charset="0"/>
+                  </a:rPr>
+                  <a:t>Symbolic Book</a:t>
+                </a:r>
+                <a:endParaRPr lang="zh-TW" altLang="en-US" sz="2000" dirty="0">
+                  <a:solidFill>
+                    <a:srgbClr val="282828"/>
+                  </a:solidFill>
+                  <a:latin typeface="Source Code Pro" panose="020B0509030403020204" pitchFamily="49" charset="0"/>
+                </a:endParaRPr>
+              </a:p>
+            </p:txBody>
+          </p:sp>
+          <p:sp>
+            <p:nvSpPr>
+              <p:cNvPr id="83" name="矩形 82"/>
+              <p:cNvSpPr/>
+              <p:nvPr/>
+            </p:nvSpPr>
+            <p:spPr>
+              <a:xfrm>
+                <a:off x="8386539" y="16570353"/>
+                <a:ext cx="455581" cy="539086"/>
+              </a:xfrm>
+              <a:prstGeom prst="rect">
+                <a:avLst/>
+              </a:prstGeom>
+              <a:solidFill>
+                <a:srgbClr val="282828"/>
+              </a:solidFill>
+              <a:ln>
+                <a:solidFill>
+                  <a:schemeClr val="accent1">
+                    <a:lumMod val="40000"/>
+                    <a:lumOff val="60000"/>
+                  </a:schemeClr>
+                </a:solidFill>
+              </a:ln>
+            </p:spPr>
+            <p:style>
+              <a:lnRef idx="2">
+                <a:schemeClr val="accent1">
+                  <a:shade val="50000"/>
+                </a:schemeClr>
+              </a:lnRef>
+              <a:fillRef idx="1">
+                <a:schemeClr val="accent1"/>
+              </a:fillRef>
+              <a:effectRef idx="0">
+                <a:schemeClr val="accent1"/>
+              </a:effectRef>
+              <a:fontRef idx="minor">
+                <a:schemeClr val="lt1"/>
+              </a:fontRef>
+            </p:style>
+            <p:txBody>
+              <a:bodyPr rot="0" spcFirstLastPara="0" vertOverflow="overflow" horzOverflow="overflow" vert="horz" wrap="square" lIns="91440" tIns="45720" rIns="91440" bIns="45720" numCol="1" spcCol="0" rtlCol="0" fromWordArt="0" anchor="ctr" anchorCtr="0" forceAA="0" compatLnSpc="1">
+                <a:prstTxWarp prst="textNoShape">
+                  <a:avLst/>
+                </a:prstTxWarp>
+                <a:noAutofit/>
+              </a:bodyPr>
+              <a:lstStyle/>
+              <a:p>
+                <a:pPr algn="ctr"/>
+                <a:r>
+                  <a:rPr lang="en-US" altLang="zh-TW" sz="2000" dirty="0" smtClean="0">
+                    <a:solidFill>
+                      <a:schemeClr val="accent1">
+                        <a:lumMod val="20000"/>
+                        <a:lumOff val="80000"/>
+                      </a:schemeClr>
+                    </a:solidFill>
+                    <a:latin typeface="Source Code Pro" panose="020B0509030403020204" pitchFamily="49" charset="0"/>
+                  </a:rPr>
+                  <a:t>e</a:t>
+                </a:r>
+                <a:r>
+                  <a:rPr lang="en-US" altLang="zh-TW" sz="2000" baseline="-25000" dirty="0" smtClean="0">
+                    <a:solidFill>
+                      <a:schemeClr val="accent1">
+                        <a:lumMod val="20000"/>
+                        <a:lumOff val="80000"/>
+                      </a:schemeClr>
+                    </a:solidFill>
+                    <a:latin typeface="Source Code Pro" panose="020B0509030403020204" pitchFamily="49" charset="0"/>
+                  </a:rPr>
+                  <a:t>1</a:t>
+                </a:r>
+                <a:endParaRPr lang="zh-TW" altLang="en-US" sz="2000" baseline="-25000" dirty="0">
+                  <a:solidFill>
+                    <a:schemeClr val="accent1">
+                      <a:lumMod val="20000"/>
+                      <a:lumOff val="80000"/>
+                    </a:schemeClr>
+                  </a:solidFill>
+                  <a:latin typeface="Source Code Pro" panose="020B0509030403020204" pitchFamily="49" charset="0"/>
+                </a:endParaRPr>
+              </a:p>
+            </p:txBody>
+          </p:sp>
+          <p:sp>
+            <p:nvSpPr>
+              <p:cNvPr id="97" name="矩形 96"/>
+              <p:cNvSpPr/>
+              <p:nvPr/>
+            </p:nvSpPr>
+            <p:spPr>
+              <a:xfrm>
+                <a:off x="9297777" y="16570353"/>
+                <a:ext cx="1644056" cy="539086"/>
+              </a:xfrm>
+              <a:prstGeom prst="rect">
+                <a:avLst/>
+              </a:prstGeom>
+              <a:solidFill>
+                <a:srgbClr val="282828"/>
+              </a:solidFill>
+              <a:ln>
+                <a:solidFill>
+                  <a:schemeClr val="accent1">
+                    <a:lumMod val="40000"/>
+                    <a:lumOff val="60000"/>
+                  </a:schemeClr>
+                </a:solidFill>
+              </a:ln>
+            </p:spPr>
+            <p:style>
+              <a:lnRef idx="2">
+                <a:schemeClr val="accent1">
+                  <a:shade val="50000"/>
+                </a:schemeClr>
+              </a:lnRef>
+              <a:fillRef idx="1">
+                <a:schemeClr val="accent1"/>
+              </a:fillRef>
+              <a:effectRef idx="0">
+                <a:schemeClr val="accent1"/>
+              </a:effectRef>
+              <a:fontRef idx="minor">
+                <a:schemeClr val="lt1"/>
+              </a:fontRef>
+            </p:style>
+            <p:txBody>
+              <a:bodyPr rot="0" spcFirstLastPara="0" vertOverflow="overflow" horzOverflow="overflow" vert="horz" wrap="square" lIns="91440" tIns="45720" rIns="91440" bIns="45720" numCol="1" spcCol="0" rtlCol="0" fromWordArt="0" anchor="ctr" anchorCtr="0" forceAA="0" compatLnSpc="1">
+                <a:prstTxWarp prst="textNoShape">
+                  <a:avLst/>
+                </a:prstTxWarp>
+                <a:noAutofit/>
+              </a:bodyPr>
+              <a:lstStyle/>
+              <a:p>
+                <a:pPr algn="ctr"/>
+                <a:r>
+                  <a:rPr lang="en-US" altLang="zh-TW" sz="2000" dirty="0" smtClean="0">
+                    <a:solidFill>
+                      <a:schemeClr val="accent1">
+                        <a:lumMod val="20000"/>
+                        <a:lumOff val="80000"/>
+                      </a:schemeClr>
+                    </a:solidFill>
+                    <a:latin typeface="Source Code Pro" panose="020B0509030403020204" pitchFamily="49" charset="0"/>
+                  </a:rPr>
+                  <a:t>......</a:t>
+                </a:r>
+                <a:endParaRPr lang="zh-TW" altLang="en-US" sz="2000" dirty="0">
+                  <a:solidFill>
+                    <a:schemeClr val="accent1">
+                      <a:lumMod val="20000"/>
+                      <a:lumOff val="80000"/>
+                    </a:schemeClr>
+                  </a:solidFill>
+                  <a:latin typeface="Source Code Pro" panose="020B0509030403020204" pitchFamily="49" charset="0"/>
+                </a:endParaRPr>
+              </a:p>
+            </p:txBody>
+          </p:sp>
+          <p:sp>
+            <p:nvSpPr>
+              <p:cNvPr id="111" name="矩形 110"/>
+              <p:cNvSpPr/>
+              <p:nvPr/>
+            </p:nvSpPr>
+            <p:spPr>
+              <a:xfrm>
+                <a:off x="8837912" y="16570353"/>
+                <a:ext cx="455581" cy="539086"/>
+              </a:xfrm>
+              <a:prstGeom prst="rect">
+                <a:avLst/>
+              </a:prstGeom>
+              <a:solidFill>
+                <a:srgbClr val="282828"/>
+              </a:solidFill>
+              <a:ln>
+                <a:solidFill>
+                  <a:schemeClr val="accent1">
+                    <a:lumMod val="40000"/>
+                    <a:lumOff val="60000"/>
+                  </a:schemeClr>
+                </a:solidFill>
+              </a:ln>
+            </p:spPr>
+            <p:style>
+              <a:lnRef idx="2">
+                <a:schemeClr val="accent1">
+                  <a:shade val="50000"/>
+                </a:schemeClr>
+              </a:lnRef>
+              <a:fillRef idx="1">
+                <a:schemeClr val="accent1"/>
+              </a:fillRef>
+              <a:effectRef idx="0">
+                <a:schemeClr val="accent1"/>
+              </a:effectRef>
+              <a:fontRef idx="minor">
+                <a:schemeClr val="lt1"/>
+              </a:fontRef>
+            </p:style>
+            <p:txBody>
+              <a:bodyPr rot="0" spcFirstLastPara="0" vertOverflow="overflow" horzOverflow="overflow" vert="horz" wrap="square" lIns="91440" tIns="45720" rIns="91440" bIns="45720" numCol="1" spcCol="0" rtlCol="0" fromWordArt="0" anchor="ctr" anchorCtr="0" forceAA="0" compatLnSpc="1">
+                <a:prstTxWarp prst="textNoShape">
+                  <a:avLst/>
+                </a:prstTxWarp>
+                <a:noAutofit/>
+              </a:bodyPr>
+              <a:lstStyle/>
+              <a:p>
+                <a:pPr algn="ctr"/>
+                <a:r>
+                  <a:rPr lang="en-US" altLang="zh-TW" sz="2000" dirty="0" smtClean="0">
+                    <a:solidFill>
+                      <a:schemeClr val="accent1">
+                        <a:lumMod val="20000"/>
+                        <a:lumOff val="80000"/>
+                      </a:schemeClr>
+                    </a:solidFill>
+                    <a:latin typeface="Source Code Pro" panose="020B0509030403020204" pitchFamily="49" charset="0"/>
+                  </a:rPr>
+                  <a:t>e</a:t>
+                </a:r>
+                <a:r>
+                  <a:rPr lang="en-US" altLang="zh-TW" sz="2000" baseline="-25000" dirty="0">
+                    <a:solidFill>
+                      <a:schemeClr val="accent1">
+                        <a:lumMod val="20000"/>
+                        <a:lumOff val="80000"/>
+                      </a:schemeClr>
+                    </a:solidFill>
+                    <a:latin typeface="Source Code Pro" panose="020B0509030403020204" pitchFamily="49" charset="0"/>
+                  </a:rPr>
+                  <a:t>2</a:t>
+                </a:r>
+                <a:endParaRPr lang="zh-TW" altLang="en-US" sz="2000" baseline="-25000" dirty="0">
+                  <a:solidFill>
+                    <a:schemeClr val="accent1">
+                      <a:lumMod val="20000"/>
+                      <a:lumOff val="80000"/>
+                    </a:schemeClr>
+                  </a:solidFill>
+                  <a:latin typeface="Source Code Pro" panose="020B0509030403020204" pitchFamily="49" charset="0"/>
+                </a:endParaRPr>
+              </a:p>
+            </p:txBody>
+          </p:sp>
+          <p:sp>
+            <p:nvSpPr>
+              <p:cNvPr id="112" name="矩形 111"/>
+              <p:cNvSpPr/>
+              <p:nvPr/>
+            </p:nvSpPr>
+            <p:spPr>
+              <a:xfrm>
+                <a:off x="10941833" y="16570353"/>
+                <a:ext cx="461973" cy="539086"/>
+              </a:xfrm>
+              <a:prstGeom prst="rect">
+                <a:avLst/>
+              </a:prstGeom>
+              <a:solidFill>
+                <a:srgbClr val="282828"/>
+              </a:solidFill>
+              <a:ln>
+                <a:solidFill>
+                  <a:schemeClr val="accent1">
+                    <a:lumMod val="40000"/>
+                    <a:lumOff val="60000"/>
+                  </a:schemeClr>
+                </a:solidFill>
+              </a:ln>
+            </p:spPr>
+            <p:style>
+              <a:lnRef idx="2">
+                <a:schemeClr val="accent1">
+                  <a:shade val="50000"/>
+                </a:schemeClr>
+              </a:lnRef>
+              <a:fillRef idx="1">
+                <a:schemeClr val="accent1"/>
+              </a:fillRef>
+              <a:effectRef idx="0">
+                <a:schemeClr val="accent1"/>
+              </a:effectRef>
+              <a:fontRef idx="minor">
+                <a:schemeClr val="lt1"/>
+              </a:fontRef>
+            </p:style>
+            <p:txBody>
+              <a:bodyPr rot="0" spcFirstLastPara="0" vertOverflow="overflow" horzOverflow="overflow" vert="horz" wrap="square" lIns="91440" tIns="45720" rIns="91440" bIns="45720" numCol="1" spcCol="0" rtlCol="0" fromWordArt="0" anchor="ctr" anchorCtr="0" forceAA="0" compatLnSpc="1">
+                <a:prstTxWarp prst="textNoShape">
+                  <a:avLst/>
+                </a:prstTxWarp>
+                <a:noAutofit/>
+              </a:bodyPr>
+              <a:lstStyle/>
+              <a:p>
+                <a:pPr algn="ctr"/>
+                <a:r>
+                  <a:rPr lang="en-US" altLang="zh-TW" sz="2000" dirty="0" err="1" smtClean="0">
+                    <a:solidFill>
+                      <a:schemeClr val="accent1">
+                        <a:lumMod val="20000"/>
+                        <a:lumOff val="80000"/>
+                      </a:schemeClr>
+                    </a:solidFill>
+                    <a:latin typeface="Source Code Pro" panose="020B0509030403020204" pitchFamily="49" charset="0"/>
+                  </a:rPr>
+                  <a:t>e</a:t>
+                </a:r>
+                <a:r>
+                  <a:rPr lang="en-US" altLang="zh-TW" sz="2000" baseline="-25000" dirty="0" err="1">
+                    <a:solidFill>
+                      <a:schemeClr val="accent1">
+                        <a:lumMod val="20000"/>
+                        <a:lumOff val="80000"/>
+                      </a:schemeClr>
+                    </a:solidFill>
+                    <a:latin typeface="Source Code Pro" panose="020B0509030403020204" pitchFamily="49" charset="0"/>
+                  </a:rPr>
+                  <a:t>M</a:t>
+                </a:r>
+                <a:endParaRPr lang="zh-TW" altLang="en-US" sz="2000" baseline="-25000" dirty="0">
+                  <a:solidFill>
+                    <a:schemeClr val="accent1">
+                      <a:lumMod val="20000"/>
+                      <a:lumOff val="80000"/>
+                    </a:schemeClr>
+                  </a:solidFill>
+                  <a:latin typeface="Source Code Pro" panose="020B0509030403020204" pitchFamily="49" charset="0"/>
+                </a:endParaRPr>
+              </a:p>
+            </p:txBody>
+          </p:sp>
+        </p:grpSp>
+        <p:grpSp>
+          <p:nvGrpSpPr>
+            <p:cNvPr id="52" name="群組 51"/>
+            <p:cNvGrpSpPr/>
+            <p:nvPr/>
+          </p:nvGrpSpPr>
+          <p:grpSpPr>
+            <a:xfrm>
+              <a:off x="15097087" y="5583117"/>
+              <a:ext cx="3023619" cy="1123071"/>
+              <a:chOff x="8386539" y="16188678"/>
+              <a:chExt cx="3023619" cy="1123071"/>
+            </a:xfrm>
+          </p:grpSpPr>
+          <p:grpSp>
+            <p:nvGrpSpPr>
+              <p:cNvPr id="53" name="群組 52"/>
+              <p:cNvGrpSpPr/>
+              <p:nvPr/>
+            </p:nvGrpSpPr>
+            <p:grpSpPr>
+              <a:xfrm>
+                <a:off x="8386542" y="16231817"/>
+                <a:ext cx="3023616" cy="1079932"/>
+                <a:chOff x="4222769" y="13258799"/>
+                <a:chExt cx="3023616" cy="608976"/>
+              </a:xfrm>
+            </p:grpSpPr>
+            <p:sp>
+              <p:nvSpPr>
+                <p:cNvPr id="60" name="圓角矩形 59"/>
+                <p:cNvSpPr/>
+                <p:nvPr/>
+              </p:nvSpPr>
+              <p:spPr>
+                <a:xfrm>
+                  <a:off x="4222769" y="13258799"/>
+                  <a:ext cx="3023616" cy="608976"/>
+                </a:xfrm>
+                <a:prstGeom prst="roundRect">
+                  <a:avLst/>
+                </a:prstGeom>
+                <a:solidFill>
+                  <a:schemeClr val="accent1">
+                    <a:lumMod val="60000"/>
+                    <a:lumOff val="40000"/>
+                  </a:schemeClr>
+                </a:solidFill>
+                <a:ln>
+                  <a:noFill/>
+                </a:ln>
+              </p:spPr>
+              <p:style>
+                <a:lnRef idx="2">
+                  <a:schemeClr val="accent1">
+                    <a:shade val="50000"/>
+                  </a:schemeClr>
+                </a:lnRef>
+                <a:fillRef idx="1">
+                  <a:schemeClr val="accent1"/>
+                </a:fillRef>
+                <a:effectRef idx="0">
+                  <a:schemeClr val="accent1"/>
+                </a:effectRef>
+                <a:fontRef idx="minor">
+                  <a:schemeClr val="lt1"/>
+                </a:fontRef>
+              </p:style>
+              <p:txBody>
+                <a:bodyPr rot="0" spcFirstLastPara="0" vertOverflow="overflow" horzOverflow="overflow" vert="horz" wrap="square" lIns="91440" tIns="45720" rIns="91440" bIns="45720" numCol="1" spcCol="0" rtlCol="0" fromWordArt="0" anchor="ctr" anchorCtr="0" forceAA="0" compatLnSpc="1">
+                  <a:prstTxWarp prst="textNoShape">
+                    <a:avLst/>
+                  </a:prstTxWarp>
+                  <a:noAutofit/>
+                </a:bodyPr>
+                <a:lstStyle/>
+                <a:p>
+                  <a:pPr algn="ctr"/>
+                  <a:endParaRPr lang="zh-TW" altLang="en-US" sz="2000" dirty="0">
+                    <a:latin typeface="SauceCodePro Nerd Font" panose="020B0509030403020204" pitchFamily="49" charset="0"/>
+                  </a:endParaRPr>
+                </a:p>
+              </p:txBody>
+            </p:sp>
+            <p:sp>
+              <p:nvSpPr>
+                <p:cNvPr id="61" name="矩形 60"/>
+                <p:cNvSpPr/>
+                <p:nvPr/>
+              </p:nvSpPr>
+              <p:spPr>
+                <a:xfrm>
+                  <a:off x="4227053" y="13449700"/>
+                  <a:ext cx="3012980" cy="303992"/>
+                </a:xfrm>
+                <a:prstGeom prst="rect">
+                  <a:avLst/>
+                </a:prstGeom>
+                <a:solidFill>
+                  <a:srgbClr val="282828"/>
+                </a:solidFill>
+                <a:ln>
+                  <a:solidFill>
+                    <a:schemeClr val="accent1">
+                      <a:lumMod val="40000"/>
+                      <a:lumOff val="60000"/>
+                    </a:schemeClr>
+                  </a:solidFill>
+                </a:ln>
+              </p:spPr>
+              <p:style>
+                <a:lnRef idx="2">
+                  <a:schemeClr val="accent1">
+                    <a:shade val="50000"/>
+                  </a:schemeClr>
+                </a:lnRef>
+                <a:fillRef idx="1">
+                  <a:schemeClr val="accent1"/>
+                </a:fillRef>
+                <a:effectRef idx="0">
+                  <a:schemeClr val="accent1"/>
+                </a:effectRef>
+                <a:fontRef idx="minor">
+                  <a:schemeClr val="lt1"/>
+                </a:fontRef>
+              </p:style>
+              <p:txBody>
+                <a:bodyPr rot="0" spcFirstLastPara="0" vertOverflow="overflow" horzOverflow="overflow" vert="horz" wrap="square" lIns="91440" tIns="45720" rIns="91440" bIns="45720" numCol="1" spcCol="0" rtlCol="0" fromWordArt="0" anchor="ctr" anchorCtr="0" forceAA="0" compatLnSpc="1">
+                  <a:prstTxWarp prst="textNoShape">
+                    <a:avLst/>
+                  </a:prstTxWarp>
+                  <a:noAutofit/>
+                </a:bodyPr>
+                <a:lstStyle/>
+                <a:p>
+                  <a:pPr algn="ctr"/>
+                  <a:endParaRPr lang="zh-TW" altLang="en-US" sz="2000" dirty="0">
+                    <a:solidFill>
+                      <a:schemeClr val="accent2">
+                        <a:lumMod val="20000"/>
+                        <a:lumOff val="80000"/>
+                      </a:schemeClr>
+                    </a:solidFill>
+                    <a:latin typeface="Source Code Pro" panose="020B0509030403020204" pitchFamily="49" charset="0"/>
+                  </a:endParaRPr>
+                </a:p>
+              </p:txBody>
+            </p:sp>
+          </p:grpSp>
+          <p:sp>
+            <p:nvSpPr>
+              <p:cNvPr id="54" name="矩形 53"/>
+              <p:cNvSpPr/>
+              <p:nvPr/>
+            </p:nvSpPr>
+            <p:spPr>
+              <a:xfrm>
+                <a:off x="8386540" y="16188678"/>
+                <a:ext cx="3023618" cy="452240"/>
+              </a:xfrm>
+              <a:prstGeom prst="rect">
+                <a:avLst/>
+              </a:prstGeom>
+              <a:noFill/>
+              <a:ln>
+                <a:noFill/>
+              </a:ln>
+            </p:spPr>
+            <p:style>
+              <a:lnRef idx="2">
+                <a:schemeClr val="accent1">
+                  <a:shade val="50000"/>
+                </a:schemeClr>
+              </a:lnRef>
+              <a:fillRef idx="1">
+                <a:schemeClr val="accent1"/>
+              </a:fillRef>
+              <a:effectRef idx="0">
+                <a:schemeClr val="accent1"/>
+              </a:effectRef>
+              <a:fontRef idx="minor">
+                <a:schemeClr val="lt1"/>
+              </a:fontRef>
+            </p:style>
+            <p:txBody>
+              <a:bodyPr rot="0" spcFirstLastPara="0" vertOverflow="overflow" horzOverflow="overflow" vert="horz" wrap="square" lIns="91440" tIns="45720" rIns="91440" bIns="45720" numCol="1" spcCol="0" rtlCol="0" fromWordArt="0" anchor="ctr" anchorCtr="0" forceAA="0" compatLnSpc="1">
+                <a:prstTxWarp prst="textNoShape">
+                  <a:avLst/>
+                </a:prstTxWarp>
+                <a:noAutofit/>
+              </a:bodyPr>
+              <a:lstStyle/>
+              <a:p>
+                <a:pPr algn="ctr"/>
+                <a:r>
+                  <a:rPr lang="en-US" altLang="zh-TW" sz="2000" dirty="0" smtClean="0">
+                    <a:solidFill>
+                      <a:srgbClr val="282828"/>
+                    </a:solidFill>
+                    <a:latin typeface="Source Code Pro" panose="020B0509030403020204" pitchFamily="49" charset="0"/>
+                  </a:rPr>
+                  <a:t>Symbolic Book</a:t>
+                </a:r>
+                <a:endParaRPr lang="zh-TW" altLang="en-US" sz="2000" dirty="0">
+                  <a:solidFill>
+                    <a:srgbClr val="282828"/>
+                  </a:solidFill>
+                  <a:latin typeface="Source Code Pro" panose="020B0509030403020204" pitchFamily="49" charset="0"/>
+                </a:endParaRPr>
+              </a:p>
+            </p:txBody>
+          </p:sp>
+          <p:sp>
+            <p:nvSpPr>
+              <p:cNvPr id="55" name="矩形 54"/>
+              <p:cNvSpPr/>
+              <p:nvPr/>
+            </p:nvSpPr>
+            <p:spPr>
+              <a:xfrm>
+                <a:off x="8386539" y="16570353"/>
+                <a:ext cx="455581" cy="539086"/>
+              </a:xfrm>
+              <a:prstGeom prst="rect">
+                <a:avLst/>
+              </a:prstGeom>
+              <a:solidFill>
+                <a:srgbClr val="282828"/>
+              </a:solidFill>
+              <a:ln>
+                <a:solidFill>
+                  <a:schemeClr val="accent1">
+                    <a:lumMod val="40000"/>
+                    <a:lumOff val="60000"/>
+                  </a:schemeClr>
+                </a:solidFill>
+              </a:ln>
+            </p:spPr>
+            <p:style>
+              <a:lnRef idx="2">
+                <a:schemeClr val="accent1">
+                  <a:shade val="50000"/>
+                </a:schemeClr>
+              </a:lnRef>
+              <a:fillRef idx="1">
+                <a:schemeClr val="accent1"/>
+              </a:fillRef>
+              <a:effectRef idx="0">
+                <a:schemeClr val="accent1"/>
+              </a:effectRef>
+              <a:fontRef idx="minor">
+                <a:schemeClr val="lt1"/>
+              </a:fontRef>
+            </p:style>
+            <p:txBody>
+              <a:bodyPr rot="0" spcFirstLastPara="0" vertOverflow="overflow" horzOverflow="overflow" vert="horz" wrap="square" lIns="91440" tIns="45720" rIns="91440" bIns="45720" numCol="1" spcCol="0" rtlCol="0" fromWordArt="0" anchor="ctr" anchorCtr="0" forceAA="0" compatLnSpc="1">
+                <a:prstTxWarp prst="textNoShape">
+                  <a:avLst/>
+                </a:prstTxWarp>
+                <a:noAutofit/>
+              </a:bodyPr>
+              <a:lstStyle/>
+              <a:p>
+                <a:pPr algn="ctr"/>
+                <a:r>
+                  <a:rPr lang="en-US" altLang="zh-TW" sz="2000" dirty="0" smtClean="0">
+                    <a:solidFill>
+                      <a:schemeClr val="accent1">
+                        <a:lumMod val="20000"/>
+                        <a:lumOff val="80000"/>
+                      </a:schemeClr>
+                    </a:solidFill>
+                    <a:latin typeface="Source Code Pro" panose="020B0509030403020204" pitchFamily="49" charset="0"/>
+                  </a:rPr>
+                  <a:t>e</a:t>
+                </a:r>
+                <a:r>
+                  <a:rPr lang="en-US" altLang="zh-TW" sz="2000" baseline="-25000" dirty="0" smtClean="0">
+                    <a:solidFill>
+                      <a:schemeClr val="accent1">
+                        <a:lumMod val="20000"/>
+                        <a:lumOff val="80000"/>
+                      </a:schemeClr>
+                    </a:solidFill>
+                    <a:latin typeface="Source Code Pro" panose="020B0509030403020204" pitchFamily="49" charset="0"/>
+                  </a:rPr>
+                  <a:t>1</a:t>
+                </a:r>
+                <a:endParaRPr lang="zh-TW" altLang="en-US" sz="2000" baseline="-25000" dirty="0">
+                  <a:solidFill>
+                    <a:schemeClr val="accent1">
+                      <a:lumMod val="20000"/>
+                      <a:lumOff val="80000"/>
+                    </a:schemeClr>
+                  </a:solidFill>
+                  <a:latin typeface="Source Code Pro" panose="020B0509030403020204" pitchFamily="49" charset="0"/>
+                </a:endParaRPr>
+              </a:p>
+            </p:txBody>
+          </p:sp>
+          <p:sp>
+            <p:nvSpPr>
+              <p:cNvPr id="56" name="矩形 55"/>
+              <p:cNvSpPr/>
+              <p:nvPr/>
+            </p:nvSpPr>
+            <p:spPr>
+              <a:xfrm>
+                <a:off x="9297777" y="16570353"/>
+                <a:ext cx="1644056" cy="539086"/>
+              </a:xfrm>
+              <a:prstGeom prst="rect">
+                <a:avLst/>
+              </a:prstGeom>
+              <a:solidFill>
+                <a:srgbClr val="282828"/>
+              </a:solidFill>
+              <a:ln>
+                <a:solidFill>
+                  <a:schemeClr val="accent1">
+                    <a:lumMod val="40000"/>
+                    <a:lumOff val="60000"/>
+                  </a:schemeClr>
+                </a:solidFill>
+              </a:ln>
+            </p:spPr>
+            <p:style>
+              <a:lnRef idx="2">
+                <a:schemeClr val="accent1">
+                  <a:shade val="50000"/>
+                </a:schemeClr>
+              </a:lnRef>
+              <a:fillRef idx="1">
+                <a:schemeClr val="accent1"/>
+              </a:fillRef>
+              <a:effectRef idx="0">
+                <a:schemeClr val="accent1"/>
+              </a:effectRef>
+              <a:fontRef idx="minor">
+                <a:schemeClr val="lt1"/>
+              </a:fontRef>
+            </p:style>
+            <p:txBody>
+              <a:bodyPr rot="0" spcFirstLastPara="0" vertOverflow="overflow" horzOverflow="overflow" vert="horz" wrap="square" lIns="91440" tIns="45720" rIns="91440" bIns="45720" numCol="1" spcCol="0" rtlCol="0" fromWordArt="0" anchor="ctr" anchorCtr="0" forceAA="0" compatLnSpc="1">
+                <a:prstTxWarp prst="textNoShape">
+                  <a:avLst/>
+                </a:prstTxWarp>
+                <a:noAutofit/>
+              </a:bodyPr>
+              <a:lstStyle/>
+              <a:p>
+                <a:pPr algn="ctr"/>
+                <a:r>
+                  <a:rPr lang="en-US" altLang="zh-TW" sz="2000" dirty="0" smtClean="0">
+                    <a:solidFill>
+                      <a:schemeClr val="accent1">
+                        <a:lumMod val="20000"/>
+                        <a:lumOff val="80000"/>
+                      </a:schemeClr>
+                    </a:solidFill>
+                    <a:latin typeface="Source Code Pro" panose="020B0509030403020204" pitchFamily="49" charset="0"/>
+                  </a:rPr>
+                  <a:t>......</a:t>
+                </a:r>
+                <a:endParaRPr lang="zh-TW" altLang="en-US" sz="2000" dirty="0">
+                  <a:solidFill>
+                    <a:schemeClr val="accent1">
+                      <a:lumMod val="20000"/>
+                      <a:lumOff val="80000"/>
+                    </a:schemeClr>
+                  </a:solidFill>
+                  <a:latin typeface="Source Code Pro" panose="020B0509030403020204" pitchFamily="49" charset="0"/>
+                </a:endParaRPr>
+              </a:p>
+            </p:txBody>
+          </p:sp>
+          <p:sp>
+            <p:nvSpPr>
+              <p:cNvPr id="57" name="矩形 56"/>
+              <p:cNvSpPr/>
+              <p:nvPr/>
+            </p:nvSpPr>
+            <p:spPr>
+              <a:xfrm>
+                <a:off x="8837912" y="16570353"/>
+                <a:ext cx="455581" cy="539086"/>
+              </a:xfrm>
+              <a:prstGeom prst="rect">
+                <a:avLst/>
+              </a:prstGeom>
+              <a:solidFill>
+                <a:srgbClr val="282828"/>
+              </a:solidFill>
+              <a:ln>
+                <a:solidFill>
+                  <a:schemeClr val="accent1">
+                    <a:lumMod val="40000"/>
+                    <a:lumOff val="60000"/>
+                  </a:schemeClr>
+                </a:solidFill>
+              </a:ln>
+            </p:spPr>
+            <p:style>
+              <a:lnRef idx="2">
+                <a:schemeClr val="accent1">
+                  <a:shade val="50000"/>
+                </a:schemeClr>
+              </a:lnRef>
+              <a:fillRef idx="1">
+                <a:schemeClr val="accent1"/>
+              </a:fillRef>
+              <a:effectRef idx="0">
+                <a:schemeClr val="accent1"/>
+              </a:effectRef>
+              <a:fontRef idx="minor">
+                <a:schemeClr val="lt1"/>
+              </a:fontRef>
+            </p:style>
+            <p:txBody>
+              <a:bodyPr rot="0" spcFirstLastPara="0" vertOverflow="overflow" horzOverflow="overflow" vert="horz" wrap="square" lIns="91440" tIns="45720" rIns="91440" bIns="45720" numCol="1" spcCol="0" rtlCol="0" fromWordArt="0" anchor="ctr" anchorCtr="0" forceAA="0" compatLnSpc="1">
+                <a:prstTxWarp prst="textNoShape">
+                  <a:avLst/>
+                </a:prstTxWarp>
+                <a:noAutofit/>
+              </a:bodyPr>
+              <a:lstStyle/>
+              <a:p>
+                <a:pPr algn="ctr"/>
+                <a:r>
+                  <a:rPr lang="en-US" altLang="zh-TW" sz="2000" dirty="0" smtClean="0">
+                    <a:solidFill>
+                      <a:schemeClr val="accent1">
+                        <a:lumMod val="20000"/>
+                        <a:lumOff val="80000"/>
+                      </a:schemeClr>
+                    </a:solidFill>
+                    <a:latin typeface="Source Code Pro" panose="020B0509030403020204" pitchFamily="49" charset="0"/>
+                  </a:rPr>
+                  <a:t>e</a:t>
+                </a:r>
+                <a:r>
+                  <a:rPr lang="en-US" altLang="zh-TW" sz="2000" baseline="-25000" dirty="0">
+                    <a:solidFill>
+                      <a:schemeClr val="accent1">
+                        <a:lumMod val="20000"/>
+                        <a:lumOff val="80000"/>
+                      </a:schemeClr>
+                    </a:solidFill>
+                    <a:latin typeface="Source Code Pro" panose="020B0509030403020204" pitchFamily="49" charset="0"/>
+                  </a:rPr>
+                  <a:t>2</a:t>
+                </a:r>
+                <a:endParaRPr lang="zh-TW" altLang="en-US" sz="2000" baseline="-25000" dirty="0">
+                  <a:solidFill>
+                    <a:schemeClr val="accent1">
+                      <a:lumMod val="20000"/>
+                      <a:lumOff val="80000"/>
+                    </a:schemeClr>
+                  </a:solidFill>
+                  <a:latin typeface="Source Code Pro" panose="020B0509030403020204" pitchFamily="49" charset="0"/>
+                </a:endParaRPr>
+              </a:p>
+            </p:txBody>
+          </p:sp>
+          <p:sp>
+            <p:nvSpPr>
+              <p:cNvPr id="59" name="矩形 58"/>
+              <p:cNvSpPr/>
+              <p:nvPr/>
+            </p:nvSpPr>
+            <p:spPr>
+              <a:xfrm>
+                <a:off x="10941833" y="16570353"/>
+                <a:ext cx="461973" cy="539086"/>
+              </a:xfrm>
+              <a:prstGeom prst="rect">
+                <a:avLst/>
+              </a:prstGeom>
+              <a:solidFill>
+                <a:srgbClr val="282828"/>
+              </a:solidFill>
+              <a:ln>
+                <a:solidFill>
+                  <a:schemeClr val="accent1">
+                    <a:lumMod val="40000"/>
+                    <a:lumOff val="60000"/>
+                  </a:schemeClr>
+                </a:solidFill>
+              </a:ln>
+            </p:spPr>
+            <p:style>
+              <a:lnRef idx="2">
+                <a:schemeClr val="accent1">
+                  <a:shade val="50000"/>
+                </a:schemeClr>
+              </a:lnRef>
+              <a:fillRef idx="1">
+                <a:schemeClr val="accent1"/>
+              </a:fillRef>
+              <a:effectRef idx="0">
+                <a:schemeClr val="accent1"/>
+              </a:effectRef>
+              <a:fontRef idx="minor">
+                <a:schemeClr val="lt1"/>
+              </a:fontRef>
+            </p:style>
+            <p:txBody>
+              <a:bodyPr rot="0" spcFirstLastPara="0" vertOverflow="overflow" horzOverflow="overflow" vert="horz" wrap="square" lIns="91440" tIns="45720" rIns="91440" bIns="45720" numCol="1" spcCol="0" rtlCol="0" fromWordArt="0" anchor="ctr" anchorCtr="0" forceAA="0" compatLnSpc="1">
+                <a:prstTxWarp prst="textNoShape">
+                  <a:avLst/>
+                </a:prstTxWarp>
+                <a:noAutofit/>
+              </a:bodyPr>
+              <a:lstStyle/>
+              <a:p>
+                <a:pPr algn="ctr"/>
+                <a:r>
+                  <a:rPr lang="en-US" altLang="zh-TW" sz="2000" dirty="0" err="1" smtClean="0">
+                    <a:solidFill>
+                      <a:schemeClr val="accent1">
+                        <a:lumMod val="20000"/>
+                        <a:lumOff val="80000"/>
+                      </a:schemeClr>
+                    </a:solidFill>
+                    <a:latin typeface="Source Code Pro" panose="020B0509030403020204" pitchFamily="49" charset="0"/>
+                  </a:rPr>
+                  <a:t>e</a:t>
+                </a:r>
+                <a:r>
+                  <a:rPr lang="en-US" altLang="zh-TW" sz="2000" baseline="-25000" dirty="0" err="1">
+                    <a:solidFill>
+                      <a:schemeClr val="accent1">
+                        <a:lumMod val="20000"/>
+                        <a:lumOff val="80000"/>
+                      </a:schemeClr>
+                    </a:solidFill>
+                    <a:latin typeface="Source Code Pro" panose="020B0509030403020204" pitchFamily="49" charset="0"/>
+                  </a:rPr>
+                  <a:t>M</a:t>
+                </a:r>
+                <a:endParaRPr lang="zh-TW" altLang="en-US" sz="2000" baseline="-25000" dirty="0">
+                  <a:solidFill>
+                    <a:schemeClr val="accent1">
+                      <a:lumMod val="20000"/>
+                      <a:lumOff val="80000"/>
+                    </a:schemeClr>
+                  </a:solidFill>
+                  <a:latin typeface="Source Code Pro" panose="020B0509030403020204" pitchFamily="49" charset="0"/>
+                </a:endParaRPr>
+              </a:p>
+            </p:txBody>
+          </p:sp>
+        </p:grpSp>
+      </p:grpSp>
+      <p:cxnSp>
+        <p:nvCxnSpPr>
+          <p:cNvPr id="62" name="直線單箭頭接點 154"/>
+          <p:cNvCxnSpPr>
+            <a:stCxn id="93" idx="3"/>
+            <a:endCxn id="60" idx="2"/>
+          </p:cNvCxnSpPr>
+          <p:nvPr/>
+        </p:nvCxnSpPr>
+        <p:spPr>
+          <a:xfrm flipV="1">
+            <a:off x="14246699" y="7076761"/>
+            <a:ext cx="2647802" cy="460709"/>
+          </a:xfrm>
+          <a:prstGeom prst="bentConnector2">
+            <a:avLst/>
+          </a:prstGeom>
+          <a:ln w="101600">
+            <a:solidFill>
+              <a:srgbClr val="FF0066"/>
+            </a:solidFill>
+            <a:round/>
+            <a:tailEnd type="triangle"/>
+          </a:ln>
+        </p:spPr>
+        <p:style>
+          <a:lnRef idx="1">
+            <a:schemeClr val="accent1"/>
+          </a:lnRef>
+          <a:fillRef idx="0">
+            <a:schemeClr val="accent1"/>
+          </a:fillRef>
+          <a:effectRef idx="0">
+            <a:schemeClr val="accent1"/>
+          </a:effectRef>
+          <a:fontRef idx="minor">
+            <a:schemeClr val="tx1"/>
+          </a:fontRef>
+        </p:style>
+      </p:cxnSp>
+      <p:sp>
+        <p:nvSpPr>
+          <p:cNvPr id="86" name="圓角矩形 85"/>
+          <p:cNvSpPr/>
+          <p:nvPr/>
+        </p:nvSpPr>
+        <p:spPr>
+          <a:xfrm>
+            <a:off x="10649618" y="5885667"/>
+            <a:ext cx="3444681" cy="2998805"/>
+          </a:xfrm>
+          <a:prstGeom prst="roundRect">
+            <a:avLst/>
+          </a:prstGeom>
+          <a:solidFill>
+            <a:srgbClr val="282828"/>
+          </a:solidFill>
+          <a:ln w="50800">
+            <a:solidFill>
+              <a:schemeClr val="accent6"/>
+            </a:solidFill>
+          </a:ln>
+        </p:spPr>
+        <p:style>
+          <a:lnRef idx="2">
+            <a:schemeClr val="accent1">
+              <a:shade val="50000"/>
+            </a:schemeClr>
+          </a:lnRef>
+          <a:fillRef idx="1">
+            <a:schemeClr val="accent1"/>
+          </a:fillRef>
+          <a:effectRef idx="0">
+            <a:schemeClr val="accent1"/>
+          </a:effectRef>
+          <a:fontRef idx="minor">
+            <a:schemeClr val="lt1"/>
+          </a:fontRef>
+        </p:style>
+        <p:txBody>
+          <a:bodyPr rtlCol="0" anchor="ctr"/>
+          <a:lstStyle/>
+          <a:p>
+            <a:pPr lvl="1"/>
+            <a:r>
+              <a:rPr lang="en-US" altLang="zh-TW" sz="3200" dirty="0"/>
+              <a:t>Scaled </a:t>
+            </a:r>
+            <a:r>
+              <a:rPr lang="en-US" altLang="zh-TW" sz="3200" dirty="0" smtClean="0"/>
+              <a:t/>
+            </a:r>
+            <a:br>
+              <a:rPr lang="en-US" altLang="zh-TW" sz="3200" dirty="0" smtClean="0"/>
+            </a:br>
+            <a:r>
+              <a:rPr lang="en-US" altLang="zh-TW" sz="3200" dirty="0" smtClean="0"/>
+              <a:t>Dot-Product </a:t>
+            </a:r>
+            <a:r>
+              <a:rPr lang="en-US" altLang="zh-TW" sz="3200" dirty="0"/>
+              <a:t>Attention</a:t>
+            </a:r>
+            <a:endParaRPr lang="zh-TW" altLang="en-US" sz="3200" dirty="0">
+              <a:latin typeface="Source Code Pro" panose="020B0509030403020204" pitchFamily="49" charset="0"/>
+            </a:endParaRPr>
+          </a:p>
+        </p:txBody>
+      </p:sp>
+      <p:cxnSp>
+        <p:nvCxnSpPr>
+          <p:cNvPr id="125" name="直線單箭頭接點 152"/>
+          <p:cNvCxnSpPr>
+            <a:stCxn id="123" idx="0"/>
+            <a:endCxn id="106" idx="3"/>
+          </p:cNvCxnSpPr>
+          <p:nvPr/>
+        </p:nvCxnSpPr>
+        <p:spPr>
+          <a:xfrm rot="16200000" flipV="1">
+            <a:off x="14526342" y="3400051"/>
+            <a:ext cx="654517" cy="2995957"/>
+          </a:xfrm>
+          <a:prstGeom prst="bentConnector2">
+            <a:avLst/>
+          </a:prstGeom>
+          <a:ln w="101600">
+            <a:solidFill>
+              <a:schemeClr val="accent2">
+                <a:lumMod val="75000"/>
+              </a:schemeClr>
+            </a:solidFill>
+            <a:round/>
+            <a:tailEnd type="triangle"/>
+          </a:ln>
+        </p:spPr>
+        <p:style>
+          <a:lnRef idx="1">
+            <a:schemeClr val="accent1"/>
+          </a:lnRef>
+          <a:fillRef idx="0">
+            <a:schemeClr val="accent1"/>
+          </a:fillRef>
+          <a:effectRef idx="0">
+            <a:schemeClr val="accent1"/>
+          </a:effectRef>
+          <a:fontRef idx="minor">
+            <a:schemeClr val="tx1"/>
+          </a:fontRef>
+        </p:style>
+      </p:cxnSp>
+      <p:cxnSp>
+        <p:nvCxnSpPr>
+          <p:cNvPr id="126" name="直線單箭頭接點 125"/>
+          <p:cNvCxnSpPr>
+            <a:stCxn id="113" idx="0"/>
+            <a:endCxn id="106" idx="3"/>
+          </p:cNvCxnSpPr>
+          <p:nvPr/>
+        </p:nvCxnSpPr>
+        <p:spPr>
+          <a:xfrm rot="16200000" flipV="1">
+            <a:off x="14535808" y="3390585"/>
+            <a:ext cx="909885" cy="3270258"/>
+          </a:xfrm>
+          <a:prstGeom prst="bentConnector2">
+            <a:avLst/>
+          </a:prstGeom>
+          <a:ln w="101600">
+            <a:solidFill>
+              <a:schemeClr val="accent2"/>
+            </a:solidFill>
+            <a:round/>
+            <a:tailEnd type="triangle"/>
+          </a:ln>
+        </p:spPr>
+        <p:style>
+          <a:lnRef idx="1">
+            <a:schemeClr val="accent1"/>
+          </a:lnRef>
+          <a:fillRef idx="0">
+            <a:schemeClr val="accent1"/>
+          </a:fillRef>
+          <a:effectRef idx="0">
+            <a:schemeClr val="accent1"/>
+          </a:effectRef>
+          <a:fontRef idx="minor">
+            <a:schemeClr val="tx1"/>
+          </a:fontRef>
+        </p:style>
+      </p:cxnSp>
+      <p:cxnSp>
+        <p:nvCxnSpPr>
+          <p:cNvPr id="127" name="直線單箭頭接點 154"/>
+          <p:cNvCxnSpPr>
+            <a:stCxn id="60" idx="0"/>
+            <a:endCxn id="106" idx="3"/>
+          </p:cNvCxnSpPr>
+          <p:nvPr/>
+        </p:nvCxnSpPr>
+        <p:spPr>
+          <a:xfrm rot="16200000" flipV="1">
+            <a:off x="14542435" y="3383958"/>
+            <a:ext cx="1165253" cy="3538880"/>
+          </a:xfrm>
+          <a:prstGeom prst="bentConnector2">
+            <a:avLst/>
+          </a:prstGeom>
+          <a:ln w="101600">
+            <a:solidFill>
+              <a:srgbClr val="FF0066"/>
+            </a:solidFill>
+            <a:round/>
+            <a:tailEnd type="triangle"/>
+          </a:ln>
+        </p:spPr>
+        <p:style>
+          <a:lnRef idx="1">
+            <a:schemeClr val="accent1"/>
+          </a:lnRef>
+          <a:fillRef idx="0">
+            <a:schemeClr val="accent1"/>
+          </a:fillRef>
+          <a:effectRef idx="0">
+            <a:schemeClr val="accent1"/>
+          </a:effectRef>
+          <a:fontRef idx="minor">
+            <a:schemeClr val="tx1"/>
+          </a:fontRef>
+        </p:style>
+      </p:cxnSp>
+      <p:sp>
+        <p:nvSpPr>
+          <p:cNvPr id="87" name="圓角矩形 86"/>
+          <p:cNvSpPr/>
+          <p:nvPr/>
+        </p:nvSpPr>
+        <p:spPr>
+          <a:xfrm>
+            <a:off x="10237957" y="6356761"/>
+            <a:ext cx="720000" cy="720000"/>
+          </a:xfrm>
+          <a:prstGeom prst="roundRect">
+            <a:avLst/>
+          </a:prstGeom>
+          <a:solidFill>
+            <a:srgbClr val="282828"/>
+          </a:solidFill>
+          <a:ln w="50800">
+            <a:solidFill>
+              <a:schemeClr val="bg1"/>
+            </a:solidFill>
+          </a:ln>
+        </p:spPr>
+        <p:style>
+          <a:lnRef idx="2">
+            <a:schemeClr val="accent1">
+              <a:shade val="50000"/>
+            </a:schemeClr>
+          </a:lnRef>
+          <a:fillRef idx="1">
+            <a:schemeClr val="accent1"/>
+          </a:fillRef>
+          <a:effectRef idx="0">
+            <a:schemeClr val="accent1"/>
+          </a:effectRef>
+          <a:fontRef idx="minor">
+            <a:schemeClr val="lt1"/>
+          </a:fontRef>
+        </p:style>
+        <p:txBody>
+          <a:bodyPr rtlCol="0" anchor="ctr"/>
+          <a:lstStyle/>
+          <a:p>
+            <a:pPr algn="ctr"/>
+            <a:r>
+              <a:rPr lang="en-US" altLang="zh-TW" sz="3200" dirty="0">
+                <a:latin typeface="Source Code Pro" panose="020B0509030403020204" pitchFamily="49" charset="0"/>
+              </a:rPr>
+              <a:t>V</a:t>
+            </a:r>
+          </a:p>
+        </p:txBody>
+      </p:sp>
+      <p:sp>
+        <p:nvSpPr>
+          <p:cNvPr id="88" name="圓角矩形 87"/>
+          <p:cNvSpPr/>
+          <p:nvPr/>
+        </p:nvSpPr>
+        <p:spPr>
+          <a:xfrm>
+            <a:off x="10237957" y="7076761"/>
+            <a:ext cx="720000" cy="720000"/>
+          </a:xfrm>
+          <a:prstGeom prst="roundRect">
+            <a:avLst/>
+          </a:prstGeom>
+          <a:solidFill>
+            <a:srgbClr val="282828"/>
+          </a:solidFill>
+          <a:ln w="50800">
+            <a:solidFill>
+              <a:schemeClr val="bg1"/>
+            </a:solidFill>
+          </a:ln>
+        </p:spPr>
+        <p:style>
+          <a:lnRef idx="2">
+            <a:schemeClr val="accent1">
+              <a:shade val="50000"/>
+            </a:schemeClr>
+          </a:lnRef>
+          <a:fillRef idx="1">
+            <a:schemeClr val="accent1"/>
+          </a:fillRef>
+          <a:effectRef idx="0">
+            <a:schemeClr val="accent1"/>
+          </a:effectRef>
+          <a:fontRef idx="minor">
+            <a:schemeClr val="lt1"/>
+          </a:fontRef>
+        </p:style>
+        <p:txBody>
+          <a:bodyPr rtlCol="0" anchor="ctr"/>
+          <a:lstStyle/>
+          <a:p>
+            <a:pPr algn="ctr"/>
+            <a:r>
+              <a:rPr lang="en-US" altLang="zh-TW" sz="3200" dirty="0">
+                <a:latin typeface="Source Code Pro" panose="020B0509030403020204" pitchFamily="49" charset="0"/>
+              </a:rPr>
+              <a:t>K</a:t>
+            </a:r>
+          </a:p>
+        </p:txBody>
+      </p:sp>
+      <p:sp>
+        <p:nvSpPr>
+          <p:cNvPr id="89" name="圓角矩形 88"/>
+          <p:cNvSpPr/>
+          <p:nvPr/>
+        </p:nvSpPr>
+        <p:spPr>
+          <a:xfrm>
+            <a:off x="10237957" y="7796761"/>
+            <a:ext cx="720000" cy="720000"/>
+          </a:xfrm>
+          <a:prstGeom prst="roundRect">
+            <a:avLst/>
+          </a:prstGeom>
+          <a:solidFill>
+            <a:srgbClr val="282828"/>
+          </a:solidFill>
+          <a:ln w="50800">
+            <a:solidFill>
+              <a:schemeClr val="bg1"/>
+            </a:solidFill>
+          </a:ln>
+        </p:spPr>
+        <p:style>
+          <a:lnRef idx="2">
+            <a:schemeClr val="accent1">
+              <a:shade val="50000"/>
+            </a:schemeClr>
+          </a:lnRef>
+          <a:fillRef idx="1">
+            <a:schemeClr val="accent1"/>
+          </a:fillRef>
+          <a:effectRef idx="0">
+            <a:schemeClr val="accent1"/>
+          </a:effectRef>
+          <a:fontRef idx="minor">
+            <a:schemeClr val="lt1"/>
+          </a:fontRef>
+        </p:style>
+        <p:txBody>
+          <a:bodyPr rtlCol="0" anchor="ctr"/>
+          <a:lstStyle/>
+          <a:p>
+            <a:pPr algn="ctr"/>
+            <a:r>
+              <a:rPr lang="en-US" altLang="zh-TW" sz="3200" dirty="0">
+                <a:latin typeface="Source Code Pro" panose="020B0509030403020204" pitchFamily="49" charset="0"/>
+              </a:rPr>
+              <a:t>Q</a:t>
+            </a:r>
+          </a:p>
+        </p:txBody>
+      </p:sp>
+      <p:sp>
+        <p:nvSpPr>
+          <p:cNvPr id="93" name="圓角矩形 92"/>
+          <p:cNvSpPr/>
+          <p:nvPr/>
+        </p:nvSpPr>
+        <p:spPr>
+          <a:xfrm>
+            <a:off x="10802018" y="6038067"/>
+            <a:ext cx="3444681" cy="2998805"/>
+          </a:xfrm>
+          <a:prstGeom prst="roundRect">
+            <a:avLst/>
+          </a:prstGeom>
+          <a:solidFill>
+            <a:srgbClr val="282828"/>
+          </a:solidFill>
+          <a:ln w="50800">
+            <a:solidFill>
+              <a:schemeClr val="accent6"/>
+            </a:solidFill>
+          </a:ln>
+        </p:spPr>
+        <p:style>
+          <a:lnRef idx="2">
+            <a:schemeClr val="accent1">
+              <a:shade val="50000"/>
+            </a:schemeClr>
+          </a:lnRef>
+          <a:fillRef idx="1">
+            <a:schemeClr val="accent1"/>
+          </a:fillRef>
+          <a:effectRef idx="0">
+            <a:schemeClr val="accent1"/>
+          </a:effectRef>
+          <a:fontRef idx="minor">
+            <a:schemeClr val="lt1"/>
+          </a:fontRef>
+        </p:style>
+        <p:txBody>
+          <a:bodyPr rtlCol="0" anchor="ctr"/>
+          <a:lstStyle/>
+          <a:p>
+            <a:pPr lvl="1"/>
+            <a:r>
+              <a:rPr lang="en-US" altLang="zh-TW" sz="3200" dirty="0"/>
+              <a:t>Scaled </a:t>
+            </a:r>
+            <a:r>
+              <a:rPr lang="en-US" altLang="zh-TW" sz="3200" dirty="0" smtClean="0"/>
+              <a:t/>
+            </a:r>
+            <a:br>
+              <a:rPr lang="en-US" altLang="zh-TW" sz="3200" dirty="0" smtClean="0"/>
+            </a:br>
+            <a:r>
+              <a:rPr lang="en-US" altLang="zh-TW" sz="3200" dirty="0" smtClean="0"/>
+              <a:t>Dot-Product </a:t>
+            </a:r>
+            <a:r>
+              <a:rPr lang="en-US" altLang="zh-TW" sz="3200" dirty="0"/>
+              <a:t>Attention</a:t>
+            </a:r>
+            <a:endParaRPr lang="zh-TW" altLang="en-US" sz="3200" dirty="0">
+              <a:latin typeface="Source Code Pro" panose="020B0509030403020204" pitchFamily="49" charset="0"/>
+            </a:endParaRPr>
+          </a:p>
+        </p:txBody>
+      </p:sp>
+      <p:sp>
+        <p:nvSpPr>
+          <p:cNvPr id="94" name="圓角矩形 93"/>
+          <p:cNvSpPr/>
+          <p:nvPr/>
+        </p:nvSpPr>
+        <p:spPr>
+          <a:xfrm>
+            <a:off x="10390357" y="6509161"/>
+            <a:ext cx="720000" cy="720000"/>
+          </a:xfrm>
+          <a:prstGeom prst="roundRect">
+            <a:avLst/>
+          </a:prstGeom>
+          <a:solidFill>
+            <a:srgbClr val="282828"/>
+          </a:solidFill>
+          <a:ln w="50800">
+            <a:solidFill>
+              <a:schemeClr val="bg1"/>
+            </a:solidFill>
+          </a:ln>
+        </p:spPr>
+        <p:style>
+          <a:lnRef idx="2">
+            <a:schemeClr val="accent1">
+              <a:shade val="50000"/>
+            </a:schemeClr>
+          </a:lnRef>
+          <a:fillRef idx="1">
+            <a:schemeClr val="accent1"/>
+          </a:fillRef>
+          <a:effectRef idx="0">
+            <a:schemeClr val="accent1"/>
+          </a:effectRef>
+          <a:fontRef idx="minor">
+            <a:schemeClr val="lt1"/>
+          </a:fontRef>
+        </p:style>
+        <p:txBody>
+          <a:bodyPr rtlCol="0" anchor="ctr"/>
+          <a:lstStyle/>
+          <a:p>
+            <a:pPr algn="ctr"/>
+            <a:r>
+              <a:rPr lang="en-US" altLang="zh-TW" sz="3200" dirty="0">
+                <a:latin typeface="Source Code Pro" panose="020B0509030403020204" pitchFamily="49" charset="0"/>
+              </a:rPr>
+              <a:t>V</a:t>
+            </a:r>
+          </a:p>
+        </p:txBody>
+      </p:sp>
+      <p:sp>
+        <p:nvSpPr>
+          <p:cNvPr id="95" name="圓角矩形 94"/>
+          <p:cNvSpPr/>
+          <p:nvPr/>
+        </p:nvSpPr>
+        <p:spPr>
+          <a:xfrm>
+            <a:off x="10390357" y="7229161"/>
+            <a:ext cx="720000" cy="720000"/>
+          </a:xfrm>
+          <a:prstGeom prst="roundRect">
+            <a:avLst/>
+          </a:prstGeom>
+          <a:solidFill>
+            <a:srgbClr val="282828"/>
+          </a:solidFill>
+          <a:ln w="50800">
+            <a:solidFill>
+              <a:schemeClr val="bg1"/>
+            </a:solidFill>
+          </a:ln>
+        </p:spPr>
+        <p:style>
+          <a:lnRef idx="2">
+            <a:schemeClr val="accent1">
+              <a:shade val="50000"/>
+            </a:schemeClr>
+          </a:lnRef>
+          <a:fillRef idx="1">
+            <a:schemeClr val="accent1"/>
+          </a:fillRef>
+          <a:effectRef idx="0">
+            <a:schemeClr val="accent1"/>
+          </a:effectRef>
+          <a:fontRef idx="minor">
+            <a:schemeClr val="lt1"/>
+          </a:fontRef>
+        </p:style>
+        <p:txBody>
+          <a:bodyPr rtlCol="0" anchor="ctr"/>
+          <a:lstStyle/>
+          <a:p>
+            <a:pPr algn="ctr"/>
+            <a:r>
+              <a:rPr lang="en-US" altLang="zh-TW" sz="3200" dirty="0">
+                <a:latin typeface="Source Code Pro" panose="020B0509030403020204" pitchFamily="49" charset="0"/>
+              </a:rPr>
+              <a:t>K</a:t>
+            </a:r>
+          </a:p>
+        </p:txBody>
+      </p:sp>
+      <p:sp>
+        <p:nvSpPr>
+          <p:cNvPr id="96" name="圓角矩形 95"/>
+          <p:cNvSpPr/>
+          <p:nvPr/>
+        </p:nvSpPr>
+        <p:spPr>
+          <a:xfrm>
+            <a:off x="10390357" y="7949161"/>
+            <a:ext cx="720000" cy="720000"/>
+          </a:xfrm>
+          <a:prstGeom prst="roundRect">
+            <a:avLst/>
+          </a:prstGeom>
+          <a:solidFill>
+            <a:srgbClr val="282828"/>
+          </a:solidFill>
+          <a:ln w="50800">
+            <a:solidFill>
+              <a:schemeClr val="bg1"/>
+            </a:solidFill>
+          </a:ln>
+        </p:spPr>
+        <p:style>
+          <a:lnRef idx="2">
+            <a:schemeClr val="accent1">
+              <a:shade val="50000"/>
+            </a:schemeClr>
+          </a:lnRef>
+          <a:fillRef idx="1">
+            <a:schemeClr val="accent1"/>
+          </a:fillRef>
+          <a:effectRef idx="0">
+            <a:schemeClr val="accent1"/>
+          </a:effectRef>
+          <a:fontRef idx="minor">
+            <a:schemeClr val="lt1"/>
+          </a:fontRef>
+        </p:style>
+        <p:txBody>
+          <a:bodyPr rtlCol="0" anchor="ctr"/>
+          <a:lstStyle/>
+          <a:p>
+            <a:pPr algn="ctr"/>
+            <a:r>
+              <a:rPr lang="en-US" altLang="zh-TW" sz="3200" dirty="0">
+                <a:latin typeface="Source Code Pro" panose="020B0509030403020204" pitchFamily="49" charset="0"/>
+              </a:rPr>
+              <a:t>Q</a:t>
+            </a:r>
+          </a:p>
+        </p:txBody>
+      </p:sp>
+      <p:cxnSp>
+        <p:nvCxnSpPr>
+          <p:cNvPr id="90" name="直線單箭頭接點 89"/>
+          <p:cNvCxnSpPr>
+            <a:endCxn id="94" idx="1"/>
+          </p:cNvCxnSpPr>
+          <p:nvPr/>
+        </p:nvCxnSpPr>
+        <p:spPr>
+          <a:xfrm>
+            <a:off x="9687371" y="6866635"/>
+            <a:ext cx="702986" cy="2526"/>
+          </a:xfrm>
+          <a:prstGeom prst="straightConnector1">
+            <a:avLst/>
+          </a:prstGeom>
+          <a:ln w="101600">
+            <a:solidFill>
+              <a:srgbClr val="FF0066"/>
+            </a:solidFill>
+            <a:tailEnd type="triangle"/>
+          </a:ln>
+        </p:spPr>
+        <p:style>
+          <a:lnRef idx="1">
+            <a:schemeClr val="accent1"/>
+          </a:lnRef>
+          <a:fillRef idx="0">
+            <a:schemeClr val="accent1"/>
+          </a:fillRef>
+          <a:effectRef idx="0">
+            <a:schemeClr val="accent1"/>
+          </a:effectRef>
+          <a:fontRef idx="minor">
+            <a:schemeClr val="tx1"/>
+          </a:fontRef>
+        </p:style>
+      </p:cxnSp>
+      <p:cxnSp>
+        <p:nvCxnSpPr>
+          <p:cNvPr id="91" name="直線單箭頭接點 90"/>
+          <p:cNvCxnSpPr>
+            <a:endCxn id="95" idx="1"/>
+          </p:cNvCxnSpPr>
+          <p:nvPr/>
+        </p:nvCxnSpPr>
+        <p:spPr>
+          <a:xfrm flipV="1">
+            <a:off x="9687371" y="7589165"/>
+            <a:ext cx="702986" cy="5053"/>
+          </a:xfrm>
+          <a:prstGeom prst="straightConnector1">
+            <a:avLst/>
+          </a:prstGeom>
+          <a:ln w="101600">
+            <a:solidFill>
+              <a:srgbClr val="FF0066"/>
+            </a:solidFill>
+            <a:tailEnd type="triangle"/>
+          </a:ln>
+        </p:spPr>
+        <p:style>
+          <a:lnRef idx="1">
+            <a:schemeClr val="accent1"/>
+          </a:lnRef>
+          <a:fillRef idx="0">
+            <a:schemeClr val="accent1"/>
+          </a:fillRef>
+          <a:effectRef idx="0">
+            <a:schemeClr val="accent1"/>
+          </a:effectRef>
+          <a:fontRef idx="minor">
+            <a:schemeClr val="tx1"/>
+          </a:fontRef>
+        </p:style>
+      </p:cxnSp>
+      <p:cxnSp>
+        <p:nvCxnSpPr>
+          <p:cNvPr id="92" name="直線單箭頭接點 91"/>
+          <p:cNvCxnSpPr>
+            <a:endCxn id="96" idx="1"/>
+          </p:cNvCxnSpPr>
+          <p:nvPr/>
+        </p:nvCxnSpPr>
+        <p:spPr>
+          <a:xfrm flipV="1">
+            <a:off x="9695657" y="8309165"/>
+            <a:ext cx="694700" cy="10107"/>
+          </a:xfrm>
+          <a:prstGeom prst="straightConnector1">
+            <a:avLst/>
+          </a:prstGeom>
+          <a:ln w="101600">
+            <a:solidFill>
+              <a:srgbClr val="FF0066"/>
+            </a:solidFill>
+            <a:tailEnd type="triangle"/>
+          </a:ln>
+        </p:spPr>
+        <p:style>
+          <a:lnRef idx="1">
+            <a:schemeClr val="accent1"/>
+          </a:lnRef>
+          <a:fillRef idx="0">
+            <a:schemeClr val="accent1"/>
+          </a:fillRef>
+          <a:effectRef idx="0">
+            <a:schemeClr val="accent1"/>
+          </a:effectRef>
+          <a:fontRef idx="minor">
+            <a:schemeClr val="tx1"/>
+          </a:fontRef>
+        </p:style>
+      </p:cxnSp>
+    </p:spTree>
+    <p:extLst>
+      <p:ext uri="{BB962C8B-B14F-4D97-AF65-F5344CB8AC3E}">
+        <p14:creationId xmlns:p14="http://schemas.microsoft.com/office/powerpoint/2010/main" val="1587307182"/>
+      </p:ext>
+    </p:extLst>
+  </p:cSld>
+  <p:clrMapOvr>
+    <a:masterClrMapping/>
+  </p:clrMapOvr>
+</p:sld>
+</file>
+
+<file path=ppt/slides/slide4.xml><?xml version="1.0" encoding="utf-8"?>
+<p:sld xmlns:a="http://schemas.openxmlformats.org/drawingml/2006/main" xmlns:r="http://schemas.openxmlformats.org/officeDocument/2006/relationships" xmlns:p="http://schemas.openxmlformats.org/presentationml/2006/main">
+  <p:cSld>
+    <p:bg>
+      <p:bgPr>
+        <a:solidFill>
+          <a:srgbClr val="282828"/>
+        </a:solidFill>
+        <a:effectLst/>
+      </p:bgPr>
+    </p:bg>
+    <p:spTree>
+      <p:nvGrpSpPr>
+        <p:cNvPr id="1" name=""/>
+        <p:cNvGrpSpPr/>
+        <p:nvPr/>
+      </p:nvGrpSpPr>
+      <p:grpSpPr>
+        <a:xfrm>
+          <a:off x="0" y="0"/>
+          <a:ext cx="0" cy="0"/>
+          <a:chOff x="0" y="0"/>
+          <a:chExt cx="0" cy="0"/>
+        </a:xfrm>
+      </p:grpSpPr>
       <mc:AlternateContent xmlns:mc="http://schemas.openxmlformats.org/markup-compatibility/2006" xmlns:a14="http://schemas.microsoft.com/office/drawing/2010/main">
         <mc:Choice Requires="a14">
           <p:sp>
@@ -24622,7 +29778,7 @@
 </p:sld>
 </file>
 
-<file path=ppt/slides/slide4.xml><?xml version="1.0" encoding="utf-8"?>
+<file path=ppt/slides/slide5.xml><?xml version="1.0" encoding="utf-8"?>
 <p:sld xmlns:a="http://schemas.openxmlformats.org/drawingml/2006/main" xmlns:r="http://schemas.openxmlformats.org/officeDocument/2006/relationships" xmlns:p="http://schemas.openxmlformats.org/presentationml/2006/main">
   <p:cSld>
     <p:bg>
@@ -27149,8 +32305,8 @@
             </a:p>
           </p:txBody>
         </p:sp>
-        <mc:AlternateContent xmlns:mc="http://schemas.openxmlformats.org/markup-compatibility/2006">
-          <mc:Choice xmlns:a14="http://schemas.microsoft.com/office/drawing/2010/main" Requires="a14">
+        <mc:AlternateContent xmlns:mc="http://schemas.openxmlformats.org/markup-compatibility/2006" xmlns:a14="http://schemas.microsoft.com/office/drawing/2010/main">
+          <mc:Choice Requires="a14">
             <p:sp>
               <p:nvSpPr>
                 <p:cNvPr id="59" name="矩形 58"/>
@@ -27283,7 +32439,7 @@
               </p:txBody>
             </p:sp>
           </mc:Choice>
-          <mc:Fallback>
+          <mc:Fallback xmlns="">
             <p:sp>
               <p:nvSpPr>
                 <p:cNvPr id="59" name="矩形 58"/>
@@ -27400,8 +32556,8 @@
             </a:p>
           </p:txBody>
         </p:sp>
-        <mc:AlternateContent xmlns:mc="http://schemas.openxmlformats.org/markup-compatibility/2006">
-          <mc:Choice xmlns:a14="http://schemas.microsoft.com/office/drawing/2010/main" Requires="a14">
+        <mc:AlternateContent xmlns:mc="http://schemas.openxmlformats.org/markup-compatibility/2006" xmlns:a14="http://schemas.microsoft.com/office/drawing/2010/main">
+          <mc:Choice Requires="a14">
             <p:sp>
               <p:nvSpPr>
                 <p:cNvPr id="61" name="矩形 60"/>
@@ -27534,7 +32690,7 @@
               </p:txBody>
             </p:sp>
           </mc:Choice>
-          <mc:Fallback>
+          <mc:Fallback xmlns="">
             <p:sp>
               <p:nvSpPr>
                 <p:cNvPr id="61" name="矩形 60"/>
@@ -27578,8 +32734,8 @@
             </p:sp>
           </mc:Fallback>
         </mc:AlternateContent>
-        <mc:AlternateContent xmlns:mc="http://schemas.openxmlformats.org/markup-compatibility/2006">
-          <mc:Choice xmlns:a14="http://schemas.microsoft.com/office/drawing/2010/main" Requires="a14">
+        <mc:AlternateContent xmlns:mc="http://schemas.openxmlformats.org/markup-compatibility/2006" xmlns:a14="http://schemas.microsoft.com/office/drawing/2010/main">
+          <mc:Choice Requires="a14">
             <p:sp>
               <p:nvSpPr>
                 <p:cNvPr id="62" name="矩形 61"/>
@@ -27712,7 +32868,7 @@
               </p:txBody>
             </p:sp>
           </mc:Choice>
-          <mc:Fallback>
+          <mc:Fallback xmlns="">
             <p:sp>
               <p:nvSpPr>
                 <p:cNvPr id="62" name="矩形 61"/>
@@ -27770,7 +32926,7 @@
 </p:sld>
 </file>
 
-<file path=ppt/slides/slide5.xml><?xml version="1.0" encoding="utf-8"?>
+<file path=ppt/slides/slide6.xml><?xml version="1.0" encoding="utf-8"?>
 <p:sld xmlns:a="http://schemas.openxmlformats.org/drawingml/2006/main" xmlns:r="http://schemas.openxmlformats.org/officeDocument/2006/relationships" xmlns:p="http://schemas.openxmlformats.org/presentationml/2006/main">
   <p:cSld>
     <p:bg>
@@ -28088,7 +33244,7 @@
 </p:sld>
 </file>
 
-<file path=ppt/slides/slide6.xml><?xml version="1.0" encoding="utf-8"?>
+<file path=ppt/slides/slide7.xml><?xml version="1.0" encoding="utf-8"?>
 <p:sld xmlns:a="http://schemas.openxmlformats.org/drawingml/2006/main" xmlns:r="http://schemas.openxmlformats.org/officeDocument/2006/relationships" xmlns:p="http://schemas.openxmlformats.org/presentationml/2006/main">
   <p:cSld>
     <p:bg>
@@ -28610,7 +33766,7 @@
 </p:sld>
 </file>
 
-<file path=ppt/slides/slide7.xml><?xml version="1.0" encoding="utf-8"?>
+<file path=ppt/slides/slide8.xml><?xml version="1.0" encoding="utf-8"?>
 <p:sld xmlns:a="http://schemas.openxmlformats.org/drawingml/2006/main" xmlns:r="http://schemas.openxmlformats.org/officeDocument/2006/relationships" xmlns:p="http://schemas.openxmlformats.org/presentationml/2006/main">
   <p:cSld>
     <p:bg>
@@ -28863,7 +34019,7 @@
 </p:sld>
 </file>
 
-<file path=ppt/slides/slide8.xml><?xml version="1.0" encoding="utf-8"?>
+<file path=ppt/slides/slide9.xml><?xml version="1.0" encoding="utf-8"?>
 <p:sld xmlns:a="http://schemas.openxmlformats.org/drawingml/2006/main" xmlns:r="http://schemas.openxmlformats.org/officeDocument/2006/relationships" xmlns:p="http://schemas.openxmlformats.org/presentationml/2006/main">
   <p:cSld>
     <p:bg>
@@ -30859,875 +36015,6 @@
     <p:extLst>
       <p:ext uri="{BB962C8B-B14F-4D97-AF65-F5344CB8AC3E}">
         <p14:creationId xmlns:p14="http://schemas.microsoft.com/office/powerpoint/2010/main" val="1761049563"/>
-      </p:ext>
-    </p:extLst>
-  </p:cSld>
-  <p:clrMapOvr>
-    <a:masterClrMapping/>
-  </p:clrMapOvr>
-</p:sld>
-</file>
-
-<file path=ppt/slides/slide9.xml><?xml version="1.0" encoding="utf-8"?>
-<p:sld xmlns:a="http://schemas.openxmlformats.org/drawingml/2006/main" xmlns:r="http://schemas.openxmlformats.org/officeDocument/2006/relationships" xmlns:p="http://schemas.openxmlformats.org/presentationml/2006/main">
-  <p:cSld>
-    <p:bg>
-      <p:bgPr>
-        <a:solidFill>
-          <a:srgbClr val="282828"/>
-        </a:solidFill>
-        <a:effectLst/>
-      </p:bgPr>
-    </p:bg>
-    <p:spTree>
-      <p:nvGrpSpPr>
-        <p:cNvPr id="1" name=""/>
-        <p:cNvGrpSpPr/>
-        <p:nvPr/>
-      </p:nvGrpSpPr>
-      <p:grpSpPr>
-        <a:xfrm>
-          <a:off x="0" y="0"/>
-          <a:ext cx="0" cy="0"/>
-          <a:chOff x="0" y="0"/>
-          <a:chExt cx="0" cy="0"/>
-        </a:xfrm>
-      </p:grpSpPr>
-      <p:cxnSp>
-        <p:nvCxnSpPr>
-          <p:cNvPr id="93" name="肘形接點 92"/>
-          <p:cNvCxnSpPr>
-            <a:stCxn id="20" idx="2"/>
-          </p:cNvCxnSpPr>
-          <p:nvPr/>
-        </p:nvCxnSpPr>
-        <p:spPr>
-          <a:xfrm rot="16200000" flipH="1">
-            <a:off x="7508199" y="9579554"/>
-            <a:ext cx="274947" cy="3425950"/>
-          </a:xfrm>
-          <a:prstGeom prst="bentConnector2">
-            <a:avLst/>
-          </a:prstGeom>
-          <a:ln w="63500" cap="rnd">
-            <a:gradFill>
-              <a:gsLst>
-                <a:gs pos="0">
-                  <a:srgbClr val="21C5FF"/>
-                </a:gs>
-                <a:gs pos="83000">
-                  <a:srgbClr val="FF0066"/>
-                </a:gs>
-              </a:gsLst>
-              <a:lin ang="5400000" scaled="1"/>
-            </a:gradFill>
-            <a:round/>
-            <a:tailEnd type="triangle"/>
-          </a:ln>
-        </p:spPr>
-        <p:style>
-          <a:lnRef idx="1">
-            <a:schemeClr val="accent1"/>
-          </a:lnRef>
-          <a:fillRef idx="0">
-            <a:schemeClr val="accent1"/>
-          </a:fillRef>
-          <a:effectRef idx="0">
-            <a:schemeClr val="accent1"/>
-          </a:effectRef>
-          <a:fontRef idx="minor">
-            <a:schemeClr val="tx1"/>
-          </a:fontRef>
-        </p:style>
-      </p:cxnSp>
-      <p:grpSp>
-        <p:nvGrpSpPr>
-          <p:cNvPr id="14" name="群組 13"/>
-          <p:cNvGrpSpPr/>
-          <p:nvPr/>
-        </p:nvGrpSpPr>
-        <p:grpSpPr>
-          <a:xfrm>
-            <a:off x="4420887" y="10546080"/>
-            <a:ext cx="3023618" cy="608976"/>
-            <a:chOff x="4222767" y="13258800"/>
-            <a:chExt cx="3023618" cy="608976"/>
-          </a:xfrm>
-        </p:grpSpPr>
-        <p:sp>
-          <p:nvSpPr>
-            <p:cNvPr id="20" name="圓角矩形 19"/>
-            <p:cNvSpPr/>
-            <p:nvPr/>
-          </p:nvSpPr>
-          <p:spPr>
-            <a:xfrm>
-              <a:off x="4222769" y="13258800"/>
-              <a:ext cx="3023616" cy="608976"/>
-            </a:xfrm>
-            <a:prstGeom prst="roundRect">
-              <a:avLst/>
-            </a:prstGeom>
-            <a:solidFill>
-              <a:srgbClr val="21C5FF"/>
-            </a:solidFill>
-            <a:ln>
-              <a:noFill/>
-            </a:ln>
-          </p:spPr>
-          <p:style>
-            <a:lnRef idx="2">
-              <a:schemeClr val="accent1">
-                <a:shade val="50000"/>
-              </a:schemeClr>
-            </a:lnRef>
-            <a:fillRef idx="1">
-              <a:schemeClr val="accent1"/>
-            </a:fillRef>
-            <a:effectRef idx="0">
-              <a:schemeClr val="accent1"/>
-            </a:effectRef>
-            <a:fontRef idx="minor">
-              <a:schemeClr val="lt1"/>
-            </a:fontRef>
-          </p:style>
-          <p:txBody>
-            <a:bodyPr rot="0" spcFirstLastPara="0" vertOverflow="overflow" horzOverflow="overflow" vert="horz" wrap="square" lIns="91440" tIns="45720" rIns="91440" bIns="45720" numCol="1" spcCol="0" rtlCol="0" fromWordArt="0" anchor="ctr" anchorCtr="0" forceAA="0" compatLnSpc="1">
-              <a:prstTxWarp prst="textNoShape">
-                <a:avLst/>
-              </a:prstTxWarp>
-              <a:noAutofit/>
-            </a:bodyPr>
-            <a:lstStyle/>
-            <a:p>
-              <a:pPr algn="ctr"/>
-              <a:endParaRPr lang="zh-TW" altLang="en-US" sz="1800"/>
-            </a:p>
-          </p:txBody>
-        </p:sp>
-        <p:sp>
-          <p:nvSpPr>
-            <p:cNvPr id="8" name="矩形 7"/>
-            <p:cNvSpPr/>
-            <p:nvPr/>
-          </p:nvSpPr>
-          <p:spPr>
-            <a:xfrm>
-              <a:off x="4222767" y="13360628"/>
-              <a:ext cx="3023618" cy="405319"/>
-            </a:xfrm>
-            <a:prstGeom prst="rect">
-              <a:avLst/>
-            </a:prstGeom>
-            <a:solidFill>
-              <a:srgbClr val="282828"/>
-            </a:solidFill>
-            <a:ln>
-              <a:noFill/>
-            </a:ln>
-          </p:spPr>
-          <p:style>
-            <a:lnRef idx="2">
-              <a:schemeClr val="accent1">
-                <a:shade val="50000"/>
-              </a:schemeClr>
-            </a:lnRef>
-            <a:fillRef idx="1">
-              <a:schemeClr val="accent1"/>
-            </a:fillRef>
-            <a:effectRef idx="0">
-              <a:schemeClr val="accent1"/>
-            </a:effectRef>
-            <a:fontRef idx="minor">
-              <a:schemeClr val="lt1"/>
-            </a:fontRef>
-          </p:style>
-          <p:txBody>
-            <a:bodyPr rot="0" spcFirstLastPara="0" vertOverflow="overflow" horzOverflow="overflow" vert="horz" wrap="square" lIns="91440" tIns="45720" rIns="91440" bIns="45720" numCol="1" spcCol="0" rtlCol="0" fromWordArt="0" anchor="ctr" anchorCtr="0" forceAA="0" compatLnSpc="1">
-              <a:prstTxWarp prst="textNoShape">
-                <a:avLst/>
-              </a:prstTxWarp>
-              <a:noAutofit/>
-            </a:bodyPr>
-            <a:lstStyle/>
-            <a:p>
-              <a:pPr algn="ctr"/>
-              <a:r>
-                <a:rPr lang="en-US" altLang="zh-TW" sz="1800" dirty="0" smtClean="0">
-                  <a:solidFill>
-                    <a:srgbClr val="D9F5FF"/>
-                  </a:solidFill>
-                  <a:latin typeface="Source Code Pro" panose="020B0509030403020204" pitchFamily="49" charset="0"/>
-                </a:rPr>
-                <a:t>Conv1D(3,1024)</a:t>
-              </a:r>
-              <a:endParaRPr lang="zh-TW" altLang="en-US" sz="1800" dirty="0">
-                <a:solidFill>
-                  <a:srgbClr val="D9F5FF"/>
-                </a:solidFill>
-                <a:latin typeface="Source Code Pro" panose="020B0509030403020204" pitchFamily="49" charset="0"/>
-              </a:endParaRPr>
-            </a:p>
-          </p:txBody>
-        </p:sp>
-      </p:grpSp>
-      <p:grpSp>
-        <p:nvGrpSpPr>
-          <p:cNvPr id="24" name="群組 23"/>
-          <p:cNvGrpSpPr/>
-          <p:nvPr/>
-        </p:nvGrpSpPr>
-        <p:grpSpPr>
-          <a:xfrm>
-            <a:off x="4420887" y="9937103"/>
-            <a:ext cx="3023618" cy="608976"/>
-            <a:chOff x="4222767" y="13258800"/>
-            <a:chExt cx="3023618" cy="608976"/>
-          </a:xfrm>
-        </p:grpSpPr>
-        <p:sp>
-          <p:nvSpPr>
-            <p:cNvPr id="25" name="圓角矩形 24"/>
-            <p:cNvSpPr/>
-            <p:nvPr/>
-          </p:nvSpPr>
-          <p:spPr>
-            <a:xfrm>
-              <a:off x="4222769" y="13258800"/>
-              <a:ext cx="3023616" cy="608976"/>
-            </a:xfrm>
-            <a:prstGeom prst="roundRect">
-              <a:avLst/>
-            </a:prstGeom>
-            <a:solidFill>
-              <a:srgbClr val="21C5FF"/>
-            </a:solidFill>
-            <a:ln>
-              <a:noFill/>
-            </a:ln>
-          </p:spPr>
-          <p:style>
-            <a:lnRef idx="2">
-              <a:schemeClr val="accent1">
-                <a:shade val="50000"/>
-              </a:schemeClr>
-            </a:lnRef>
-            <a:fillRef idx="1">
-              <a:schemeClr val="accent1"/>
-            </a:fillRef>
-            <a:effectRef idx="0">
-              <a:schemeClr val="accent1"/>
-            </a:effectRef>
-            <a:fontRef idx="minor">
-              <a:schemeClr val="lt1"/>
-            </a:fontRef>
-          </p:style>
-          <p:txBody>
-            <a:bodyPr rot="0" spcFirstLastPara="0" vertOverflow="overflow" horzOverflow="overflow" vert="horz" wrap="square" lIns="91440" tIns="45720" rIns="91440" bIns="45720" numCol="1" spcCol="0" rtlCol="0" fromWordArt="0" anchor="ctr" anchorCtr="0" forceAA="0" compatLnSpc="1">
-              <a:prstTxWarp prst="textNoShape">
-                <a:avLst/>
-              </a:prstTxWarp>
-              <a:noAutofit/>
-            </a:bodyPr>
-            <a:lstStyle/>
-            <a:p>
-              <a:pPr algn="ctr"/>
-              <a:endParaRPr lang="zh-TW" altLang="en-US" sz="1800"/>
-            </a:p>
-          </p:txBody>
-        </p:sp>
-        <p:sp>
-          <p:nvSpPr>
-            <p:cNvPr id="26" name="矩形 25"/>
-            <p:cNvSpPr/>
-            <p:nvPr/>
-          </p:nvSpPr>
-          <p:spPr>
-            <a:xfrm>
-              <a:off x="4222767" y="13360628"/>
-              <a:ext cx="3023618" cy="405319"/>
-            </a:xfrm>
-            <a:prstGeom prst="rect">
-              <a:avLst/>
-            </a:prstGeom>
-            <a:solidFill>
-              <a:srgbClr val="282828"/>
-            </a:solidFill>
-            <a:ln>
-              <a:noFill/>
-            </a:ln>
-          </p:spPr>
-          <p:style>
-            <a:lnRef idx="2">
-              <a:schemeClr val="accent1">
-                <a:shade val="50000"/>
-              </a:schemeClr>
-            </a:lnRef>
-            <a:fillRef idx="1">
-              <a:schemeClr val="accent1"/>
-            </a:fillRef>
-            <a:effectRef idx="0">
-              <a:schemeClr val="accent1"/>
-            </a:effectRef>
-            <a:fontRef idx="minor">
-              <a:schemeClr val="lt1"/>
-            </a:fontRef>
-          </p:style>
-          <p:txBody>
-            <a:bodyPr rot="0" spcFirstLastPara="0" vertOverflow="overflow" horzOverflow="overflow" vert="horz" wrap="square" lIns="91440" tIns="45720" rIns="91440" bIns="45720" numCol="1" spcCol="0" rtlCol="0" fromWordArt="0" anchor="ctr" anchorCtr="0" forceAA="0" compatLnSpc="1">
-              <a:prstTxWarp prst="textNoShape">
-                <a:avLst/>
-              </a:prstTxWarp>
-              <a:noAutofit/>
-            </a:bodyPr>
-            <a:lstStyle/>
-            <a:p>
-              <a:pPr algn="ctr"/>
-              <a:r>
-                <a:rPr lang="en-US" altLang="zh-TW" sz="1800" dirty="0" smtClean="0">
-                  <a:solidFill>
-                    <a:srgbClr val="D9F5FF"/>
-                  </a:solidFill>
-                  <a:latin typeface="Source Code Pro" panose="020B0509030403020204" pitchFamily="49" charset="0"/>
-                </a:rPr>
-                <a:t>Conv1D(3,1024)</a:t>
-              </a:r>
-              <a:endParaRPr lang="zh-TW" altLang="en-US" sz="1800" dirty="0">
-                <a:solidFill>
-                  <a:srgbClr val="D9F5FF"/>
-                </a:solidFill>
-                <a:latin typeface="Source Code Pro" panose="020B0509030403020204" pitchFamily="49" charset="0"/>
-              </a:endParaRPr>
-            </a:p>
-          </p:txBody>
-        </p:sp>
-      </p:grpSp>
-      <p:grpSp>
-        <p:nvGrpSpPr>
-          <p:cNvPr id="27" name="群組 26"/>
-          <p:cNvGrpSpPr/>
-          <p:nvPr/>
-        </p:nvGrpSpPr>
-        <p:grpSpPr>
-          <a:xfrm>
-            <a:off x="4420887" y="9328126"/>
-            <a:ext cx="3023618" cy="608976"/>
-            <a:chOff x="4222767" y="13258800"/>
-            <a:chExt cx="3023618" cy="608976"/>
-          </a:xfrm>
-        </p:grpSpPr>
-        <p:sp>
-          <p:nvSpPr>
-            <p:cNvPr id="28" name="圓角矩形 27"/>
-            <p:cNvSpPr/>
-            <p:nvPr/>
-          </p:nvSpPr>
-          <p:spPr>
-            <a:xfrm>
-              <a:off x="4222769" y="13258800"/>
-              <a:ext cx="3023616" cy="608976"/>
-            </a:xfrm>
-            <a:prstGeom prst="roundRect">
-              <a:avLst/>
-            </a:prstGeom>
-            <a:solidFill>
-              <a:srgbClr val="21C5FF"/>
-            </a:solidFill>
-            <a:ln>
-              <a:noFill/>
-            </a:ln>
-          </p:spPr>
-          <p:style>
-            <a:lnRef idx="2">
-              <a:schemeClr val="accent1">
-                <a:shade val="50000"/>
-              </a:schemeClr>
-            </a:lnRef>
-            <a:fillRef idx="1">
-              <a:schemeClr val="accent1"/>
-            </a:fillRef>
-            <a:effectRef idx="0">
-              <a:schemeClr val="accent1"/>
-            </a:effectRef>
-            <a:fontRef idx="minor">
-              <a:schemeClr val="lt1"/>
-            </a:fontRef>
-          </p:style>
-          <p:txBody>
-            <a:bodyPr rot="0" spcFirstLastPara="0" vertOverflow="overflow" horzOverflow="overflow" vert="horz" wrap="square" lIns="91440" tIns="45720" rIns="91440" bIns="45720" numCol="1" spcCol="0" rtlCol="0" fromWordArt="0" anchor="ctr" anchorCtr="0" forceAA="0" compatLnSpc="1">
-              <a:prstTxWarp prst="textNoShape">
-                <a:avLst/>
-              </a:prstTxWarp>
-              <a:noAutofit/>
-            </a:bodyPr>
-            <a:lstStyle/>
-            <a:p>
-              <a:pPr algn="ctr"/>
-              <a:endParaRPr lang="zh-TW" altLang="en-US" sz="1800"/>
-            </a:p>
-          </p:txBody>
-        </p:sp>
-        <p:sp>
-          <p:nvSpPr>
-            <p:cNvPr id="29" name="矩形 28"/>
-            <p:cNvSpPr/>
-            <p:nvPr/>
-          </p:nvSpPr>
-          <p:spPr>
-            <a:xfrm>
-              <a:off x="4222767" y="13360628"/>
-              <a:ext cx="3023618" cy="405319"/>
-            </a:xfrm>
-            <a:prstGeom prst="rect">
-              <a:avLst/>
-            </a:prstGeom>
-            <a:solidFill>
-              <a:srgbClr val="282828"/>
-            </a:solidFill>
-            <a:ln>
-              <a:noFill/>
-            </a:ln>
-          </p:spPr>
-          <p:style>
-            <a:lnRef idx="2">
-              <a:schemeClr val="accent1">
-                <a:shade val="50000"/>
-              </a:schemeClr>
-            </a:lnRef>
-            <a:fillRef idx="1">
-              <a:schemeClr val="accent1"/>
-            </a:fillRef>
-            <a:effectRef idx="0">
-              <a:schemeClr val="accent1"/>
-            </a:effectRef>
-            <a:fontRef idx="minor">
-              <a:schemeClr val="lt1"/>
-            </a:fontRef>
-          </p:style>
-          <p:txBody>
-            <a:bodyPr rot="0" spcFirstLastPara="0" vertOverflow="overflow" horzOverflow="overflow" vert="horz" wrap="square" lIns="91440" tIns="45720" rIns="91440" bIns="45720" numCol="1" spcCol="0" rtlCol="0" fromWordArt="0" anchor="ctr" anchorCtr="0" forceAA="0" compatLnSpc="1">
-              <a:prstTxWarp prst="textNoShape">
-                <a:avLst/>
-              </a:prstTxWarp>
-              <a:noAutofit/>
-            </a:bodyPr>
-            <a:lstStyle/>
-            <a:p>
-              <a:pPr algn="ctr"/>
-              <a:r>
-                <a:rPr lang="en-US" altLang="zh-TW" sz="1800" dirty="0">
-                  <a:solidFill>
-                    <a:srgbClr val="D9F5FF"/>
-                  </a:solidFill>
-                  <a:latin typeface="Source Code Pro" panose="020B0509030403020204" pitchFamily="49" charset="0"/>
-                </a:rPr>
-                <a:t>Conv1D(3,512)</a:t>
-              </a:r>
-              <a:endParaRPr lang="zh-TW" altLang="en-US" sz="1800" dirty="0">
-                <a:solidFill>
-                  <a:srgbClr val="D9F5FF"/>
-                </a:solidFill>
-                <a:latin typeface="Source Code Pro" panose="020B0509030403020204" pitchFamily="49" charset="0"/>
-              </a:endParaRPr>
-            </a:p>
-          </p:txBody>
-        </p:sp>
-      </p:grpSp>
-      <p:grpSp>
-        <p:nvGrpSpPr>
-          <p:cNvPr id="30" name="群組 29"/>
-          <p:cNvGrpSpPr/>
-          <p:nvPr/>
-        </p:nvGrpSpPr>
-        <p:grpSpPr>
-          <a:xfrm>
-            <a:off x="4420887" y="8719148"/>
-            <a:ext cx="3023618" cy="608976"/>
-            <a:chOff x="4222767" y="13258800"/>
-            <a:chExt cx="3023618" cy="608976"/>
-          </a:xfrm>
-        </p:grpSpPr>
-        <p:sp>
-          <p:nvSpPr>
-            <p:cNvPr id="31" name="圓角矩形 30"/>
-            <p:cNvSpPr/>
-            <p:nvPr/>
-          </p:nvSpPr>
-          <p:spPr>
-            <a:xfrm>
-              <a:off x="4222769" y="13258800"/>
-              <a:ext cx="3023616" cy="608976"/>
-            </a:xfrm>
-            <a:prstGeom prst="roundRect">
-              <a:avLst/>
-            </a:prstGeom>
-            <a:solidFill>
-              <a:srgbClr val="21C5FF"/>
-            </a:solidFill>
-            <a:ln>
-              <a:noFill/>
-            </a:ln>
-          </p:spPr>
-          <p:style>
-            <a:lnRef idx="2">
-              <a:schemeClr val="accent1">
-                <a:shade val="50000"/>
-              </a:schemeClr>
-            </a:lnRef>
-            <a:fillRef idx="1">
-              <a:schemeClr val="accent1"/>
-            </a:fillRef>
-            <a:effectRef idx="0">
-              <a:schemeClr val="accent1"/>
-            </a:effectRef>
-            <a:fontRef idx="minor">
-              <a:schemeClr val="lt1"/>
-            </a:fontRef>
-          </p:style>
-          <p:txBody>
-            <a:bodyPr rot="0" spcFirstLastPara="0" vertOverflow="overflow" horzOverflow="overflow" vert="horz" wrap="square" lIns="91440" tIns="45720" rIns="91440" bIns="45720" numCol="1" spcCol="0" rtlCol="0" fromWordArt="0" anchor="ctr" anchorCtr="0" forceAA="0" compatLnSpc="1">
-              <a:prstTxWarp prst="textNoShape">
-                <a:avLst/>
-              </a:prstTxWarp>
-              <a:noAutofit/>
-            </a:bodyPr>
-            <a:lstStyle/>
-            <a:p>
-              <a:pPr algn="ctr"/>
-              <a:endParaRPr lang="zh-TW" altLang="en-US" sz="1800"/>
-            </a:p>
-          </p:txBody>
-        </p:sp>
-        <p:sp>
-          <p:nvSpPr>
-            <p:cNvPr id="32" name="矩形 31"/>
-            <p:cNvSpPr/>
-            <p:nvPr/>
-          </p:nvSpPr>
-          <p:spPr>
-            <a:xfrm>
-              <a:off x="4222767" y="13360628"/>
-              <a:ext cx="3023618" cy="405319"/>
-            </a:xfrm>
-            <a:prstGeom prst="rect">
-              <a:avLst/>
-            </a:prstGeom>
-            <a:solidFill>
-              <a:srgbClr val="282828"/>
-            </a:solidFill>
-            <a:ln>
-              <a:noFill/>
-            </a:ln>
-          </p:spPr>
-          <p:style>
-            <a:lnRef idx="2">
-              <a:schemeClr val="accent1">
-                <a:shade val="50000"/>
-              </a:schemeClr>
-            </a:lnRef>
-            <a:fillRef idx="1">
-              <a:schemeClr val="accent1"/>
-            </a:fillRef>
-            <a:effectRef idx="0">
-              <a:schemeClr val="accent1"/>
-            </a:effectRef>
-            <a:fontRef idx="minor">
-              <a:schemeClr val="lt1"/>
-            </a:fontRef>
-          </p:style>
-          <p:txBody>
-            <a:bodyPr rot="0" spcFirstLastPara="0" vertOverflow="overflow" horzOverflow="overflow" vert="horz" wrap="square" lIns="91440" tIns="45720" rIns="91440" bIns="45720" numCol="1" spcCol="0" rtlCol="0" fromWordArt="0" anchor="ctr" anchorCtr="0" forceAA="0" compatLnSpc="1">
-              <a:prstTxWarp prst="textNoShape">
-                <a:avLst/>
-              </a:prstTxWarp>
-              <a:noAutofit/>
-            </a:bodyPr>
-            <a:lstStyle/>
-            <a:p>
-              <a:pPr algn="ctr"/>
-              <a:r>
-                <a:rPr lang="en-US" altLang="zh-TW" sz="1800" dirty="0" smtClean="0">
-                  <a:solidFill>
-                    <a:srgbClr val="D9F5FF"/>
-                  </a:solidFill>
-                  <a:latin typeface="Source Code Pro" panose="020B0509030403020204" pitchFamily="49" charset="0"/>
-                </a:rPr>
-                <a:t>Conv1D(3,512</a:t>
-              </a:r>
-              <a:r>
-                <a:rPr lang="en-US" altLang="zh-TW" sz="1800" dirty="0">
-                  <a:solidFill>
-                    <a:srgbClr val="D9F5FF"/>
-                  </a:solidFill>
-                  <a:latin typeface="Source Code Pro" panose="020B0509030403020204" pitchFamily="49" charset="0"/>
-                </a:rPr>
-                <a:t>)</a:t>
-              </a:r>
-              <a:endParaRPr lang="zh-TW" altLang="en-US" sz="1800" dirty="0">
-                <a:solidFill>
-                  <a:srgbClr val="D9F5FF"/>
-                </a:solidFill>
-                <a:latin typeface="Source Code Pro" panose="020B0509030403020204" pitchFamily="49" charset="0"/>
-              </a:endParaRPr>
-            </a:p>
-          </p:txBody>
-        </p:sp>
-      </p:grpSp>
-      <p:cxnSp>
-        <p:nvCxnSpPr>
-          <p:cNvPr id="94" name="肘形接點 39"/>
-          <p:cNvCxnSpPr>
-            <a:stCxn id="28" idx="3"/>
-          </p:cNvCxnSpPr>
-          <p:nvPr/>
-        </p:nvCxnSpPr>
-        <p:spPr>
-          <a:xfrm>
-            <a:off x="7444505" y="9632614"/>
-            <a:ext cx="1914140" cy="5807"/>
-          </a:xfrm>
-          <a:prstGeom prst="straightConnector1">
-            <a:avLst/>
-          </a:prstGeom>
-          <a:ln w="63500" cap="rnd">
-            <a:gradFill flip="none" rotWithShape="1">
-              <a:gsLst>
-                <a:gs pos="0">
-                  <a:srgbClr val="21C5FF"/>
-                </a:gs>
-                <a:gs pos="83000">
-                  <a:srgbClr val="8BC167"/>
-                </a:gs>
-              </a:gsLst>
-              <a:lin ang="0" scaled="1"/>
-              <a:tileRect/>
-            </a:gradFill>
-            <a:round/>
-            <a:tailEnd type="triangle"/>
-          </a:ln>
-        </p:spPr>
-        <p:style>
-          <a:lnRef idx="1">
-            <a:schemeClr val="accent1"/>
-          </a:lnRef>
-          <a:fillRef idx="0">
-            <a:schemeClr val="accent1"/>
-          </a:fillRef>
-          <a:effectRef idx="0">
-            <a:schemeClr val="accent1"/>
-          </a:effectRef>
-          <a:fontRef idx="minor">
-            <a:schemeClr val="tx1"/>
-          </a:fontRef>
-        </p:style>
-      </p:cxnSp>
-      <p:cxnSp>
-        <p:nvCxnSpPr>
-          <p:cNvPr id="97" name="肘形接點 39"/>
-          <p:cNvCxnSpPr>
-            <a:stCxn id="32" idx="3"/>
-          </p:cNvCxnSpPr>
-          <p:nvPr/>
-        </p:nvCxnSpPr>
-        <p:spPr>
-          <a:xfrm flipV="1">
-            <a:off x="7444505" y="9014460"/>
-            <a:ext cx="1914140" cy="9176"/>
-          </a:xfrm>
-          <a:prstGeom prst="straightConnector1">
-            <a:avLst/>
-          </a:prstGeom>
-          <a:ln w="63500" cap="rnd">
-            <a:gradFill flip="none" rotWithShape="1">
-              <a:gsLst>
-                <a:gs pos="0">
-                  <a:srgbClr val="21C5FF"/>
-                </a:gs>
-                <a:gs pos="83000">
-                  <a:srgbClr val="8BC167"/>
-                </a:gs>
-              </a:gsLst>
-              <a:lin ang="0" scaled="1"/>
-              <a:tileRect/>
-            </a:gradFill>
-            <a:round/>
-            <a:tailEnd type="triangle"/>
-          </a:ln>
-        </p:spPr>
-        <p:style>
-          <a:lnRef idx="1">
-            <a:schemeClr val="accent1"/>
-          </a:lnRef>
-          <a:fillRef idx="0">
-            <a:schemeClr val="accent1"/>
-          </a:fillRef>
-          <a:effectRef idx="0">
-            <a:schemeClr val="accent1"/>
-          </a:effectRef>
-          <a:fontRef idx="minor">
-            <a:schemeClr val="tx1"/>
-          </a:fontRef>
-        </p:style>
-      </p:cxnSp>
-      <p:cxnSp>
-        <p:nvCxnSpPr>
-          <p:cNvPr id="161" name="肘形接點 86"/>
-          <p:cNvCxnSpPr>
-            <a:endCxn id="31" idx="0"/>
-          </p:cNvCxnSpPr>
-          <p:nvPr/>
-        </p:nvCxnSpPr>
-        <p:spPr>
-          <a:xfrm>
-            <a:off x="5932697" y="8221961"/>
-            <a:ext cx="0" cy="497187"/>
-          </a:xfrm>
-          <a:prstGeom prst="straightConnector1">
-            <a:avLst/>
-          </a:prstGeom>
-          <a:ln w="63500" cap="rnd">
-            <a:gradFill flip="none" rotWithShape="1">
-              <a:gsLst>
-                <a:gs pos="96000">
-                  <a:srgbClr val="21C5FF"/>
-                </a:gs>
-                <a:gs pos="0">
-                  <a:srgbClr val="B482DA"/>
-                </a:gs>
-              </a:gsLst>
-              <a:lin ang="5400000" scaled="0"/>
-              <a:tileRect/>
-            </a:gradFill>
-            <a:round/>
-            <a:tailEnd type="triangle"/>
-          </a:ln>
-        </p:spPr>
-        <p:style>
-          <a:lnRef idx="1">
-            <a:schemeClr val="accent1"/>
-          </a:lnRef>
-          <a:fillRef idx="0">
-            <a:schemeClr val="accent1"/>
-          </a:fillRef>
-          <a:effectRef idx="0">
-            <a:schemeClr val="accent1"/>
-          </a:effectRef>
-          <a:fontRef idx="minor">
-            <a:schemeClr val="tx1"/>
-          </a:fontRef>
-        </p:style>
-      </p:cxnSp>
-      <p:cxnSp>
-        <p:nvCxnSpPr>
-          <p:cNvPr id="40" name="肘形接點 39"/>
-          <p:cNvCxnSpPr>
-            <a:stCxn id="26" idx="3"/>
-          </p:cNvCxnSpPr>
-          <p:nvPr/>
-        </p:nvCxnSpPr>
-        <p:spPr>
-          <a:xfrm flipV="1">
-            <a:off x="7444505" y="10227179"/>
-            <a:ext cx="1914140" cy="14412"/>
-          </a:xfrm>
-          <a:prstGeom prst="straightConnector1">
-            <a:avLst/>
-          </a:prstGeom>
-          <a:ln w="63500" cap="rnd">
-            <a:gradFill flip="none" rotWithShape="1">
-              <a:gsLst>
-                <a:gs pos="0">
-                  <a:srgbClr val="21C5FF"/>
-                </a:gs>
-                <a:gs pos="83000">
-                  <a:srgbClr val="8BC167"/>
-                </a:gs>
-              </a:gsLst>
-              <a:lin ang="0" scaled="1"/>
-              <a:tileRect/>
-            </a:gradFill>
-            <a:round/>
-            <a:tailEnd type="triangle"/>
-          </a:ln>
-        </p:spPr>
-        <p:style>
-          <a:lnRef idx="1">
-            <a:schemeClr val="accent1"/>
-          </a:lnRef>
-          <a:fillRef idx="0">
-            <a:schemeClr val="accent1"/>
-          </a:fillRef>
-          <a:effectRef idx="0">
-            <a:schemeClr val="accent1"/>
-          </a:effectRef>
-          <a:fontRef idx="minor">
-            <a:schemeClr val="tx1"/>
-          </a:fontRef>
-        </p:style>
-      </p:cxnSp>
-      <p:sp>
-        <p:nvSpPr>
-          <p:cNvPr id="19" name="矩形 18"/>
-          <p:cNvSpPr/>
-          <p:nvPr/>
-        </p:nvSpPr>
-        <p:spPr>
-          <a:xfrm>
-            <a:off x="4559178" y="11621255"/>
-            <a:ext cx="3739870" cy="751755"/>
-          </a:xfrm>
-          <a:prstGeom prst="rect">
-            <a:avLst/>
-          </a:prstGeom>
-          <a:solidFill>
-            <a:srgbClr val="282828"/>
-          </a:solidFill>
-          <a:ln>
-            <a:noFill/>
-          </a:ln>
-        </p:spPr>
-        <p:style>
-          <a:lnRef idx="2">
-            <a:schemeClr val="accent1">
-              <a:shade val="50000"/>
-            </a:schemeClr>
-          </a:lnRef>
-          <a:fillRef idx="1">
-            <a:schemeClr val="accent1"/>
-          </a:fillRef>
-          <a:effectRef idx="0">
-            <a:schemeClr val="accent1"/>
-          </a:effectRef>
-          <a:fontRef idx="minor">
-            <a:schemeClr val="lt1"/>
-          </a:fontRef>
-        </p:style>
-        <p:txBody>
-          <a:bodyPr rtlCol="0" anchor="ctr"/>
-          <a:lstStyle/>
-          <a:p>
-            <a:pPr algn="ctr"/>
-            <a:r>
-              <a:rPr lang="en-US" altLang="zh-TW" sz="2400" dirty="0" err="1" smtClean="0">
-                <a:latin typeface="SauceCodePro Nerd Font" panose="020B0509030403020204" pitchFamily="49" charset="0"/>
-                <a:ea typeface="SauceCodePro Nerd Font" panose="020B0509030403020204" pitchFamily="49" charset="0"/>
-              </a:rPr>
-              <a:t>Downsample</a:t>
-            </a:r>
-            <a:r>
-              <a:rPr lang="en-US" altLang="zh-TW" sz="2400" dirty="0" smtClean="0">
-                <a:latin typeface="SauceCodePro Nerd Font" panose="020B0509030403020204" pitchFamily="49" charset="0"/>
-                <a:ea typeface="SauceCodePro Nerd Font" panose="020B0509030403020204" pitchFamily="49" charset="0"/>
-              </a:rPr>
-              <a:t> Rate = 2</a:t>
-            </a:r>
-          </a:p>
-        </p:txBody>
-      </p:sp>
-    </p:spTree>
-    <p:extLst>
-      <p:ext uri="{BB962C8B-B14F-4D97-AF65-F5344CB8AC3E}">
-        <p14:creationId xmlns:p14="http://schemas.microsoft.com/office/powerpoint/2010/main" val="3062676085"/>
       </p:ext>
     </p:extLst>
   </p:cSld>
